--- a/详细设计/SE2020-G14-详细设计0.2/SE2020-G14-设计说明0.2.pptx
+++ b/详细设计/SE2020-G14-详细设计0.2/SE2020-G14-设计说明0.2.pptx
@@ -5,10 +5,10 @@
     <p:sldMasterId id="2147483940" r:id="rId1"/>
   </p:sldMasterIdLst>
   <p:notesMasterIdLst>
-    <p:notesMasterId r:id="rId36"/>
+    <p:notesMasterId r:id="rId37"/>
   </p:notesMasterIdLst>
   <p:handoutMasterIdLst>
-    <p:handoutMasterId r:id="rId37"/>
+    <p:handoutMasterId r:id="rId38"/>
   </p:handoutMasterIdLst>
   <p:sldIdLst>
     <p:sldId id="3191" r:id="rId2"/>
@@ -42,14 +42,15 @@
     <p:sldId id="3195" r:id="rId30"/>
     <p:sldId id="3204" r:id="rId31"/>
     <p:sldId id="3226" r:id="rId32"/>
-    <p:sldId id="3205" r:id="rId33"/>
-    <p:sldId id="3146" r:id="rId34"/>
-    <p:sldId id="3197" r:id="rId35"/>
+    <p:sldId id="3237" r:id="rId33"/>
+    <p:sldId id="3205" r:id="rId34"/>
+    <p:sldId id="3146" r:id="rId35"/>
+    <p:sldId id="3197" r:id="rId36"/>
   </p:sldIdLst>
   <p:sldSz cx="12858750" cy="7232650"/>
   <p:notesSz cx="6858000" cy="9144000"/>
   <p:custDataLst>
-    <p:tags r:id="rId38"/>
+    <p:tags r:id="rId39"/>
   </p:custDataLst>
   <p:defaultTextStyle>
     <a:defPPr>
@@ -936,7 +937,7 @@
             <a:fld id="{418F03C3-53C1-4F10-8DAF-D1F318E96C6E}" type="slidenum">
               <a:rPr lang="zh-CN" altLang="en-US" smtClean="0"/>
               <a:pPr/>
-              <a:t>32</a:t>
+              <a:t>33</a:t>
             </a:fld>
             <a:endParaRPr lang="zh-CN" altLang="en-US"/>
           </a:p>
@@ -1021,7 +1022,7 @@
             <a:fld id="{418F03C3-53C1-4F10-8DAF-D1F318E96C6E}" type="slidenum">
               <a:rPr lang="zh-CN" altLang="en-US" smtClean="0"/>
               <a:pPr/>
-              <a:t>33</a:t>
+              <a:t>34</a:t>
             </a:fld>
             <a:endParaRPr lang="zh-CN" altLang="en-US"/>
           </a:p>
@@ -1106,7 +1107,7 @@
             <a:fld id="{418F03C3-53C1-4F10-8DAF-D1F318E96C6E}" type="slidenum">
               <a:rPr lang="zh-CN" altLang="en-US" smtClean="0"/>
               <a:pPr/>
-              <a:t>34</a:t>
+              <a:t>35</a:t>
             </a:fld>
             <a:endParaRPr lang="zh-CN" altLang="en-US"/>
           </a:p>
@@ -30078,6 +30079,126 @@
           </a:p>
         </p:txBody>
       </p:sp>
+      <p:pic>
+        <p:nvPicPr>
+          <p:cNvPr id="4" name="图片 3">
+            <a:extLst>
+              <a:ext uri="{FF2B5EF4-FFF2-40B4-BE49-F238E27FC236}">
+                <a16:creationId xmlns:a16="http://schemas.microsoft.com/office/drawing/2014/main" id="{48117E8C-EEB0-4859-AB3A-554F5EDB0B12}"/>
+              </a:ext>
+            </a:extLst>
+          </p:cNvPr>
+          <p:cNvPicPr>
+            <a:picLocks noChangeAspect="1"/>
+          </p:cNvPicPr>
+          <p:nvPr/>
+        </p:nvPicPr>
+        <p:blipFill>
+          <a:blip r:embed="rId2"/>
+          <a:stretch>
+            <a:fillRect/>
+          </a:stretch>
+        </p:blipFill>
+        <p:spPr>
+          <a:xfrm>
+            <a:off x="5049406" y="2222117"/>
+            <a:ext cx="7776864" cy="4006263"/>
+          </a:xfrm>
+          <a:prstGeom prst="rect">
+            <a:avLst/>
+          </a:prstGeom>
+        </p:spPr>
+      </p:pic>
+      <p:pic>
+        <p:nvPicPr>
+          <p:cNvPr id="8" name="图片 7">
+            <a:extLst>
+              <a:ext uri="{FF2B5EF4-FFF2-40B4-BE49-F238E27FC236}">
+                <a16:creationId xmlns:a16="http://schemas.microsoft.com/office/drawing/2014/main" id="{F730916B-7BB8-497B-B16B-516BE2D17212}"/>
+              </a:ext>
+            </a:extLst>
+          </p:cNvPr>
+          <p:cNvPicPr>
+            <a:picLocks noChangeAspect="1"/>
+          </p:cNvPicPr>
+          <p:nvPr/>
+        </p:nvPicPr>
+        <p:blipFill>
+          <a:blip r:embed="rId3"/>
+          <a:stretch>
+            <a:fillRect/>
+          </a:stretch>
+        </p:blipFill>
+        <p:spPr>
+          <a:xfrm>
+            <a:off x="236687" y="1312069"/>
+            <a:ext cx="4631053" cy="1586735"/>
+          </a:xfrm>
+          <a:prstGeom prst="rect">
+            <a:avLst/>
+          </a:prstGeom>
+        </p:spPr>
+      </p:pic>
+      <p:pic>
+        <p:nvPicPr>
+          <p:cNvPr id="10" name="图片 9">
+            <a:extLst>
+              <a:ext uri="{FF2B5EF4-FFF2-40B4-BE49-F238E27FC236}">
+                <a16:creationId xmlns:a16="http://schemas.microsoft.com/office/drawing/2014/main" id="{1A2976C1-8832-45B3-A596-D2F6F1236BA8}"/>
+              </a:ext>
+            </a:extLst>
+          </p:cNvPr>
+          <p:cNvPicPr>
+            <a:picLocks noChangeAspect="1"/>
+          </p:cNvPicPr>
+          <p:nvPr/>
+        </p:nvPicPr>
+        <p:blipFill>
+          <a:blip r:embed="rId4"/>
+          <a:stretch>
+            <a:fillRect/>
+          </a:stretch>
+        </p:blipFill>
+        <p:spPr>
+          <a:xfrm>
+            <a:off x="236687" y="3138145"/>
+            <a:ext cx="4749104" cy="2220760"/>
+          </a:xfrm>
+          <a:prstGeom prst="rect">
+            <a:avLst/>
+          </a:prstGeom>
+        </p:spPr>
+      </p:pic>
+      <p:pic>
+        <p:nvPicPr>
+          <p:cNvPr id="12" name="图片 11">
+            <a:extLst>
+              <a:ext uri="{FF2B5EF4-FFF2-40B4-BE49-F238E27FC236}">
+                <a16:creationId xmlns:a16="http://schemas.microsoft.com/office/drawing/2014/main" id="{3B5A3548-0E84-4553-8C65-18C135318F97}"/>
+              </a:ext>
+            </a:extLst>
+          </p:cNvPr>
+          <p:cNvPicPr>
+            <a:picLocks noChangeAspect="1"/>
+          </p:cNvPicPr>
+          <p:nvPr/>
+        </p:nvPicPr>
+        <p:blipFill>
+          <a:blip r:embed="rId5"/>
+          <a:stretch>
+            <a:fillRect/>
+          </a:stretch>
+        </p:blipFill>
+        <p:spPr>
+          <a:xfrm>
+            <a:off x="223071" y="5513903"/>
+            <a:ext cx="4749104" cy="1445379"/>
+          </a:xfrm>
+          <a:prstGeom prst="rect">
+            <a:avLst/>
+          </a:prstGeom>
+        </p:spPr>
+      </p:pic>
     </p:spTree>
     <p:extLst>
       <p:ext uri="{BB962C8B-B14F-4D97-AF65-F5344CB8AC3E}">
@@ -32569,6 +32690,728 @@
       </p:grpSpPr>
       <p:sp>
         <p:nvSpPr>
+          <p:cNvPr id="4" name="椭圆 3">
+            <a:extLst>
+              <a:ext uri="{FF2B5EF4-FFF2-40B4-BE49-F238E27FC236}">
+                <a16:creationId xmlns:a16="http://schemas.microsoft.com/office/drawing/2014/main" id="{6AD90C0F-86DE-42B1-A0AB-034852042189}"/>
+              </a:ext>
+            </a:extLst>
+          </p:cNvPr>
+          <p:cNvSpPr/>
+          <p:nvPr/>
+        </p:nvSpPr>
+        <p:spPr>
+          <a:xfrm>
+            <a:off x="532958" y="327049"/>
+            <a:ext cx="367982" cy="367982"/>
+          </a:xfrm>
+          <a:prstGeom prst="ellipse">
+            <a:avLst/>
+          </a:prstGeom>
+          <a:ln>
+            <a:noFill/>
+          </a:ln>
+          <a:effectLst>
+            <a:outerShdw blurRad="127000" dist="76200" dir="2700000" algn="tl" rotWithShape="0">
+              <a:prstClr val="black">
+                <a:alpha val="40000"/>
+              </a:prstClr>
+            </a:outerShdw>
+          </a:effectLst>
+        </p:spPr>
+        <p:style>
+          <a:lnRef idx="2">
+            <a:schemeClr val="accent1">
+              <a:shade val="50000"/>
+            </a:schemeClr>
+          </a:lnRef>
+          <a:fillRef idx="1">
+            <a:schemeClr val="accent1"/>
+          </a:fillRef>
+          <a:effectRef idx="0">
+            <a:schemeClr val="accent1"/>
+          </a:effectRef>
+          <a:fontRef idx="minor">
+            <a:schemeClr val="lt1"/>
+          </a:fontRef>
+        </p:style>
+        <p:txBody>
+          <a:bodyPr rtlCol="0" anchor="ctr"/>
+          <a:lstStyle/>
+          <a:p>
+            <a:pPr algn="ctr"/>
+            <a:endParaRPr lang="zh-CN" altLang="en-US">
+              <a:solidFill>
+                <a:schemeClr val="accent2">
+                  <a:lumMod val="75000"/>
+                </a:schemeClr>
+              </a:solidFill>
+              <a:latin typeface="Arial" panose="020B0604020202020204" pitchFamily="34" charset="0"/>
+              <a:ea typeface="微软雅黑" panose="020B0503020204020204" pitchFamily="34" charset="-122"/>
+              <a:sym typeface="Arial" panose="020B0604020202020204" pitchFamily="34" charset="0"/>
+            </a:endParaRPr>
+          </a:p>
+        </p:txBody>
+      </p:sp>
+      <p:sp>
+        <p:nvSpPr>
+          <p:cNvPr id="5" name="椭圆 4">
+            <a:extLst>
+              <a:ext uri="{FF2B5EF4-FFF2-40B4-BE49-F238E27FC236}">
+                <a16:creationId xmlns:a16="http://schemas.microsoft.com/office/drawing/2014/main" id="{17F20972-BA4C-4336-8271-76C6C582E991}"/>
+              </a:ext>
+            </a:extLst>
+          </p:cNvPr>
+          <p:cNvSpPr/>
+          <p:nvPr/>
+        </p:nvSpPr>
+        <p:spPr>
+          <a:xfrm>
+            <a:off x="800016" y="327049"/>
+            <a:ext cx="201847" cy="201847"/>
+          </a:xfrm>
+          <a:prstGeom prst="ellipse">
+            <a:avLst/>
+          </a:prstGeom>
+          <a:solidFill>
+            <a:schemeClr val="bg1">
+              <a:lumMod val="95000"/>
+            </a:schemeClr>
+          </a:solidFill>
+          <a:ln>
+            <a:noFill/>
+          </a:ln>
+          <a:effectLst>
+            <a:outerShdw blurRad="127000" dist="76200" dir="2700000" algn="tl" rotWithShape="0">
+              <a:prstClr val="black">
+                <a:alpha val="40000"/>
+              </a:prstClr>
+            </a:outerShdw>
+          </a:effectLst>
+        </p:spPr>
+        <p:style>
+          <a:lnRef idx="2">
+            <a:schemeClr val="accent1">
+              <a:shade val="50000"/>
+            </a:schemeClr>
+          </a:lnRef>
+          <a:fillRef idx="1">
+            <a:schemeClr val="accent1"/>
+          </a:fillRef>
+          <a:effectRef idx="0">
+            <a:schemeClr val="accent1"/>
+          </a:effectRef>
+          <a:fontRef idx="minor">
+            <a:schemeClr val="lt1"/>
+          </a:fontRef>
+        </p:style>
+        <p:txBody>
+          <a:bodyPr rtlCol="0" anchor="ctr"/>
+          <a:lstStyle/>
+          <a:p>
+            <a:pPr algn="ctr"/>
+            <a:endParaRPr lang="zh-CN" altLang="en-US">
+              <a:solidFill>
+                <a:schemeClr val="accent2">
+                  <a:lumMod val="75000"/>
+                </a:schemeClr>
+              </a:solidFill>
+              <a:latin typeface="Arial" panose="020B0604020202020204" pitchFamily="34" charset="0"/>
+              <a:ea typeface="微软雅黑" panose="020B0503020204020204" pitchFamily="34" charset="-122"/>
+              <a:sym typeface="Arial" panose="020B0604020202020204" pitchFamily="34" charset="0"/>
+            </a:endParaRPr>
+          </a:p>
+        </p:txBody>
+      </p:sp>
+      <p:sp>
+        <p:nvSpPr>
+          <p:cNvPr id="6" name="Content Placeholder 2">
+            <a:extLst>
+              <a:ext uri="{FF2B5EF4-FFF2-40B4-BE49-F238E27FC236}">
+                <a16:creationId xmlns:a16="http://schemas.microsoft.com/office/drawing/2014/main" id="{0B2A7F85-7C0C-4248-B137-ED25E1F22628}"/>
+              </a:ext>
+            </a:extLst>
+          </p:cNvPr>
+          <p:cNvSpPr txBox="1">
+            <a:spLocks/>
+          </p:cNvSpPr>
+          <p:nvPr/>
+        </p:nvSpPr>
+        <p:spPr>
+          <a:xfrm>
+            <a:off x="1095235" y="242438"/>
+            <a:ext cx="4470044" cy="367982"/>
+          </a:xfrm>
+          <a:prstGeom prst="rect">
+            <a:avLst/>
+          </a:prstGeom>
+        </p:spPr>
+        <p:txBody>
+          <a:bodyPr vert="horz" lIns="96435" tIns="48218" rIns="96435" bIns="48218" rtlCol="0" anchor="t">
+            <a:noAutofit/>
+          </a:bodyPr>
+          <a:lstStyle>
+            <a:lvl1pPr marL="0" indent="0" algn="r" defTabSz="457200" rtl="0" eaLnBrk="1" latinLnBrk="0" hangingPunct="1">
+              <a:spcBef>
+                <a:spcPct val="20000"/>
+              </a:spcBef>
+              <a:spcAft>
+                <a:spcPts val="600"/>
+              </a:spcAft>
+              <a:buClr>
+                <a:schemeClr val="accent1">
+                  <a:lumMod val="75000"/>
+                </a:schemeClr>
+              </a:buClr>
+              <a:buSzPct val="145000"/>
+              <a:buFont typeface="Arial"/>
+              <a:buNone/>
+              <a:defRPr sz="2100" kern="1200" cap="none">
+                <a:solidFill>
+                  <a:schemeClr val="tx1"/>
+                </a:solidFill>
+                <a:effectLst/>
+                <a:latin typeface="+mn-lt"/>
+                <a:ea typeface="+mn-ea"/>
+                <a:cs typeface="+mn-cs"/>
+              </a:defRPr>
+            </a:lvl1pPr>
+            <a:lvl2pPr marL="457200" indent="0" algn="ctr" defTabSz="457200" rtl="0" eaLnBrk="1" latinLnBrk="0" hangingPunct="1">
+              <a:spcBef>
+                <a:spcPct val="20000"/>
+              </a:spcBef>
+              <a:spcAft>
+                <a:spcPts val="600"/>
+              </a:spcAft>
+              <a:buClr>
+                <a:schemeClr val="accent1">
+                  <a:lumMod val="75000"/>
+                </a:schemeClr>
+              </a:buClr>
+              <a:buSzPct val="145000"/>
+              <a:buFont typeface="Arial"/>
+              <a:buNone/>
+              <a:defRPr sz="2000" kern="1200" cap="none">
+                <a:solidFill>
+                  <a:schemeClr val="tx1">
+                    <a:tint val="75000"/>
+                  </a:schemeClr>
+                </a:solidFill>
+                <a:effectLst/>
+                <a:latin typeface="+mn-lt"/>
+                <a:ea typeface="+mn-ea"/>
+                <a:cs typeface="+mn-cs"/>
+              </a:defRPr>
+            </a:lvl2pPr>
+            <a:lvl3pPr marL="914400" indent="0" algn="ctr" defTabSz="457200" rtl="0" eaLnBrk="1" latinLnBrk="0" hangingPunct="1">
+              <a:spcBef>
+                <a:spcPct val="20000"/>
+              </a:spcBef>
+              <a:spcAft>
+                <a:spcPts val="600"/>
+              </a:spcAft>
+              <a:buClr>
+                <a:schemeClr val="accent1">
+                  <a:lumMod val="75000"/>
+                </a:schemeClr>
+              </a:buClr>
+              <a:buSzPct val="145000"/>
+              <a:buFont typeface="Arial"/>
+              <a:buNone/>
+              <a:defRPr sz="1800" kern="1200" cap="none">
+                <a:solidFill>
+                  <a:schemeClr val="tx1">
+                    <a:tint val="75000"/>
+                  </a:schemeClr>
+                </a:solidFill>
+                <a:effectLst/>
+                <a:latin typeface="+mn-lt"/>
+                <a:ea typeface="+mn-ea"/>
+                <a:cs typeface="+mn-cs"/>
+              </a:defRPr>
+            </a:lvl3pPr>
+            <a:lvl4pPr marL="1371600" indent="0" algn="ctr" defTabSz="457200" rtl="0" eaLnBrk="1" latinLnBrk="0" hangingPunct="1">
+              <a:spcBef>
+                <a:spcPct val="20000"/>
+              </a:spcBef>
+              <a:spcAft>
+                <a:spcPts val="600"/>
+              </a:spcAft>
+              <a:buClr>
+                <a:schemeClr val="accent1">
+                  <a:lumMod val="75000"/>
+                </a:schemeClr>
+              </a:buClr>
+              <a:buSzPct val="145000"/>
+              <a:buFont typeface="Arial"/>
+              <a:buNone/>
+              <a:defRPr sz="1600" kern="1200" cap="none">
+                <a:solidFill>
+                  <a:schemeClr val="tx1">
+                    <a:tint val="75000"/>
+                  </a:schemeClr>
+                </a:solidFill>
+                <a:effectLst/>
+                <a:latin typeface="+mn-lt"/>
+                <a:ea typeface="+mn-ea"/>
+                <a:cs typeface="+mn-cs"/>
+              </a:defRPr>
+            </a:lvl4pPr>
+            <a:lvl5pPr marL="1828800" indent="0" algn="ctr" defTabSz="457200" rtl="0" eaLnBrk="1" latinLnBrk="0" hangingPunct="1">
+              <a:spcBef>
+                <a:spcPct val="20000"/>
+              </a:spcBef>
+              <a:spcAft>
+                <a:spcPts val="600"/>
+              </a:spcAft>
+              <a:buClr>
+                <a:schemeClr val="accent1">
+                  <a:lumMod val="75000"/>
+                </a:schemeClr>
+              </a:buClr>
+              <a:buSzPct val="145000"/>
+              <a:buFont typeface="Arial"/>
+              <a:buNone/>
+              <a:defRPr sz="1400" kern="1200" cap="none">
+                <a:solidFill>
+                  <a:schemeClr val="tx1">
+                    <a:tint val="75000"/>
+                  </a:schemeClr>
+                </a:solidFill>
+                <a:effectLst/>
+                <a:latin typeface="+mn-lt"/>
+                <a:ea typeface="+mn-ea"/>
+                <a:cs typeface="+mn-cs"/>
+              </a:defRPr>
+            </a:lvl5pPr>
+            <a:lvl6pPr marL="2286000" indent="0" algn="ctr" defTabSz="457200" rtl="0" eaLnBrk="1" latinLnBrk="0" hangingPunct="1">
+              <a:spcBef>
+                <a:spcPct val="20000"/>
+              </a:spcBef>
+              <a:spcAft>
+                <a:spcPts val="600"/>
+              </a:spcAft>
+              <a:buClr>
+                <a:schemeClr val="accent1">
+                  <a:lumMod val="75000"/>
+                </a:schemeClr>
+              </a:buClr>
+              <a:buSzPct val="145000"/>
+              <a:buFont typeface="Arial"/>
+              <a:buNone/>
+              <a:defRPr sz="1400" kern="1200" cap="none">
+                <a:solidFill>
+                  <a:schemeClr val="tx1">
+                    <a:tint val="75000"/>
+                  </a:schemeClr>
+                </a:solidFill>
+                <a:effectLst/>
+                <a:latin typeface="+mn-lt"/>
+                <a:ea typeface="+mn-ea"/>
+                <a:cs typeface="+mn-cs"/>
+              </a:defRPr>
+            </a:lvl6pPr>
+            <a:lvl7pPr marL="2743200" indent="0" algn="ctr" defTabSz="457200" rtl="0" eaLnBrk="1" latinLnBrk="0" hangingPunct="1">
+              <a:spcBef>
+                <a:spcPct val="20000"/>
+              </a:spcBef>
+              <a:spcAft>
+                <a:spcPts val="600"/>
+              </a:spcAft>
+              <a:buClr>
+                <a:schemeClr val="accent1">
+                  <a:lumMod val="75000"/>
+                </a:schemeClr>
+              </a:buClr>
+              <a:buSzPct val="145000"/>
+              <a:buFont typeface="Arial"/>
+              <a:buNone/>
+              <a:defRPr sz="1400" kern="1200" cap="none">
+                <a:solidFill>
+                  <a:schemeClr val="tx1">
+                    <a:tint val="75000"/>
+                  </a:schemeClr>
+                </a:solidFill>
+                <a:effectLst/>
+                <a:latin typeface="+mn-lt"/>
+                <a:ea typeface="+mn-ea"/>
+                <a:cs typeface="+mn-cs"/>
+              </a:defRPr>
+            </a:lvl7pPr>
+            <a:lvl8pPr marL="3200400" indent="0" algn="ctr" defTabSz="457200" rtl="0" eaLnBrk="1" latinLnBrk="0" hangingPunct="1">
+              <a:spcBef>
+                <a:spcPct val="20000"/>
+              </a:spcBef>
+              <a:spcAft>
+                <a:spcPts val="600"/>
+              </a:spcAft>
+              <a:buClr>
+                <a:schemeClr val="accent1">
+                  <a:lumMod val="75000"/>
+                </a:schemeClr>
+              </a:buClr>
+              <a:buSzPct val="145000"/>
+              <a:buFont typeface="Arial"/>
+              <a:buNone/>
+              <a:defRPr sz="1400" kern="1200" cap="none">
+                <a:solidFill>
+                  <a:schemeClr val="tx1">
+                    <a:tint val="75000"/>
+                  </a:schemeClr>
+                </a:solidFill>
+                <a:effectLst/>
+                <a:latin typeface="+mn-lt"/>
+                <a:ea typeface="+mn-ea"/>
+                <a:cs typeface="+mn-cs"/>
+              </a:defRPr>
+            </a:lvl8pPr>
+            <a:lvl9pPr marL="3657600" indent="0" algn="ctr" defTabSz="457200" rtl="0" eaLnBrk="1" latinLnBrk="0" hangingPunct="1">
+              <a:spcBef>
+                <a:spcPct val="20000"/>
+              </a:spcBef>
+              <a:spcAft>
+                <a:spcPts val="600"/>
+              </a:spcAft>
+              <a:buClr>
+                <a:schemeClr val="accent1">
+                  <a:lumMod val="75000"/>
+                </a:schemeClr>
+              </a:buClr>
+              <a:buSzPct val="145000"/>
+              <a:buFont typeface="Arial"/>
+              <a:buNone/>
+              <a:defRPr sz="1400" kern="1200" cap="none">
+                <a:solidFill>
+                  <a:schemeClr val="tx1">
+                    <a:tint val="75000"/>
+                  </a:schemeClr>
+                </a:solidFill>
+                <a:effectLst/>
+                <a:latin typeface="+mn-lt"/>
+                <a:ea typeface="+mn-ea"/>
+                <a:cs typeface="+mn-cs"/>
+              </a:defRPr>
+            </a:lvl9pPr>
+          </a:lstStyle>
+          <a:p>
+            <a:pPr algn="l"/>
+            <a:r>
+              <a:rPr lang="zh-CN" altLang="en-US" sz="3200" dirty="0">
+                <a:latin typeface="+mn-ea"/>
+                <a:cs typeface="+mn-ea"/>
+                <a:sym typeface="Arial" panose="020B0604020202020204" pitchFamily="34" charset="0"/>
+              </a:rPr>
+              <a:t>成员分工及评价（</a:t>
+            </a:r>
+            <a:r>
+              <a:rPr lang="en-US" altLang="zh-CN" sz="3200" dirty="0">
+                <a:latin typeface="+mn-ea"/>
+                <a:cs typeface="+mn-ea"/>
+                <a:sym typeface="Arial" panose="020B0604020202020204" pitchFamily="34" charset="0"/>
+              </a:rPr>
+              <a:t>3</a:t>
+            </a:r>
+            <a:r>
+              <a:rPr lang="zh-CN" altLang="en-US" sz="3200" dirty="0">
+                <a:latin typeface="+mn-ea"/>
+                <a:cs typeface="+mn-ea"/>
+                <a:sym typeface="Arial" panose="020B0604020202020204" pitchFamily="34" charset="0"/>
+              </a:rPr>
+              <a:t>）</a:t>
+            </a:r>
+            <a:endParaRPr lang="en-US" sz="3200" dirty="0">
+              <a:latin typeface="+mn-ea"/>
+              <a:cs typeface="+mn-ea"/>
+              <a:sym typeface="Arial" panose="020B0604020202020204" pitchFamily="34" charset="0"/>
+            </a:endParaRPr>
+          </a:p>
+        </p:txBody>
+      </p:sp>
+      <p:sp>
+        <p:nvSpPr>
+          <p:cNvPr id="7" name="文本框 6">
+            <a:extLst>
+              <a:ext uri="{FF2B5EF4-FFF2-40B4-BE49-F238E27FC236}">
+                <a16:creationId xmlns:a16="http://schemas.microsoft.com/office/drawing/2014/main" id="{DA2F17F2-7C71-4333-B48B-D60AA0D47B54}"/>
+              </a:ext>
+            </a:extLst>
+          </p:cNvPr>
+          <p:cNvSpPr txBox="1"/>
+          <p:nvPr/>
+        </p:nvSpPr>
+        <p:spPr>
+          <a:xfrm>
+            <a:off x="2900983" y="5200501"/>
+            <a:ext cx="7920880" cy="1477328"/>
+          </a:xfrm>
+          <a:prstGeom prst="rect">
+            <a:avLst/>
+          </a:prstGeom>
+          <a:noFill/>
+        </p:spPr>
+        <p:txBody>
+          <a:bodyPr wrap="square" rtlCol="0">
+            <a:spAutoFit/>
+          </a:bodyPr>
+          <a:lstStyle/>
+          <a:p>
+            <a:r>
+              <a:rPr lang="zh-CN" altLang="en-US" dirty="0">
+                <a:latin typeface="微软雅黑" panose="020B0503020204020204" pitchFamily="34" charset="-122"/>
+                <a:ea typeface="微软雅黑" panose="020B0503020204020204" pitchFamily="34" charset="-122"/>
+              </a:rPr>
+              <a:t>组长评分标准：起始分</a:t>
+            </a:r>
+            <a:r>
+              <a:rPr lang="en-US" altLang="zh-CN" dirty="0">
+                <a:latin typeface="微软雅黑" panose="020B0503020204020204" pitchFamily="34" charset="-122"/>
+                <a:ea typeface="微软雅黑" panose="020B0503020204020204" pitchFamily="34" charset="-122"/>
+              </a:rPr>
+              <a:t>100</a:t>
+            </a:r>
+            <a:r>
+              <a:rPr lang="zh-CN" altLang="en-US" dirty="0">
+                <a:latin typeface="微软雅黑" panose="020B0503020204020204" pitchFamily="34" charset="-122"/>
+                <a:ea typeface="微软雅黑" panose="020B0503020204020204" pitchFamily="34" charset="-122"/>
+              </a:rPr>
+              <a:t>分，未按时完成扣</a:t>
+            </a:r>
+            <a:r>
+              <a:rPr lang="en-US" altLang="zh-CN" dirty="0">
+                <a:latin typeface="微软雅黑" panose="020B0503020204020204" pitchFamily="34" charset="-122"/>
+                <a:ea typeface="微软雅黑" panose="020B0503020204020204" pitchFamily="34" charset="-122"/>
+              </a:rPr>
+              <a:t>5</a:t>
+            </a:r>
+            <a:r>
+              <a:rPr lang="zh-CN" altLang="en-US" dirty="0">
+                <a:latin typeface="微软雅黑" panose="020B0503020204020204" pitchFamily="34" charset="-122"/>
+                <a:ea typeface="微软雅黑" panose="020B0503020204020204" pitchFamily="34" charset="-122"/>
+              </a:rPr>
+              <a:t>分，未达到指标扣</a:t>
+            </a:r>
+            <a:r>
+              <a:rPr lang="en-US" altLang="zh-CN" dirty="0">
+                <a:latin typeface="微软雅黑" panose="020B0503020204020204" pitchFamily="34" charset="-122"/>
+                <a:ea typeface="微软雅黑" panose="020B0503020204020204" pitchFamily="34" charset="-122"/>
+              </a:rPr>
+              <a:t>5</a:t>
+            </a:r>
+            <a:r>
+              <a:rPr lang="zh-CN" altLang="en-US" dirty="0">
+                <a:latin typeface="微软雅黑" panose="020B0503020204020204" pitchFamily="34" charset="-122"/>
+                <a:ea typeface="微软雅黑" panose="020B0503020204020204" pitchFamily="34" charset="-122"/>
+              </a:rPr>
+              <a:t>分，</a:t>
+            </a:r>
+            <a:endParaRPr lang="en-US" altLang="zh-CN" dirty="0">
+              <a:latin typeface="微软雅黑" panose="020B0503020204020204" pitchFamily="34" charset="-122"/>
+              <a:ea typeface="微软雅黑" panose="020B0503020204020204" pitchFamily="34" charset="-122"/>
+            </a:endParaRPr>
+          </a:p>
+          <a:p>
+            <a:r>
+              <a:rPr lang="zh-CN" altLang="en-US" dirty="0">
+                <a:latin typeface="微软雅黑" panose="020B0503020204020204" pitchFamily="34" charset="-122"/>
+                <a:ea typeface="微软雅黑" panose="020B0503020204020204" pitchFamily="34" charset="-122"/>
+              </a:rPr>
+              <a:t>重要任务双倍扣分，扣完为止</a:t>
+            </a:r>
+            <a:endParaRPr lang="en-US" altLang="zh-CN" dirty="0">
+              <a:latin typeface="微软雅黑" panose="020B0503020204020204" pitchFamily="34" charset="-122"/>
+              <a:ea typeface="微软雅黑" panose="020B0503020204020204" pitchFamily="34" charset="-122"/>
+            </a:endParaRPr>
+          </a:p>
+          <a:p>
+            <a:r>
+              <a:rPr lang="zh-CN" altLang="en-US" dirty="0">
+                <a:latin typeface="微软雅黑" panose="020B0503020204020204" pitchFamily="34" charset="-122"/>
+                <a:ea typeface="微软雅黑" panose="020B0503020204020204" pitchFamily="34" charset="-122"/>
+              </a:rPr>
+              <a:t>自评</a:t>
+            </a:r>
+            <a:r>
+              <a:rPr lang="en-US" altLang="zh-CN" dirty="0">
+                <a:latin typeface="微软雅黑" panose="020B0503020204020204" pitchFamily="34" charset="-122"/>
+                <a:ea typeface="微软雅黑" panose="020B0503020204020204" pitchFamily="34" charset="-122"/>
+              </a:rPr>
+              <a:t>/</a:t>
+            </a:r>
+            <a:r>
+              <a:rPr lang="zh-CN" altLang="en-US" dirty="0">
+                <a:latin typeface="微软雅黑" panose="020B0503020204020204" pitchFamily="34" charset="-122"/>
+                <a:ea typeface="微软雅黑" panose="020B0503020204020204" pitchFamily="34" charset="-122"/>
+              </a:rPr>
+              <a:t>评分标准：主观评分</a:t>
+            </a:r>
+            <a:endParaRPr lang="en-US" altLang="zh-CN" dirty="0">
+              <a:latin typeface="微软雅黑" panose="020B0503020204020204" pitchFamily="34" charset="-122"/>
+              <a:ea typeface="微软雅黑" panose="020B0503020204020204" pitchFamily="34" charset="-122"/>
+            </a:endParaRPr>
+          </a:p>
+          <a:p>
+            <a:r>
+              <a:rPr lang="zh-CN" altLang="en-US" dirty="0">
+                <a:latin typeface="微软雅黑" panose="020B0503020204020204" pitchFamily="34" charset="-122"/>
+                <a:ea typeface="微软雅黑" panose="020B0503020204020204" pitchFamily="34" charset="-122"/>
+              </a:rPr>
+              <a:t>总评分</a:t>
+            </a:r>
+            <a:r>
+              <a:rPr lang="en-US" altLang="zh-CN" dirty="0">
+                <a:latin typeface="微软雅黑" panose="020B0503020204020204" pitchFamily="34" charset="-122"/>
+                <a:ea typeface="微软雅黑" panose="020B0503020204020204" pitchFamily="34" charset="-122"/>
+              </a:rPr>
+              <a:t>=</a:t>
+            </a:r>
+            <a:r>
+              <a:rPr lang="zh-CN" altLang="en-US" dirty="0">
+                <a:latin typeface="微软雅黑" panose="020B0503020204020204" pitchFamily="34" charset="-122"/>
+                <a:ea typeface="微软雅黑" panose="020B0503020204020204" pitchFamily="34" charset="-122"/>
+              </a:rPr>
+              <a:t>组长评分*</a:t>
+            </a:r>
+            <a:r>
+              <a:rPr lang="en-US" altLang="zh-CN" dirty="0">
+                <a:latin typeface="微软雅黑" panose="020B0503020204020204" pitchFamily="34" charset="-122"/>
+                <a:ea typeface="微软雅黑" panose="020B0503020204020204" pitchFamily="34" charset="-122"/>
+              </a:rPr>
+              <a:t>0.5+</a:t>
+            </a:r>
+            <a:r>
+              <a:rPr lang="zh-CN" altLang="en-US" dirty="0">
+                <a:latin typeface="微软雅黑" panose="020B0503020204020204" pitchFamily="34" charset="-122"/>
+                <a:ea typeface="微软雅黑" panose="020B0503020204020204" pitchFamily="34" charset="-122"/>
+              </a:rPr>
+              <a:t>自评</a:t>
+            </a:r>
+            <a:r>
+              <a:rPr lang="en-US" altLang="zh-CN" dirty="0">
+                <a:latin typeface="微软雅黑" panose="020B0503020204020204" pitchFamily="34" charset="-122"/>
+                <a:ea typeface="微软雅黑" panose="020B0503020204020204" pitchFamily="34" charset="-122"/>
+              </a:rPr>
+              <a:t>/</a:t>
+            </a:r>
+            <a:r>
+              <a:rPr lang="zh-CN" altLang="en-US" dirty="0">
+                <a:latin typeface="微软雅黑" panose="020B0503020204020204" pitchFamily="34" charset="-122"/>
+                <a:ea typeface="微软雅黑" panose="020B0503020204020204" pitchFamily="34" charset="-122"/>
+              </a:rPr>
+              <a:t>评分*</a:t>
+            </a:r>
+            <a:r>
+              <a:rPr lang="en-US" altLang="zh-CN" dirty="0">
+                <a:latin typeface="微软雅黑" panose="020B0503020204020204" pitchFamily="34" charset="-122"/>
+                <a:ea typeface="微软雅黑" panose="020B0503020204020204" pitchFamily="34" charset="-122"/>
+              </a:rPr>
+              <a:t>0.25+</a:t>
+            </a:r>
+            <a:r>
+              <a:rPr lang="zh-CN" altLang="en-US" dirty="0">
+                <a:latin typeface="微软雅黑" panose="020B0503020204020204" pitchFamily="34" charset="-122"/>
+                <a:ea typeface="微软雅黑" panose="020B0503020204020204" pitchFamily="34" charset="-122"/>
+              </a:rPr>
+              <a:t>自评</a:t>
+            </a:r>
+            <a:r>
+              <a:rPr lang="en-US" altLang="zh-CN" dirty="0">
+                <a:latin typeface="微软雅黑" panose="020B0503020204020204" pitchFamily="34" charset="-122"/>
+                <a:ea typeface="微软雅黑" panose="020B0503020204020204" pitchFamily="34" charset="-122"/>
+              </a:rPr>
+              <a:t>/</a:t>
+            </a:r>
+            <a:r>
+              <a:rPr lang="zh-CN" altLang="en-US" dirty="0">
+                <a:latin typeface="微软雅黑" panose="020B0503020204020204" pitchFamily="34" charset="-122"/>
+                <a:ea typeface="微软雅黑" panose="020B0503020204020204" pitchFamily="34" charset="-122"/>
+              </a:rPr>
+              <a:t>评分*</a:t>
+            </a:r>
+            <a:r>
+              <a:rPr lang="en-US" altLang="zh-CN" dirty="0">
+                <a:latin typeface="微软雅黑" panose="020B0503020204020204" pitchFamily="34" charset="-122"/>
+                <a:ea typeface="微软雅黑" panose="020B0503020204020204" pitchFamily="34" charset="-122"/>
+              </a:rPr>
+              <a:t>0.25</a:t>
+            </a:r>
+            <a:r>
+              <a:rPr lang="zh-CN" altLang="en-US" dirty="0">
+                <a:latin typeface="微软雅黑" panose="020B0503020204020204" pitchFamily="34" charset="-122"/>
+                <a:ea typeface="微软雅黑" panose="020B0503020204020204" pitchFamily="34" charset="-122"/>
+              </a:rPr>
+              <a:t>，小数四舍五入</a:t>
+            </a:r>
+          </a:p>
+          <a:p>
+            <a:endParaRPr lang="zh-CN" altLang="en-US" dirty="0">
+              <a:latin typeface="微软雅黑" panose="020B0503020204020204" pitchFamily="34" charset="-122"/>
+              <a:ea typeface="微软雅黑" panose="020B0503020204020204" pitchFamily="34" charset="-122"/>
+            </a:endParaRPr>
+          </a:p>
+        </p:txBody>
+      </p:sp>
+      <p:pic>
+        <p:nvPicPr>
+          <p:cNvPr id="2" name="图片 1">
+            <a:extLst>
+              <a:ext uri="{FF2B5EF4-FFF2-40B4-BE49-F238E27FC236}">
+                <a16:creationId xmlns:a16="http://schemas.microsoft.com/office/drawing/2014/main" id="{21621AE3-FA48-4B77-809C-3192216290C8}"/>
+              </a:ext>
+            </a:extLst>
+          </p:cNvPr>
+          <p:cNvPicPr>
+            <a:picLocks noChangeAspect="1"/>
+          </p:cNvPicPr>
+          <p:nvPr/>
+        </p:nvPicPr>
+        <p:blipFill>
+          <a:blip r:embed="rId2"/>
+          <a:stretch>
+            <a:fillRect/>
+          </a:stretch>
+        </p:blipFill>
+        <p:spPr>
+          <a:xfrm>
+            <a:off x="716949" y="1168053"/>
+            <a:ext cx="11796095" cy="3729578"/>
+          </a:xfrm>
+          <a:prstGeom prst="rect">
+            <a:avLst/>
+          </a:prstGeom>
+        </p:spPr>
+      </p:pic>
+    </p:spTree>
+    <p:extLst>
+      <p:ext uri="{BB962C8B-B14F-4D97-AF65-F5344CB8AC3E}">
+        <p14:creationId xmlns:p14="http://schemas.microsoft.com/office/powerpoint/2010/main" val="1290018454"/>
+      </p:ext>
+    </p:extLst>
+  </p:cSld>
+  <p:clrMapOvr>
+    <a:masterClrMapping/>
+  </p:clrMapOvr>
+</p:sld>
+</file>
+
+<file path=ppt/slides/slide33.xml><?xml version="1.0" encoding="utf-8"?>
+<p:sld xmlns:a="http://schemas.openxmlformats.org/drawingml/2006/main" xmlns:r="http://schemas.openxmlformats.org/officeDocument/2006/relationships" xmlns:p="http://schemas.openxmlformats.org/presentationml/2006/main">
+  <p:cSld>
+    <p:spTree>
+      <p:nvGrpSpPr>
+        <p:cNvPr id="1" name=""/>
+        <p:cNvGrpSpPr/>
+        <p:nvPr/>
+      </p:nvGrpSpPr>
+      <p:grpSpPr>
+        <a:xfrm>
+          <a:off x="0" y="0"/>
+          <a:ext cx="0" cy="0"/>
+          <a:chOff x="0" y="0"/>
+          <a:chExt cx="0" cy="0"/>
+        </a:xfrm>
+      </p:grpSpPr>
+      <p:sp>
+        <p:nvSpPr>
           <p:cNvPr id="29" name="任意多边形 28"/>
           <p:cNvSpPr/>
           <p:nvPr/>
@@ -33057,7 +33900,7 @@
 </p:sld>
 </file>
 
-<file path=ppt/slides/slide33.xml><?xml version="1.0" encoding="utf-8"?>
+<file path=ppt/slides/slide34.xml><?xml version="1.0" encoding="utf-8"?>
 <p:sld xmlns:a="http://schemas.openxmlformats.org/drawingml/2006/main" xmlns:r="http://schemas.openxmlformats.org/officeDocument/2006/relationships" xmlns:p="http://schemas.openxmlformats.org/presentationml/2006/main">
   <p:cSld>
     <p:spTree>
@@ -35741,7 +36584,7 @@
 </p:sld>
 </file>
 
-<file path=ppt/slides/slide34.xml><?xml version="1.0" encoding="utf-8"?>
+<file path=ppt/slides/slide35.xml><?xml version="1.0" encoding="utf-8"?>
 <p:sld xmlns:a="http://schemas.openxmlformats.org/drawingml/2006/main" xmlns:r="http://schemas.openxmlformats.org/officeDocument/2006/relationships" xmlns:p="http://schemas.openxmlformats.org/presentationml/2006/main">
   <p:cSld>
     <p:spTree>

--- a/详细设计/SE2020-G14-详细设计0.2/SE2020-G14-设计说明0.2.pptx
+++ b/详细设计/SE2020-G14-详细设计0.2/SE2020-G14-设计说明0.2.pptx
@@ -5,10 +5,10 @@
     <p:sldMasterId id="2147483940" r:id="rId1"/>
   </p:sldMasterIdLst>
   <p:notesMasterIdLst>
-    <p:notesMasterId r:id="rId37"/>
+    <p:notesMasterId r:id="rId38"/>
   </p:notesMasterIdLst>
   <p:handoutMasterIdLst>
-    <p:handoutMasterId r:id="rId38"/>
+    <p:handoutMasterId r:id="rId39"/>
   </p:handoutMasterIdLst>
   <p:sldIdLst>
     <p:sldId id="3191" r:id="rId2"/>
@@ -25,32 +25,33 @@
     <p:sldId id="3222" r:id="rId13"/>
     <p:sldId id="3230" r:id="rId14"/>
     <p:sldId id="3196" r:id="rId15"/>
-    <p:sldId id="3233" r:id="rId16"/>
-    <p:sldId id="3234" r:id="rId17"/>
-    <p:sldId id="3217" r:id="rId18"/>
-    <p:sldId id="3223" r:id="rId19"/>
-    <p:sldId id="3214" r:id="rId20"/>
-    <p:sldId id="3224" r:id="rId21"/>
-    <p:sldId id="3231" r:id="rId22"/>
-    <p:sldId id="3225" r:id="rId23"/>
-    <p:sldId id="3232" r:id="rId24"/>
-    <p:sldId id="3206" r:id="rId25"/>
-    <p:sldId id="3150" r:id="rId26"/>
-    <p:sldId id="3219" r:id="rId27"/>
-    <p:sldId id="3235" r:id="rId28"/>
-    <p:sldId id="3207" r:id="rId29"/>
-    <p:sldId id="3195" r:id="rId30"/>
-    <p:sldId id="3204" r:id="rId31"/>
-    <p:sldId id="3226" r:id="rId32"/>
-    <p:sldId id="3237" r:id="rId33"/>
-    <p:sldId id="3205" r:id="rId34"/>
-    <p:sldId id="3146" r:id="rId35"/>
-    <p:sldId id="3197" r:id="rId36"/>
+    <p:sldId id="3238" r:id="rId16"/>
+    <p:sldId id="3233" r:id="rId17"/>
+    <p:sldId id="3234" r:id="rId18"/>
+    <p:sldId id="3217" r:id="rId19"/>
+    <p:sldId id="3223" r:id="rId20"/>
+    <p:sldId id="3214" r:id="rId21"/>
+    <p:sldId id="3224" r:id="rId22"/>
+    <p:sldId id="3231" r:id="rId23"/>
+    <p:sldId id="3225" r:id="rId24"/>
+    <p:sldId id="3232" r:id="rId25"/>
+    <p:sldId id="3206" r:id="rId26"/>
+    <p:sldId id="3150" r:id="rId27"/>
+    <p:sldId id="3219" r:id="rId28"/>
+    <p:sldId id="3235" r:id="rId29"/>
+    <p:sldId id="3207" r:id="rId30"/>
+    <p:sldId id="3195" r:id="rId31"/>
+    <p:sldId id="3204" r:id="rId32"/>
+    <p:sldId id="3226" r:id="rId33"/>
+    <p:sldId id="3237" r:id="rId34"/>
+    <p:sldId id="3205" r:id="rId35"/>
+    <p:sldId id="3146" r:id="rId36"/>
+    <p:sldId id="3197" r:id="rId37"/>
   </p:sldIdLst>
   <p:sldSz cx="12858750" cy="7232650"/>
   <p:notesSz cx="6858000" cy="9144000"/>
   <p:custDataLst>
-    <p:tags r:id="rId39"/>
+    <p:tags r:id="rId40"/>
   </p:custDataLst>
   <p:defaultTextStyle>
     <a:defPPr>
@@ -306,7 +307,7 @@
           <a:p>
             <a:fld id="{717742FC-62BB-4B81-9CA5-3B750A4B4580}" type="datetimeFigureOut">
               <a:rPr lang="zh-CN" altLang="en-US" smtClean="0"/>
-              <a:t>2020/12/10</a:t>
+              <a:t>2020/12/12</a:t>
             </a:fld>
             <a:endParaRPr lang="zh-CN" altLang="en-US"/>
           </a:p>
@@ -480,7 +481,7 @@
               <a:pPr>
                 <a:defRPr/>
               </a:pPr>
-              <a:t>2020/12/10</a:t>
+              <a:t>2020/12/12</a:t>
             </a:fld>
             <a:endParaRPr lang="zh-CN" altLang="en-US"/>
           </a:p>
@@ -937,7 +938,7 @@
             <a:fld id="{418F03C3-53C1-4F10-8DAF-D1F318E96C6E}" type="slidenum">
               <a:rPr lang="zh-CN" altLang="en-US" smtClean="0"/>
               <a:pPr/>
-              <a:t>33</a:t>
+              <a:t>34</a:t>
             </a:fld>
             <a:endParaRPr lang="zh-CN" altLang="en-US"/>
           </a:p>
@@ -1022,7 +1023,7 @@
             <a:fld id="{418F03C3-53C1-4F10-8DAF-D1F318E96C6E}" type="slidenum">
               <a:rPr lang="zh-CN" altLang="en-US" smtClean="0"/>
               <a:pPr/>
-              <a:t>34</a:t>
+              <a:t>35</a:t>
             </a:fld>
             <a:endParaRPr lang="zh-CN" altLang="en-US"/>
           </a:p>
@@ -1107,7 +1108,7 @@
             <a:fld id="{418F03C3-53C1-4F10-8DAF-D1F318E96C6E}" type="slidenum">
               <a:rPr lang="zh-CN" altLang="en-US" smtClean="0"/>
               <a:pPr/>
-              <a:t>35</a:t>
+              <a:t>36</a:t>
             </a:fld>
             <a:endParaRPr lang="zh-CN" altLang="en-US"/>
           </a:p>
@@ -1617,7 +1618,7 @@
             <a:fld id="{418F03C3-53C1-4F10-8DAF-D1F318E96C6E}" type="slidenum">
               <a:rPr lang="zh-CN" altLang="en-US" smtClean="0"/>
               <a:pPr/>
-              <a:t>24</a:t>
+              <a:t>25</a:t>
             </a:fld>
             <a:endParaRPr lang="zh-CN" altLang="en-US"/>
           </a:p>
@@ -1702,7 +1703,7 @@
             <a:fld id="{418F03C3-53C1-4F10-8DAF-D1F318E96C6E}" type="slidenum">
               <a:rPr lang="zh-CN" altLang="en-US" smtClean="0"/>
               <a:pPr/>
-              <a:t>25</a:t>
+              <a:t>26</a:t>
             </a:fld>
             <a:endParaRPr lang="zh-CN" altLang="en-US"/>
           </a:p>
@@ -1787,7 +1788,7 @@
             <a:fld id="{418F03C3-53C1-4F10-8DAF-D1F318E96C6E}" type="slidenum">
               <a:rPr lang="zh-CN" altLang="en-US" smtClean="0"/>
               <a:pPr/>
-              <a:t>29</a:t>
+              <a:t>30</a:t>
             </a:fld>
             <a:endParaRPr lang="zh-CN" altLang="en-US"/>
           </a:p>
@@ -1922,7 +1923,7 @@
           <a:p>
             <a:fld id="{43A93E93-166D-47F5-9EF1-ACEABE24AEEA}" type="datetimeFigureOut">
               <a:rPr lang="zh-CN" altLang="en-US" smtClean="0"/>
-              <a:t>2020/12/10</a:t>
+              <a:t>2020/12/12</a:t>
             </a:fld>
             <a:endParaRPr lang="zh-CN" altLang="en-US"/>
           </a:p>
@@ -2682,7 +2683,7 @@
           <a:p>
             <a:fld id="{43A93E93-166D-47F5-9EF1-ACEABE24AEEA}" type="datetimeFigureOut">
               <a:rPr lang="zh-CN" altLang="en-US" smtClean="0"/>
-              <a:t>2020/12/10</a:t>
+              <a:t>2020/12/12</a:t>
             </a:fld>
             <a:endParaRPr lang="zh-CN" altLang="en-US"/>
           </a:p>
@@ -7282,6 +7283,1545 @@
       </p:grpSpPr>
       <p:sp>
         <p:nvSpPr>
+          <p:cNvPr id="3" name="文本框 2">
+            <a:extLst>
+              <a:ext uri="{FF2B5EF4-FFF2-40B4-BE49-F238E27FC236}">
+                <a16:creationId xmlns:a16="http://schemas.microsoft.com/office/drawing/2014/main" id="{C3055226-B69F-416F-9304-02DB6CB7F01B}"/>
+              </a:ext>
+            </a:extLst>
+          </p:cNvPr>
+          <p:cNvSpPr txBox="1"/>
+          <p:nvPr/>
+        </p:nvSpPr>
+        <p:spPr>
+          <a:xfrm>
+            <a:off x="1090341" y="1744117"/>
+            <a:ext cx="6428792" cy="4247317"/>
+          </a:xfrm>
+          <a:prstGeom prst="rect">
+            <a:avLst/>
+          </a:prstGeom>
+          <a:noFill/>
+        </p:spPr>
+        <p:txBody>
+          <a:bodyPr wrap="square">
+            <a:spAutoFit/>
+          </a:bodyPr>
+          <a:lstStyle/>
+          <a:p>
+            <a:pPr algn="just"/>
+            <a:r>
+              <a:rPr lang="zh-CN" altLang="zh-CN" sz="1800" kern="100" dirty="0">
+                <a:effectLst/>
+                <a:latin typeface="Calibri" panose="020F0502020204030204" pitchFamily="34" charset="0"/>
+                <a:ea typeface="宋体" panose="02010600030101010101" pitchFamily="2" charset="-122"/>
+                <a:cs typeface="Times New Roman" panose="02020603050405020304" pitchFamily="18" charset="0"/>
+              </a:rPr>
+              <a:t>注册</a:t>
+            </a:r>
+          </a:p>
+          <a:p>
+            <a:pPr algn="just"/>
+            <a:r>
+              <a:rPr lang="zh-CN" altLang="zh-CN" sz="1800" kern="100" dirty="0">
+                <a:effectLst/>
+                <a:latin typeface="Calibri" panose="020F0502020204030204" pitchFamily="34" charset="0"/>
+                <a:ea typeface="宋体" panose="02010600030101010101" pitchFamily="2" charset="-122"/>
+                <a:cs typeface="Times New Roman" panose="02020603050405020304" pitchFamily="18" charset="0"/>
+              </a:rPr>
+              <a:t>输入账号新密码</a:t>
+            </a:r>
+            <a:r>
+              <a:rPr lang="en-US" altLang="zh-CN" sz="1800" kern="100" dirty="0">
+                <a:effectLst/>
+                <a:latin typeface="Calibri" panose="020F0502020204030204" pitchFamily="34" charset="0"/>
+                <a:ea typeface="宋体" panose="02010600030101010101" pitchFamily="2" charset="-122"/>
+                <a:cs typeface="Times New Roman" panose="02020603050405020304" pitchFamily="18" charset="0"/>
+              </a:rPr>
+              <a:t>1</a:t>
+            </a:r>
+            <a:r>
+              <a:rPr lang="zh-CN" altLang="zh-CN" sz="1800" kern="100" dirty="0">
+                <a:effectLst/>
+                <a:latin typeface="Calibri" panose="020F0502020204030204" pitchFamily="34" charset="0"/>
+                <a:ea typeface="宋体" panose="02010600030101010101" pitchFamily="2" charset="-122"/>
+                <a:cs typeface="Times New Roman" panose="02020603050405020304" pitchFamily="18" charset="0"/>
+              </a:rPr>
+              <a:t>新密码</a:t>
+            </a:r>
+            <a:r>
+              <a:rPr lang="en-US" altLang="zh-CN" sz="1800" kern="100" dirty="0">
+                <a:effectLst/>
+                <a:latin typeface="Calibri" panose="020F0502020204030204" pitchFamily="34" charset="0"/>
+                <a:ea typeface="宋体" panose="02010600030101010101" pitchFamily="2" charset="-122"/>
+                <a:cs typeface="Times New Roman" panose="02020603050405020304" pitchFamily="18" charset="0"/>
+              </a:rPr>
+              <a:t>2</a:t>
+            </a:r>
+            <a:endParaRPr lang="zh-CN" altLang="zh-CN" sz="1800" kern="100" dirty="0">
+              <a:effectLst/>
+              <a:latin typeface="Calibri" panose="020F0502020204030204" pitchFamily="34" charset="0"/>
+              <a:ea typeface="宋体" panose="02010600030101010101" pitchFamily="2" charset="-122"/>
+              <a:cs typeface="Times New Roman" panose="02020603050405020304" pitchFamily="18" charset="0"/>
+            </a:endParaRPr>
+          </a:p>
+          <a:p>
+            <a:pPr algn="just"/>
+            <a:r>
+              <a:rPr lang="en-US" altLang="zh-CN" sz="1800" kern="100" dirty="0">
+                <a:effectLst/>
+                <a:latin typeface="Calibri" panose="020F0502020204030204" pitchFamily="34" charset="0"/>
+                <a:ea typeface="宋体" panose="02010600030101010101" pitchFamily="2" charset="-122"/>
+                <a:cs typeface="Times New Roman" panose="02020603050405020304" pitchFamily="18" charset="0"/>
+              </a:rPr>
+              <a:t>IF </a:t>
+            </a:r>
+            <a:r>
+              <a:rPr lang="zh-CN" altLang="zh-CN" sz="1800" kern="100" dirty="0">
+                <a:effectLst/>
+                <a:latin typeface="Calibri" panose="020F0502020204030204" pitchFamily="34" charset="0"/>
+                <a:ea typeface="宋体" panose="02010600030101010101" pitchFamily="2" charset="-122"/>
+                <a:cs typeface="Times New Roman" panose="02020603050405020304" pitchFamily="18" charset="0"/>
+              </a:rPr>
+              <a:t>账号符合规范</a:t>
+            </a:r>
+            <a:r>
+              <a:rPr lang="en-US" altLang="zh-CN" sz="1800" kern="100" dirty="0">
+                <a:effectLst/>
+                <a:latin typeface="Calibri" panose="020F0502020204030204" pitchFamily="34" charset="0"/>
+                <a:ea typeface="宋体" panose="02010600030101010101" pitchFamily="2" charset="-122"/>
+                <a:cs typeface="Times New Roman" panose="02020603050405020304" pitchFamily="18" charset="0"/>
+              </a:rPr>
+              <a:t> THEN</a:t>
+            </a:r>
+            <a:endParaRPr lang="zh-CN" altLang="zh-CN" sz="1800" kern="100" dirty="0">
+              <a:effectLst/>
+              <a:latin typeface="Calibri" panose="020F0502020204030204" pitchFamily="34" charset="0"/>
+              <a:ea typeface="宋体" panose="02010600030101010101" pitchFamily="2" charset="-122"/>
+              <a:cs typeface="Times New Roman" panose="02020603050405020304" pitchFamily="18" charset="0"/>
+            </a:endParaRPr>
+          </a:p>
+          <a:p>
+            <a:pPr algn="just"/>
+            <a:r>
+              <a:rPr lang="en-US" altLang="zh-CN" sz="1800" kern="100" dirty="0">
+                <a:effectLst/>
+                <a:latin typeface="Calibri" panose="020F0502020204030204" pitchFamily="34" charset="0"/>
+                <a:ea typeface="宋体" panose="02010600030101010101" pitchFamily="2" charset="-122"/>
+                <a:cs typeface="Times New Roman" panose="02020603050405020304" pitchFamily="18" charset="0"/>
+              </a:rPr>
+              <a:t>  IF </a:t>
+            </a:r>
+            <a:r>
+              <a:rPr lang="zh-CN" altLang="zh-CN" sz="1800" kern="100" dirty="0">
+                <a:effectLst/>
+                <a:latin typeface="Calibri" panose="020F0502020204030204" pitchFamily="34" charset="0"/>
+                <a:ea typeface="宋体" panose="02010600030101010101" pitchFamily="2" charset="-122"/>
+                <a:cs typeface="Times New Roman" panose="02020603050405020304" pitchFamily="18" charset="0"/>
+              </a:rPr>
+              <a:t>账号未注册 </a:t>
+            </a:r>
+            <a:r>
+              <a:rPr lang="en-US" altLang="zh-CN" sz="1800" kern="100" dirty="0">
+                <a:effectLst/>
+                <a:latin typeface="Calibri" panose="020F0502020204030204" pitchFamily="34" charset="0"/>
+                <a:ea typeface="宋体" panose="02010600030101010101" pitchFamily="2" charset="-122"/>
+                <a:cs typeface="Times New Roman" panose="02020603050405020304" pitchFamily="18" charset="0"/>
+              </a:rPr>
+              <a:t>THEN</a:t>
+            </a:r>
+            <a:endParaRPr lang="zh-CN" altLang="zh-CN" sz="1800" kern="100" dirty="0">
+              <a:effectLst/>
+              <a:latin typeface="Calibri" panose="020F0502020204030204" pitchFamily="34" charset="0"/>
+              <a:ea typeface="宋体" panose="02010600030101010101" pitchFamily="2" charset="-122"/>
+              <a:cs typeface="Times New Roman" panose="02020603050405020304" pitchFamily="18" charset="0"/>
+            </a:endParaRPr>
+          </a:p>
+          <a:p>
+            <a:pPr algn="just"/>
+            <a:r>
+              <a:rPr lang="en-US" altLang="zh-CN" kern="100" dirty="0">
+                <a:cs typeface="Times New Roman" panose="02020603050405020304" pitchFamily="18" charset="0"/>
+              </a:rPr>
+              <a:t>    </a:t>
+            </a:r>
+            <a:r>
+              <a:rPr lang="en-US" altLang="zh-CN" sz="1800" kern="100" dirty="0">
+                <a:effectLst/>
+                <a:latin typeface="Calibri" panose="020F0502020204030204" pitchFamily="34" charset="0"/>
+                <a:ea typeface="宋体" panose="02010600030101010101" pitchFamily="2" charset="-122"/>
+                <a:cs typeface="Times New Roman" panose="02020603050405020304" pitchFamily="18" charset="0"/>
+              </a:rPr>
+              <a:t>IF </a:t>
+            </a:r>
+            <a:r>
+              <a:rPr lang="zh-CN" altLang="zh-CN" sz="1800" kern="100" dirty="0">
+                <a:effectLst/>
+                <a:latin typeface="Calibri" panose="020F0502020204030204" pitchFamily="34" charset="0"/>
+                <a:ea typeface="宋体" panose="02010600030101010101" pitchFamily="2" charset="-122"/>
+                <a:cs typeface="Times New Roman" panose="02020603050405020304" pitchFamily="18" charset="0"/>
+              </a:rPr>
+              <a:t>新密码</a:t>
+            </a:r>
+            <a:r>
+              <a:rPr lang="en-US" altLang="zh-CN" sz="1800" kern="100" dirty="0">
+                <a:effectLst/>
+                <a:latin typeface="Calibri" panose="020F0502020204030204" pitchFamily="34" charset="0"/>
+                <a:ea typeface="宋体" panose="02010600030101010101" pitchFamily="2" charset="-122"/>
+                <a:cs typeface="Times New Roman" panose="02020603050405020304" pitchFamily="18" charset="0"/>
+              </a:rPr>
+              <a:t>1==</a:t>
+            </a:r>
+            <a:r>
+              <a:rPr lang="zh-CN" altLang="zh-CN" sz="1800" kern="100" dirty="0">
+                <a:effectLst/>
+                <a:latin typeface="Calibri" panose="020F0502020204030204" pitchFamily="34" charset="0"/>
+                <a:ea typeface="宋体" panose="02010600030101010101" pitchFamily="2" charset="-122"/>
+                <a:cs typeface="Times New Roman" panose="02020603050405020304" pitchFamily="18" charset="0"/>
+              </a:rPr>
+              <a:t>新密码</a:t>
+            </a:r>
+            <a:r>
+              <a:rPr lang="en-US" altLang="zh-CN" sz="1800" kern="100" dirty="0">
+                <a:effectLst/>
+                <a:latin typeface="Calibri" panose="020F0502020204030204" pitchFamily="34" charset="0"/>
+                <a:ea typeface="宋体" panose="02010600030101010101" pitchFamily="2" charset="-122"/>
+                <a:cs typeface="Times New Roman" panose="02020603050405020304" pitchFamily="18" charset="0"/>
+              </a:rPr>
+              <a:t>2 THEN</a:t>
+            </a:r>
+            <a:endParaRPr lang="zh-CN" altLang="zh-CN" sz="1800" kern="100" dirty="0">
+              <a:effectLst/>
+              <a:latin typeface="Calibri" panose="020F0502020204030204" pitchFamily="34" charset="0"/>
+              <a:ea typeface="宋体" panose="02010600030101010101" pitchFamily="2" charset="-122"/>
+              <a:cs typeface="Times New Roman" panose="02020603050405020304" pitchFamily="18" charset="0"/>
+            </a:endParaRPr>
+          </a:p>
+          <a:p>
+            <a:pPr algn="just"/>
+            <a:r>
+              <a:rPr lang="en-US" altLang="zh-CN" kern="100" dirty="0">
+                <a:cs typeface="Times New Roman" panose="02020603050405020304" pitchFamily="18" charset="0"/>
+              </a:rPr>
+              <a:t>      </a:t>
+            </a:r>
+            <a:r>
+              <a:rPr lang="en-US" altLang="zh-CN" sz="1800" kern="100" dirty="0">
+                <a:effectLst/>
+                <a:latin typeface="Calibri" panose="020F0502020204030204" pitchFamily="34" charset="0"/>
+                <a:ea typeface="宋体" panose="02010600030101010101" pitchFamily="2" charset="-122"/>
+                <a:cs typeface="Times New Roman" panose="02020603050405020304" pitchFamily="18" charset="0"/>
+              </a:rPr>
+              <a:t>IF </a:t>
+            </a:r>
+            <a:r>
+              <a:rPr lang="zh-CN" altLang="zh-CN" sz="1800" kern="100" dirty="0">
+                <a:effectLst/>
+                <a:latin typeface="Calibri" panose="020F0502020204030204" pitchFamily="34" charset="0"/>
+                <a:ea typeface="宋体" panose="02010600030101010101" pitchFamily="2" charset="-122"/>
+                <a:cs typeface="Times New Roman" panose="02020603050405020304" pitchFamily="18" charset="0"/>
+              </a:rPr>
+              <a:t>密码未违规</a:t>
+            </a:r>
+            <a:r>
+              <a:rPr lang="en-US" altLang="zh-CN" sz="1800" kern="100" dirty="0">
+                <a:effectLst/>
+                <a:latin typeface="Calibri" panose="020F0502020204030204" pitchFamily="34" charset="0"/>
+                <a:ea typeface="宋体" panose="02010600030101010101" pitchFamily="2" charset="-122"/>
+                <a:cs typeface="Times New Roman" panose="02020603050405020304" pitchFamily="18" charset="0"/>
+              </a:rPr>
+              <a:t> THEN</a:t>
+            </a:r>
+            <a:endParaRPr lang="zh-CN" altLang="zh-CN" sz="1800" kern="100" dirty="0">
+              <a:effectLst/>
+              <a:latin typeface="Calibri" panose="020F0502020204030204" pitchFamily="34" charset="0"/>
+              <a:ea typeface="宋体" panose="02010600030101010101" pitchFamily="2" charset="-122"/>
+              <a:cs typeface="Times New Roman" panose="02020603050405020304" pitchFamily="18" charset="0"/>
+            </a:endParaRPr>
+          </a:p>
+          <a:p>
+            <a:pPr algn="just"/>
+            <a:r>
+              <a:rPr lang="en-US" altLang="zh-CN" sz="1800" kern="100" dirty="0">
+                <a:effectLst/>
+                <a:latin typeface="Calibri" panose="020F0502020204030204" pitchFamily="34" charset="0"/>
+                <a:ea typeface="宋体" panose="02010600030101010101" pitchFamily="2" charset="-122"/>
+                <a:cs typeface="Times New Roman" panose="02020603050405020304" pitchFamily="18" charset="0"/>
+              </a:rPr>
+              <a:t>        </a:t>
+            </a:r>
+            <a:r>
+              <a:rPr lang="zh-CN" altLang="zh-CN" sz="1800" kern="100" dirty="0">
+                <a:effectLst/>
+                <a:latin typeface="Calibri" panose="020F0502020204030204" pitchFamily="34" charset="0"/>
+                <a:ea typeface="宋体" panose="02010600030101010101" pitchFamily="2" charset="-122"/>
+                <a:cs typeface="Times New Roman" panose="02020603050405020304" pitchFamily="18" charset="0"/>
+              </a:rPr>
+              <a:t>输出“注册成功“</a:t>
+            </a:r>
+          </a:p>
+          <a:p>
+            <a:pPr algn="just"/>
+            <a:r>
+              <a:rPr lang="en-US" altLang="zh-CN" sz="1800" kern="100" dirty="0">
+                <a:effectLst/>
+                <a:latin typeface="Calibri" panose="020F0502020204030204" pitchFamily="34" charset="0"/>
+                <a:ea typeface="宋体" panose="02010600030101010101" pitchFamily="2" charset="-122"/>
+                <a:cs typeface="Times New Roman" panose="02020603050405020304" pitchFamily="18" charset="0"/>
+              </a:rPr>
+              <a:t>      ELSE </a:t>
+            </a:r>
+            <a:r>
+              <a:rPr lang="zh-CN" altLang="zh-CN" sz="1800" kern="100" dirty="0">
+                <a:effectLst/>
+                <a:latin typeface="Calibri" panose="020F0502020204030204" pitchFamily="34" charset="0"/>
+                <a:ea typeface="宋体" panose="02010600030101010101" pitchFamily="2" charset="-122"/>
+                <a:cs typeface="Times New Roman" panose="02020603050405020304" pitchFamily="18" charset="0"/>
+              </a:rPr>
+              <a:t>输出“账号违规“</a:t>
+            </a:r>
+            <a:endParaRPr lang="en-US" altLang="zh-CN" sz="1800" kern="100" dirty="0">
+              <a:effectLst/>
+              <a:latin typeface="Calibri" panose="020F0502020204030204" pitchFamily="34" charset="0"/>
+              <a:ea typeface="宋体" panose="02010600030101010101" pitchFamily="2" charset="-122"/>
+              <a:cs typeface="Times New Roman" panose="02020603050405020304" pitchFamily="18" charset="0"/>
+            </a:endParaRPr>
+          </a:p>
+          <a:p>
+            <a:pPr algn="just"/>
+            <a:r>
+              <a:rPr lang="en-US" altLang="zh-CN" kern="100" dirty="0">
+                <a:cs typeface="Times New Roman" panose="02020603050405020304" pitchFamily="18" charset="0"/>
+              </a:rPr>
+              <a:t>    </a:t>
+            </a:r>
+            <a:r>
+              <a:rPr lang="en-US" altLang="zh-CN" sz="1800" kern="100" dirty="0">
+                <a:effectLst/>
+                <a:latin typeface="Calibri" panose="020F0502020204030204" pitchFamily="34" charset="0"/>
+                <a:ea typeface="宋体" panose="02010600030101010101" pitchFamily="2" charset="-122"/>
+                <a:cs typeface="Times New Roman" panose="02020603050405020304" pitchFamily="18" charset="0"/>
+              </a:rPr>
+              <a:t>ELSE </a:t>
+            </a:r>
+            <a:r>
+              <a:rPr lang="zh-CN" altLang="zh-CN" sz="1800" kern="100" dirty="0">
+                <a:effectLst/>
+                <a:latin typeface="Calibri" panose="020F0502020204030204" pitchFamily="34" charset="0"/>
+                <a:ea typeface="宋体" panose="02010600030101010101" pitchFamily="2" charset="-122"/>
+                <a:cs typeface="Times New Roman" panose="02020603050405020304" pitchFamily="18" charset="0"/>
+              </a:rPr>
+              <a:t>输出“账号已存在”</a:t>
+            </a:r>
+            <a:endParaRPr lang="en-US" altLang="zh-CN" kern="100" dirty="0">
+              <a:cs typeface="Times New Roman" panose="02020603050405020304" pitchFamily="18" charset="0"/>
+            </a:endParaRPr>
+          </a:p>
+          <a:p>
+            <a:pPr algn="just"/>
+            <a:r>
+              <a:rPr lang="en-US" altLang="zh-CN" sz="1800" kern="100" dirty="0">
+                <a:effectLst/>
+                <a:latin typeface="Calibri" panose="020F0502020204030204" pitchFamily="34" charset="0"/>
+                <a:ea typeface="宋体" panose="02010600030101010101" pitchFamily="2" charset="-122"/>
+                <a:cs typeface="Times New Roman" panose="02020603050405020304" pitchFamily="18" charset="0"/>
+              </a:rPr>
+              <a:t>  ELSE </a:t>
+            </a:r>
+            <a:r>
+              <a:rPr lang="zh-CN" altLang="zh-CN" sz="1800" kern="100" dirty="0">
+                <a:effectLst/>
+                <a:latin typeface="Calibri" panose="020F0502020204030204" pitchFamily="34" charset="0"/>
+                <a:ea typeface="宋体" panose="02010600030101010101" pitchFamily="2" charset="-122"/>
+                <a:cs typeface="Times New Roman" panose="02020603050405020304" pitchFamily="18" charset="0"/>
+              </a:rPr>
+              <a:t>输出“两次密码不一致”</a:t>
+            </a:r>
+            <a:endParaRPr lang="en-US" altLang="zh-CN" sz="1800" kern="100" dirty="0">
+              <a:effectLst/>
+              <a:latin typeface="Calibri" panose="020F0502020204030204" pitchFamily="34" charset="0"/>
+              <a:ea typeface="宋体" panose="02010600030101010101" pitchFamily="2" charset="-122"/>
+              <a:cs typeface="Times New Roman" panose="02020603050405020304" pitchFamily="18" charset="0"/>
+            </a:endParaRPr>
+          </a:p>
+          <a:p>
+            <a:pPr algn="just"/>
+            <a:r>
+              <a:rPr lang="en-US" altLang="zh-CN" sz="1800" kern="100" dirty="0">
+                <a:effectLst/>
+                <a:latin typeface="Calibri" panose="020F0502020204030204" pitchFamily="34" charset="0"/>
+                <a:ea typeface="宋体" panose="02010600030101010101" pitchFamily="2" charset="-122"/>
+                <a:cs typeface="Times New Roman" panose="02020603050405020304" pitchFamily="18" charset="0"/>
+              </a:rPr>
+              <a:t>ELSE </a:t>
+            </a:r>
+            <a:r>
+              <a:rPr lang="zh-CN" altLang="zh-CN" sz="1800" kern="100" dirty="0">
+                <a:effectLst/>
+                <a:latin typeface="Calibri" panose="020F0502020204030204" pitchFamily="34" charset="0"/>
+                <a:ea typeface="宋体" panose="02010600030101010101" pitchFamily="2" charset="-122"/>
+                <a:cs typeface="Times New Roman" panose="02020603050405020304" pitchFamily="18" charset="0"/>
+              </a:rPr>
+              <a:t>输出“密码违规”</a:t>
+            </a:r>
+            <a:endParaRPr lang="en-US" altLang="zh-CN" sz="1800" kern="100" dirty="0">
+              <a:effectLst/>
+              <a:latin typeface="Calibri" panose="020F0502020204030204" pitchFamily="34" charset="0"/>
+              <a:ea typeface="宋体" panose="02010600030101010101" pitchFamily="2" charset="-122"/>
+              <a:cs typeface="Times New Roman" panose="02020603050405020304" pitchFamily="18" charset="0"/>
+            </a:endParaRPr>
+          </a:p>
+          <a:p>
+            <a:pPr algn="just"/>
+            <a:r>
+              <a:rPr lang="en-US" altLang="zh-CN" kern="100" dirty="0">
+                <a:cs typeface="Times New Roman" panose="02020603050405020304" pitchFamily="18" charset="0"/>
+              </a:rPr>
+              <a:t>        </a:t>
+            </a:r>
+            <a:r>
+              <a:rPr lang="en-US" altLang="zh-CN" sz="1800" kern="100" dirty="0">
+                <a:effectLst/>
+                <a:latin typeface="Calibri" panose="020F0502020204030204" pitchFamily="34" charset="0"/>
+                <a:ea typeface="宋体" panose="02010600030101010101" pitchFamily="2" charset="-122"/>
+                <a:cs typeface="Times New Roman" panose="02020603050405020304" pitchFamily="18" charset="0"/>
+              </a:rPr>
+              <a:t>END IF</a:t>
+            </a:r>
+            <a:endParaRPr lang="zh-CN" altLang="zh-CN" sz="1800" kern="100" dirty="0">
+              <a:effectLst/>
+              <a:latin typeface="Calibri" panose="020F0502020204030204" pitchFamily="34" charset="0"/>
+              <a:ea typeface="宋体" panose="02010600030101010101" pitchFamily="2" charset="-122"/>
+              <a:cs typeface="Times New Roman" panose="02020603050405020304" pitchFamily="18" charset="0"/>
+            </a:endParaRPr>
+          </a:p>
+          <a:p>
+            <a:pPr marL="533400" algn="just"/>
+            <a:r>
+              <a:rPr lang="en-US" altLang="zh-CN" sz="1800" kern="100" dirty="0">
+                <a:effectLst/>
+                <a:latin typeface="Calibri" panose="020F0502020204030204" pitchFamily="34" charset="0"/>
+                <a:ea typeface="宋体" panose="02010600030101010101" pitchFamily="2" charset="-122"/>
+                <a:cs typeface="Times New Roman" panose="02020603050405020304" pitchFamily="18" charset="0"/>
+              </a:rPr>
+              <a:t>END IF</a:t>
+            </a:r>
+            <a:endParaRPr lang="zh-CN" altLang="zh-CN" sz="1800" kern="100" dirty="0">
+              <a:effectLst/>
+              <a:latin typeface="Calibri" panose="020F0502020204030204" pitchFamily="34" charset="0"/>
+              <a:ea typeface="宋体" panose="02010600030101010101" pitchFamily="2" charset="-122"/>
+              <a:cs typeface="Times New Roman" panose="02020603050405020304" pitchFamily="18" charset="0"/>
+            </a:endParaRPr>
+          </a:p>
+          <a:p>
+            <a:pPr marL="266700" algn="just"/>
+            <a:r>
+              <a:rPr lang="en-US" altLang="zh-CN" sz="1800" kern="100" dirty="0">
+                <a:effectLst/>
+                <a:latin typeface="Calibri" panose="020F0502020204030204" pitchFamily="34" charset="0"/>
+                <a:ea typeface="宋体" panose="02010600030101010101" pitchFamily="2" charset="-122"/>
+                <a:cs typeface="Times New Roman" panose="02020603050405020304" pitchFamily="18" charset="0"/>
+              </a:rPr>
+              <a:t>END IF</a:t>
+            </a:r>
+            <a:endParaRPr lang="zh-CN" altLang="zh-CN" sz="1800" kern="100" dirty="0">
+              <a:effectLst/>
+              <a:latin typeface="Calibri" panose="020F0502020204030204" pitchFamily="34" charset="0"/>
+              <a:ea typeface="宋体" panose="02010600030101010101" pitchFamily="2" charset="-122"/>
+              <a:cs typeface="Times New Roman" panose="02020603050405020304" pitchFamily="18" charset="0"/>
+            </a:endParaRPr>
+          </a:p>
+          <a:p>
+            <a:pPr algn="just"/>
+            <a:r>
+              <a:rPr lang="en-US" altLang="zh-CN" sz="1800" kern="100" dirty="0">
+                <a:effectLst/>
+                <a:latin typeface="Calibri" panose="020F0502020204030204" pitchFamily="34" charset="0"/>
+                <a:ea typeface="宋体" panose="02010600030101010101" pitchFamily="2" charset="-122"/>
+                <a:cs typeface="Times New Roman" panose="02020603050405020304" pitchFamily="18" charset="0"/>
+              </a:rPr>
+              <a:t>END IF</a:t>
+            </a:r>
+            <a:endParaRPr lang="zh-CN" altLang="zh-CN" sz="1800" kern="100" dirty="0">
+              <a:effectLst/>
+              <a:latin typeface="Calibri" panose="020F0502020204030204" pitchFamily="34" charset="0"/>
+              <a:ea typeface="宋体" panose="02010600030101010101" pitchFamily="2" charset="-122"/>
+              <a:cs typeface="Times New Roman" panose="02020603050405020304" pitchFamily="18" charset="0"/>
+            </a:endParaRPr>
+          </a:p>
+        </p:txBody>
+      </p:sp>
+      <p:sp>
+        <p:nvSpPr>
+          <p:cNvPr id="4" name="椭圆 3">
+            <a:extLst>
+              <a:ext uri="{FF2B5EF4-FFF2-40B4-BE49-F238E27FC236}">
+                <a16:creationId xmlns:a16="http://schemas.microsoft.com/office/drawing/2014/main" id="{9BEF1C64-BB56-414D-8327-0A8F9054D2A6}"/>
+              </a:ext>
+            </a:extLst>
+          </p:cNvPr>
+          <p:cNvSpPr/>
+          <p:nvPr/>
+        </p:nvSpPr>
+        <p:spPr>
+          <a:xfrm>
+            <a:off x="532958" y="327049"/>
+            <a:ext cx="367982" cy="367982"/>
+          </a:xfrm>
+          <a:prstGeom prst="ellipse">
+            <a:avLst/>
+          </a:prstGeom>
+          <a:ln>
+            <a:noFill/>
+          </a:ln>
+          <a:effectLst>
+            <a:outerShdw blurRad="127000" dist="76200" dir="2700000" algn="tl" rotWithShape="0">
+              <a:prstClr val="black">
+                <a:alpha val="40000"/>
+              </a:prstClr>
+            </a:outerShdw>
+          </a:effectLst>
+        </p:spPr>
+        <p:style>
+          <a:lnRef idx="2">
+            <a:schemeClr val="accent1">
+              <a:shade val="50000"/>
+            </a:schemeClr>
+          </a:lnRef>
+          <a:fillRef idx="1">
+            <a:schemeClr val="accent1"/>
+          </a:fillRef>
+          <a:effectRef idx="0">
+            <a:schemeClr val="accent1"/>
+          </a:effectRef>
+          <a:fontRef idx="minor">
+            <a:schemeClr val="lt1"/>
+          </a:fontRef>
+        </p:style>
+        <p:txBody>
+          <a:bodyPr rtlCol="0" anchor="ctr"/>
+          <a:lstStyle/>
+          <a:p>
+            <a:pPr algn="ctr"/>
+            <a:endParaRPr lang="zh-CN" altLang="en-US">
+              <a:solidFill>
+                <a:schemeClr val="accent2">
+                  <a:lumMod val="75000"/>
+                </a:schemeClr>
+              </a:solidFill>
+              <a:latin typeface="Arial" panose="020B0604020202020204" pitchFamily="34" charset="0"/>
+              <a:ea typeface="微软雅黑" panose="020B0503020204020204" pitchFamily="34" charset="-122"/>
+              <a:sym typeface="Arial" panose="020B0604020202020204" pitchFamily="34" charset="0"/>
+            </a:endParaRPr>
+          </a:p>
+        </p:txBody>
+      </p:sp>
+      <p:sp>
+        <p:nvSpPr>
+          <p:cNvPr id="5" name="椭圆 4">
+            <a:extLst>
+              <a:ext uri="{FF2B5EF4-FFF2-40B4-BE49-F238E27FC236}">
+                <a16:creationId xmlns:a16="http://schemas.microsoft.com/office/drawing/2014/main" id="{00300FBD-A127-4357-8295-8CE47885920C}"/>
+              </a:ext>
+            </a:extLst>
+          </p:cNvPr>
+          <p:cNvSpPr/>
+          <p:nvPr/>
+        </p:nvSpPr>
+        <p:spPr>
+          <a:xfrm>
+            <a:off x="800016" y="327049"/>
+            <a:ext cx="201847" cy="201847"/>
+          </a:xfrm>
+          <a:prstGeom prst="ellipse">
+            <a:avLst/>
+          </a:prstGeom>
+          <a:solidFill>
+            <a:schemeClr val="bg1">
+              <a:lumMod val="95000"/>
+            </a:schemeClr>
+          </a:solidFill>
+          <a:ln>
+            <a:noFill/>
+          </a:ln>
+          <a:effectLst>
+            <a:outerShdw blurRad="127000" dist="76200" dir="2700000" algn="tl" rotWithShape="0">
+              <a:prstClr val="black">
+                <a:alpha val="40000"/>
+              </a:prstClr>
+            </a:outerShdw>
+          </a:effectLst>
+        </p:spPr>
+        <p:style>
+          <a:lnRef idx="2">
+            <a:schemeClr val="accent1">
+              <a:shade val="50000"/>
+            </a:schemeClr>
+          </a:lnRef>
+          <a:fillRef idx="1">
+            <a:schemeClr val="accent1"/>
+          </a:fillRef>
+          <a:effectRef idx="0">
+            <a:schemeClr val="accent1"/>
+          </a:effectRef>
+          <a:fontRef idx="minor">
+            <a:schemeClr val="lt1"/>
+          </a:fontRef>
+        </p:style>
+        <p:txBody>
+          <a:bodyPr rtlCol="0" anchor="ctr"/>
+          <a:lstStyle/>
+          <a:p>
+            <a:pPr algn="ctr"/>
+            <a:endParaRPr lang="zh-CN" altLang="en-US">
+              <a:solidFill>
+                <a:schemeClr val="accent2">
+                  <a:lumMod val="75000"/>
+                </a:schemeClr>
+              </a:solidFill>
+              <a:latin typeface="Arial" panose="020B0604020202020204" pitchFamily="34" charset="0"/>
+              <a:ea typeface="微软雅黑" panose="020B0503020204020204" pitchFamily="34" charset="-122"/>
+              <a:sym typeface="Arial" panose="020B0604020202020204" pitchFamily="34" charset="0"/>
+            </a:endParaRPr>
+          </a:p>
+        </p:txBody>
+      </p:sp>
+      <p:sp>
+        <p:nvSpPr>
+          <p:cNvPr id="6" name="Content Placeholder 2">
+            <a:extLst>
+              <a:ext uri="{FF2B5EF4-FFF2-40B4-BE49-F238E27FC236}">
+                <a16:creationId xmlns:a16="http://schemas.microsoft.com/office/drawing/2014/main" id="{4D4B6C82-A1FE-494A-AB3A-766578273D23}"/>
+              </a:ext>
+            </a:extLst>
+          </p:cNvPr>
+          <p:cNvSpPr txBox="1">
+            <a:spLocks/>
+          </p:cNvSpPr>
+          <p:nvPr/>
+        </p:nvSpPr>
+        <p:spPr>
+          <a:xfrm>
+            <a:off x="1095235" y="242438"/>
+            <a:ext cx="3965987" cy="367982"/>
+          </a:xfrm>
+          <a:prstGeom prst="rect">
+            <a:avLst/>
+          </a:prstGeom>
+        </p:spPr>
+        <p:txBody>
+          <a:bodyPr vert="horz" lIns="96435" tIns="48218" rIns="96435" bIns="48218" rtlCol="0" anchor="t">
+            <a:noAutofit/>
+          </a:bodyPr>
+          <a:lstStyle>
+            <a:lvl1pPr marL="0" indent="0" algn="r" defTabSz="457200" rtl="0" eaLnBrk="1" latinLnBrk="0" hangingPunct="1">
+              <a:spcBef>
+                <a:spcPct val="20000"/>
+              </a:spcBef>
+              <a:spcAft>
+                <a:spcPts val="600"/>
+              </a:spcAft>
+              <a:buClr>
+                <a:schemeClr val="accent1">
+                  <a:lumMod val="75000"/>
+                </a:schemeClr>
+              </a:buClr>
+              <a:buSzPct val="145000"/>
+              <a:buFont typeface="Arial"/>
+              <a:buNone/>
+              <a:defRPr sz="2100" kern="1200" cap="none">
+                <a:solidFill>
+                  <a:schemeClr val="tx1"/>
+                </a:solidFill>
+                <a:effectLst/>
+                <a:latin typeface="+mn-lt"/>
+                <a:ea typeface="+mn-ea"/>
+                <a:cs typeface="+mn-cs"/>
+              </a:defRPr>
+            </a:lvl1pPr>
+            <a:lvl2pPr marL="457200" indent="0" algn="ctr" defTabSz="457200" rtl="0" eaLnBrk="1" latinLnBrk="0" hangingPunct="1">
+              <a:spcBef>
+                <a:spcPct val="20000"/>
+              </a:spcBef>
+              <a:spcAft>
+                <a:spcPts val="600"/>
+              </a:spcAft>
+              <a:buClr>
+                <a:schemeClr val="accent1">
+                  <a:lumMod val="75000"/>
+                </a:schemeClr>
+              </a:buClr>
+              <a:buSzPct val="145000"/>
+              <a:buFont typeface="Arial"/>
+              <a:buNone/>
+              <a:defRPr sz="2000" kern="1200" cap="none">
+                <a:solidFill>
+                  <a:schemeClr val="tx1">
+                    <a:tint val="75000"/>
+                  </a:schemeClr>
+                </a:solidFill>
+                <a:effectLst/>
+                <a:latin typeface="+mn-lt"/>
+                <a:ea typeface="+mn-ea"/>
+                <a:cs typeface="+mn-cs"/>
+              </a:defRPr>
+            </a:lvl2pPr>
+            <a:lvl3pPr marL="914400" indent="0" algn="ctr" defTabSz="457200" rtl="0" eaLnBrk="1" latinLnBrk="0" hangingPunct="1">
+              <a:spcBef>
+                <a:spcPct val="20000"/>
+              </a:spcBef>
+              <a:spcAft>
+                <a:spcPts val="600"/>
+              </a:spcAft>
+              <a:buClr>
+                <a:schemeClr val="accent1">
+                  <a:lumMod val="75000"/>
+                </a:schemeClr>
+              </a:buClr>
+              <a:buSzPct val="145000"/>
+              <a:buFont typeface="Arial"/>
+              <a:buNone/>
+              <a:defRPr sz="1800" kern="1200" cap="none">
+                <a:solidFill>
+                  <a:schemeClr val="tx1">
+                    <a:tint val="75000"/>
+                  </a:schemeClr>
+                </a:solidFill>
+                <a:effectLst/>
+                <a:latin typeface="+mn-lt"/>
+                <a:ea typeface="+mn-ea"/>
+                <a:cs typeface="+mn-cs"/>
+              </a:defRPr>
+            </a:lvl3pPr>
+            <a:lvl4pPr marL="1371600" indent="0" algn="ctr" defTabSz="457200" rtl="0" eaLnBrk="1" latinLnBrk="0" hangingPunct="1">
+              <a:spcBef>
+                <a:spcPct val="20000"/>
+              </a:spcBef>
+              <a:spcAft>
+                <a:spcPts val="600"/>
+              </a:spcAft>
+              <a:buClr>
+                <a:schemeClr val="accent1">
+                  <a:lumMod val="75000"/>
+                </a:schemeClr>
+              </a:buClr>
+              <a:buSzPct val="145000"/>
+              <a:buFont typeface="Arial"/>
+              <a:buNone/>
+              <a:defRPr sz="1600" kern="1200" cap="none">
+                <a:solidFill>
+                  <a:schemeClr val="tx1">
+                    <a:tint val="75000"/>
+                  </a:schemeClr>
+                </a:solidFill>
+                <a:effectLst/>
+                <a:latin typeface="+mn-lt"/>
+                <a:ea typeface="+mn-ea"/>
+                <a:cs typeface="+mn-cs"/>
+              </a:defRPr>
+            </a:lvl4pPr>
+            <a:lvl5pPr marL="1828800" indent="0" algn="ctr" defTabSz="457200" rtl="0" eaLnBrk="1" latinLnBrk="0" hangingPunct="1">
+              <a:spcBef>
+                <a:spcPct val="20000"/>
+              </a:spcBef>
+              <a:spcAft>
+                <a:spcPts val="600"/>
+              </a:spcAft>
+              <a:buClr>
+                <a:schemeClr val="accent1">
+                  <a:lumMod val="75000"/>
+                </a:schemeClr>
+              </a:buClr>
+              <a:buSzPct val="145000"/>
+              <a:buFont typeface="Arial"/>
+              <a:buNone/>
+              <a:defRPr sz="1400" kern="1200" cap="none">
+                <a:solidFill>
+                  <a:schemeClr val="tx1">
+                    <a:tint val="75000"/>
+                  </a:schemeClr>
+                </a:solidFill>
+                <a:effectLst/>
+                <a:latin typeface="+mn-lt"/>
+                <a:ea typeface="+mn-ea"/>
+                <a:cs typeface="+mn-cs"/>
+              </a:defRPr>
+            </a:lvl5pPr>
+            <a:lvl6pPr marL="2286000" indent="0" algn="ctr" defTabSz="457200" rtl="0" eaLnBrk="1" latinLnBrk="0" hangingPunct="1">
+              <a:spcBef>
+                <a:spcPct val="20000"/>
+              </a:spcBef>
+              <a:spcAft>
+                <a:spcPts val="600"/>
+              </a:spcAft>
+              <a:buClr>
+                <a:schemeClr val="accent1">
+                  <a:lumMod val="75000"/>
+                </a:schemeClr>
+              </a:buClr>
+              <a:buSzPct val="145000"/>
+              <a:buFont typeface="Arial"/>
+              <a:buNone/>
+              <a:defRPr sz="1400" kern="1200" cap="none">
+                <a:solidFill>
+                  <a:schemeClr val="tx1">
+                    <a:tint val="75000"/>
+                  </a:schemeClr>
+                </a:solidFill>
+                <a:effectLst/>
+                <a:latin typeface="+mn-lt"/>
+                <a:ea typeface="+mn-ea"/>
+                <a:cs typeface="+mn-cs"/>
+              </a:defRPr>
+            </a:lvl6pPr>
+            <a:lvl7pPr marL="2743200" indent="0" algn="ctr" defTabSz="457200" rtl="0" eaLnBrk="1" latinLnBrk="0" hangingPunct="1">
+              <a:spcBef>
+                <a:spcPct val="20000"/>
+              </a:spcBef>
+              <a:spcAft>
+                <a:spcPts val="600"/>
+              </a:spcAft>
+              <a:buClr>
+                <a:schemeClr val="accent1">
+                  <a:lumMod val="75000"/>
+                </a:schemeClr>
+              </a:buClr>
+              <a:buSzPct val="145000"/>
+              <a:buFont typeface="Arial"/>
+              <a:buNone/>
+              <a:defRPr sz="1400" kern="1200" cap="none">
+                <a:solidFill>
+                  <a:schemeClr val="tx1">
+                    <a:tint val="75000"/>
+                  </a:schemeClr>
+                </a:solidFill>
+                <a:effectLst/>
+                <a:latin typeface="+mn-lt"/>
+                <a:ea typeface="+mn-ea"/>
+                <a:cs typeface="+mn-cs"/>
+              </a:defRPr>
+            </a:lvl7pPr>
+            <a:lvl8pPr marL="3200400" indent="0" algn="ctr" defTabSz="457200" rtl="0" eaLnBrk="1" latinLnBrk="0" hangingPunct="1">
+              <a:spcBef>
+                <a:spcPct val="20000"/>
+              </a:spcBef>
+              <a:spcAft>
+                <a:spcPts val="600"/>
+              </a:spcAft>
+              <a:buClr>
+                <a:schemeClr val="accent1">
+                  <a:lumMod val="75000"/>
+                </a:schemeClr>
+              </a:buClr>
+              <a:buSzPct val="145000"/>
+              <a:buFont typeface="Arial"/>
+              <a:buNone/>
+              <a:defRPr sz="1400" kern="1200" cap="none">
+                <a:solidFill>
+                  <a:schemeClr val="tx1">
+                    <a:tint val="75000"/>
+                  </a:schemeClr>
+                </a:solidFill>
+                <a:effectLst/>
+                <a:latin typeface="+mn-lt"/>
+                <a:ea typeface="+mn-ea"/>
+                <a:cs typeface="+mn-cs"/>
+              </a:defRPr>
+            </a:lvl8pPr>
+            <a:lvl9pPr marL="3657600" indent="0" algn="ctr" defTabSz="457200" rtl="0" eaLnBrk="1" latinLnBrk="0" hangingPunct="1">
+              <a:spcBef>
+                <a:spcPct val="20000"/>
+              </a:spcBef>
+              <a:spcAft>
+                <a:spcPts val="600"/>
+              </a:spcAft>
+              <a:buClr>
+                <a:schemeClr val="accent1">
+                  <a:lumMod val="75000"/>
+                </a:schemeClr>
+              </a:buClr>
+              <a:buSzPct val="145000"/>
+              <a:buFont typeface="Arial"/>
+              <a:buNone/>
+              <a:defRPr sz="1400" kern="1200" cap="none">
+                <a:solidFill>
+                  <a:schemeClr val="tx1">
+                    <a:tint val="75000"/>
+                  </a:schemeClr>
+                </a:solidFill>
+                <a:effectLst/>
+                <a:latin typeface="+mn-lt"/>
+                <a:ea typeface="+mn-ea"/>
+                <a:cs typeface="+mn-cs"/>
+              </a:defRPr>
+            </a:lvl9pPr>
+          </a:lstStyle>
+          <a:p>
+            <a:pPr algn="l"/>
+            <a:r>
+              <a:rPr lang="zh-CN" altLang="en-US" sz="3200" dirty="0">
+                <a:latin typeface="+mn-ea"/>
+                <a:cs typeface="+mn-ea"/>
+                <a:sym typeface="Arial" panose="020B0604020202020204" pitchFamily="34" charset="0"/>
+              </a:rPr>
+              <a:t>伪代码</a:t>
+            </a:r>
+            <a:endParaRPr lang="en-US" sz="3200" dirty="0">
+              <a:latin typeface="+mn-ea"/>
+              <a:cs typeface="+mn-ea"/>
+              <a:sym typeface="Arial" panose="020B0604020202020204" pitchFamily="34" charset="0"/>
+            </a:endParaRPr>
+          </a:p>
+        </p:txBody>
+      </p:sp>
+      <p:sp>
+        <p:nvSpPr>
+          <p:cNvPr id="8" name="文本框 7">
+            <a:extLst>
+              <a:ext uri="{FF2B5EF4-FFF2-40B4-BE49-F238E27FC236}">
+                <a16:creationId xmlns:a16="http://schemas.microsoft.com/office/drawing/2014/main" id="{07B298FB-B85D-4012-910D-0076E33FE860}"/>
+              </a:ext>
+            </a:extLst>
+          </p:cNvPr>
+          <p:cNvSpPr txBox="1"/>
+          <p:nvPr/>
+        </p:nvSpPr>
+        <p:spPr>
+          <a:xfrm>
+            <a:off x="6213351" y="242438"/>
+            <a:ext cx="6428792" cy="2585323"/>
+          </a:xfrm>
+          <a:prstGeom prst="rect">
+            <a:avLst/>
+          </a:prstGeom>
+          <a:noFill/>
+        </p:spPr>
+        <p:txBody>
+          <a:bodyPr wrap="square">
+            <a:spAutoFit/>
+          </a:bodyPr>
+          <a:lstStyle/>
+          <a:p>
+            <a:pPr algn="just"/>
+            <a:r>
+              <a:rPr lang="zh-CN" altLang="en-US" sz="1800" kern="100" dirty="0">
+                <a:effectLst/>
+                <a:latin typeface="Calibri" panose="020F0502020204030204" pitchFamily="34" charset="0"/>
+                <a:ea typeface="宋体" panose="02010600030101010101" pitchFamily="2" charset="-122"/>
+                <a:cs typeface="Times New Roman" panose="02020603050405020304" pitchFamily="18" charset="0"/>
+              </a:rPr>
+              <a:t>查看图表</a:t>
+            </a:r>
+            <a:endParaRPr lang="en-US" altLang="zh-CN" sz="1800" kern="100" dirty="0">
+              <a:effectLst/>
+              <a:latin typeface="Calibri" panose="020F0502020204030204" pitchFamily="34" charset="0"/>
+              <a:ea typeface="宋体" panose="02010600030101010101" pitchFamily="2" charset="-122"/>
+              <a:cs typeface="Times New Roman" panose="02020603050405020304" pitchFamily="18" charset="0"/>
+            </a:endParaRPr>
+          </a:p>
+          <a:p>
+            <a:pPr algn="just"/>
+            <a:r>
+              <a:rPr lang="en-US" altLang="zh-CN" sz="1800" kern="100" dirty="0">
+                <a:effectLst/>
+                <a:latin typeface="Calibri" panose="020F0502020204030204" pitchFamily="34" charset="0"/>
+                <a:ea typeface="宋体" panose="02010600030101010101" pitchFamily="2" charset="-122"/>
+                <a:cs typeface="Times New Roman" panose="02020603050405020304" pitchFamily="18" charset="0"/>
+              </a:rPr>
+              <a:t>SELECTION </a:t>
+            </a:r>
+            <a:r>
+              <a:rPr lang="zh-CN" altLang="zh-CN" sz="1800" kern="100" dirty="0">
+                <a:effectLst/>
+                <a:latin typeface="Calibri" panose="020F0502020204030204" pitchFamily="34" charset="0"/>
+                <a:ea typeface="宋体" panose="02010600030101010101" pitchFamily="2" charset="-122"/>
+                <a:cs typeface="Times New Roman" panose="02020603050405020304" pitchFamily="18" charset="0"/>
+              </a:rPr>
+              <a:t>选择查看图表</a:t>
+            </a:r>
+          </a:p>
+          <a:p>
+            <a:pPr algn="just"/>
+            <a:r>
+              <a:rPr lang="en-US" altLang="zh-CN" sz="1800" kern="100" dirty="0">
+                <a:effectLst/>
+                <a:latin typeface="Calibri" panose="020F0502020204030204" pitchFamily="34" charset="0"/>
+                <a:ea typeface="宋体" panose="02010600030101010101" pitchFamily="2" charset="-122"/>
+                <a:cs typeface="Times New Roman" panose="02020603050405020304" pitchFamily="18" charset="0"/>
+              </a:rPr>
+              <a:t>	CASE 1 OF:</a:t>
+            </a:r>
+            <a:r>
+              <a:rPr lang="zh-CN" altLang="zh-CN" sz="1800" kern="100" dirty="0">
+                <a:effectLst/>
+                <a:latin typeface="Calibri" panose="020F0502020204030204" pitchFamily="34" charset="0"/>
+                <a:ea typeface="宋体" panose="02010600030101010101" pitchFamily="2" charset="-122"/>
+                <a:cs typeface="Times New Roman" panose="02020603050405020304" pitchFamily="18" charset="0"/>
+              </a:rPr>
+              <a:t>查看周支出图表</a:t>
+            </a:r>
+          </a:p>
+          <a:p>
+            <a:pPr algn="just"/>
+            <a:r>
+              <a:rPr lang="en-US" altLang="zh-CN" sz="1800" kern="100" dirty="0">
+                <a:effectLst/>
+                <a:latin typeface="Calibri" panose="020F0502020204030204" pitchFamily="34" charset="0"/>
+                <a:ea typeface="宋体" panose="02010600030101010101" pitchFamily="2" charset="-122"/>
+                <a:cs typeface="Times New Roman" panose="02020603050405020304" pitchFamily="18" charset="0"/>
+              </a:rPr>
+              <a:t>	CASE 2 OF:</a:t>
+            </a:r>
+            <a:r>
+              <a:rPr lang="zh-CN" altLang="zh-CN" sz="1800" kern="100" dirty="0">
+                <a:effectLst/>
+                <a:latin typeface="Calibri" panose="020F0502020204030204" pitchFamily="34" charset="0"/>
+                <a:ea typeface="宋体" panose="02010600030101010101" pitchFamily="2" charset="-122"/>
+                <a:cs typeface="Times New Roman" panose="02020603050405020304" pitchFamily="18" charset="0"/>
+              </a:rPr>
+              <a:t>查看月支出图表</a:t>
+            </a:r>
+          </a:p>
+          <a:p>
+            <a:pPr algn="just"/>
+            <a:r>
+              <a:rPr lang="en-US" altLang="zh-CN" sz="1800" kern="100" dirty="0">
+                <a:effectLst/>
+                <a:latin typeface="Calibri" panose="020F0502020204030204" pitchFamily="34" charset="0"/>
+                <a:ea typeface="宋体" panose="02010600030101010101" pitchFamily="2" charset="-122"/>
+                <a:cs typeface="Times New Roman" panose="02020603050405020304" pitchFamily="18" charset="0"/>
+              </a:rPr>
+              <a:t>	CASE 3 OF:</a:t>
+            </a:r>
+            <a:r>
+              <a:rPr lang="zh-CN" altLang="zh-CN" sz="1800" kern="100" dirty="0">
+                <a:effectLst/>
+                <a:latin typeface="Calibri" panose="020F0502020204030204" pitchFamily="34" charset="0"/>
+                <a:ea typeface="宋体" panose="02010600030101010101" pitchFamily="2" charset="-122"/>
+                <a:cs typeface="Times New Roman" panose="02020603050405020304" pitchFamily="18" charset="0"/>
+              </a:rPr>
+              <a:t>查看年支出图表</a:t>
+            </a:r>
+          </a:p>
+          <a:p>
+            <a:pPr algn="just"/>
+            <a:r>
+              <a:rPr lang="en-US" altLang="zh-CN" sz="1800" kern="100" dirty="0">
+                <a:effectLst/>
+                <a:latin typeface="Calibri" panose="020F0502020204030204" pitchFamily="34" charset="0"/>
+                <a:ea typeface="宋体" panose="02010600030101010101" pitchFamily="2" charset="-122"/>
+                <a:cs typeface="Times New Roman" panose="02020603050405020304" pitchFamily="18" charset="0"/>
+              </a:rPr>
+              <a:t>	CASE 4 OF:</a:t>
+            </a:r>
+            <a:r>
+              <a:rPr lang="zh-CN" altLang="zh-CN" sz="1800" kern="100" dirty="0">
+                <a:effectLst/>
+                <a:latin typeface="Calibri" panose="020F0502020204030204" pitchFamily="34" charset="0"/>
+                <a:ea typeface="宋体" panose="02010600030101010101" pitchFamily="2" charset="-122"/>
+                <a:cs typeface="Times New Roman" panose="02020603050405020304" pitchFamily="18" charset="0"/>
+              </a:rPr>
+              <a:t>查看周收入图表</a:t>
+            </a:r>
+          </a:p>
+          <a:p>
+            <a:pPr algn="just"/>
+            <a:r>
+              <a:rPr lang="en-US" altLang="zh-CN" sz="1800" kern="100" dirty="0">
+                <a:effectLst/>
+                <a:latin typeface="Calibri" panose="020F0502020204030204" pitchFamily="34" charset="0"/>
+                <a:ea typeface="宋体" panose="02010600030101010101" pitchFamily="2" charset="-122"/>
+                <a:cs typeface="Times New Roman" panose="02020603050405020304" pitchFamily="18" charset="0"/>
+              </a:rPr>
+              <a:t>	CASE 5 OF:</a:t>
+            </a:r>
+            <a:r>
+              <a:rPr lang="zh-CN" altLang="zh-CN" sz="1800" kern="100" dirty="0">
+                <a:effectLst/>
+                <a:latin typeface="Calibri" panose="020F0502020204030204" pitchFamily="34" charset="0"/>
+                <a:ea typeface="宋体" panose="02010600030101010101" pitchFamily="2" charset="-122"/>
+                <a:cs typeface="Times New Roman" panose="02020603050405020304" pitchFamily="18" charset="0"/>
+              </a:rPr>
+              <a:t>查看月收入图表</a:t>
+            </a:r>
+          </a:p>
+          <a:p>
+            <a:pPr algn="just"/>
+            <a:r>
+              <a:rPr lang="en-US" altLang="zh-CN" sz="1800" kern="100" dirty="0">
+                <a:effectLst/>
+                <a:latin typeface="Calibri" panose="020F0502020204030204" pitchFamily="34" charset="0"/>
+                <a:ea typeface="宋体" panose="02010600030101010101" pitchFamily="2" charset="-122"/>
+                <a:cs typeface="Times New Roman" panose="02020603050405020304" pitchFamily="18" charset="0"/>
+              </a:rPr>
+              <a:t>	CASE 6 OF:</a:t>
+            </a:r>
+            <a:r>
+              <a:rPr lang="zh-CN" altLang="zh-CN" sz="1800" kern="100" dirty="0">
+                <a:effectLst/>
+                <a:latin typeface="Calibri" panose="020F0502020204030204" pitchFamily="34" charset="0"/>
+                <a:ea typeface="宋体" panose="02010600030101010101" pitchFamily="2" charset="-122"/>
+                <a:cs typeface="Times New Roman" panose="02020603050405020304" pitchFamily="18" charset="0"/>
+              </a:rPr>
+              <a:t>查看年收入图表</a:t>
+            </a:r>
+          </a:p>
+          <a:p>
+            <a:pPr algn="just"/>
+            <a:r>
+              <a:rPr lang="en-US" altLang="zh-CN" sz="1800" kern="100" dirty="0">
+                <a:effectLst/>
+                <a:latin typeface="Calibri" panose="020F0502020204030204" pitchFamily="34" charset="0"/>
+                <a:ea typeface="宋体" panose="02010600030101010101" pitchFamily="2" charset="-122"/>
+                <a:cs typeface="Times New Roman" panose="02020603050405020304" pitchFamily="18" charset="0"/>
+              </a:rPr>
+              <a:t>END CASE</a:t>
+            </a:r>
+            <a:endParaRPr lang="zh-CN" altLang="zh-CN" sz="1800" kern="100" dirty="0">
+              <a:effectLst/>
+              <a:latin typeface="Calibri" panose="020F0502020204030204" pitchFamily="34" charset="0"/>
+              <a:ea typeface="宋体" panose="02010600030101010101" pitchFamily="2" charset="-122"/>
+              <a:cs typeface="Times New Roman" panose="02020603050405020304" pitchFamily="18" charset="0"/>
+            </a:endParaRPr>
+          </a:p>
+        </p:txBody>
+      </p:sp>
+      <p:sp>
+        <p:nvSpPr>
+          <p:cNvPr id="10" name="文本框 9">
+            <a:extLst>
+              <a:ext uri="{FF2B5EF4-FFF2-40B4-BE49-F238E27FC236}">
+                <a16:creationId xmlns:a16="http://schemas.microsoft.com/office/drawing/2014/main" id="{07462B49-E31E-4518-B888-DD14B963641C}"/>
+              </a:ext>
+            </a:extLst>
+          </p:cNvPr>
+          <p:cNvSpPr txBox="1"/>
+          <p:nvPr/>
+        </p:nvSpPr>
+        <p:spPr>
+          <a:xfrm>
+            <a:off x="5997327" y="2896245"/>
+            <a:ext cx="6428792" cy="3970318"/>
+          </a:xfrm>
+          <a:prstGeom prst="rect">
+            <a:avLst/>
+          </a:prstGeom>
+          <a:noFill/>
+        </p:spPr>
+        <p:txBody>
+          <a:bodyPr wrap="square">
+            <a:spAutoFit/>
+          </a:bodyPr>
+          <a:lstStyle/>
+          <a:p>
+            <a:pPr algn="just"/>
+            <a:r>
+              <a:rPr lang="zh-CN" altLang="en-US" sz="1800" kern="100" dirty="0">
+                <a:effectLst/>
+                <a:latin typeface="Calibri" panose="020F0502020204030204" pitchFamily="34" charset="0"/>
+                <a:ea typeface="宋体" panose="02010600030101010101" pitchFamily="2" charset="-122"/>
+                <a:cs typeface="Times New Roman" panose="02020603050405020304" pitchFamily="18" charset="0"/>
+              </a:rPr>
+              <a:t>个人信息</a:t>
+            </a:r>
+            <a:endParaRPr lang="en-US" altLang="zh-CN" sz="1800" kern="100" dirty="0">
+              <a:effectLst/>
+              <a:latin typeface="Calibri" panose="020F0502020204030204" pitchFamily="34" charset="0"/>
+              <a:ea typeface="宋体" panose="02010600030101010101" pitchFamily="2" charset="-122"/>
+              <a:cs typeface="Times New Roman" panose="02020603050405020304" pitchFamily="18" charset="0"/>
+            </a:endParaRPr>
+          </a:p>
+          <a:p>
+            <a:pPr algn="just"/>
+            <a:r>
+              <a:rPr lang="en-US" altLang="zh-CN" sz="1800" kern="100" dirty="0">
+                <a:effectLst/>
+                <a:latin typeface="Calibri" panose="020F0502020204030204" pitchFamily="34" charset="0"/>
+                <a:ea typeface="宋体" panose="02010600030101010101" pitchFamily="2" charset="-122"/>
+                <a:cs typeface="Times New Roman" panose="02020603050405020304" pitchFamily="18" charset="0"/>
+              </a:rPr>
+              <a:t>SELECTION </a:t>
+            </a:r>
+            <a:endParaRPr lang="zh-CN" altLang="zh-CN" sz="1800" kern="100" dirty="0">
+              <a:effectLst/>
+              <a:latin typeface="Calibri" panose="020F0502020204030204" pitchFamily="34" charset="0"/>
+              <a:ea typeface="宋体" panose="02010600030101010101" pitchFamily="2" charset="-122"/>
+              <a:cs typeface="Times New Roman" panose="02020603050405020304" pitchFamily="18" charset="0"/>
+            </a:endParaRPr>
+          </a:p>
+          <a:p>
+            <a:pPr indent="266700" algn="just"/>
+            <a:r>
+              <a:rPr lang="en-US" altLang="zh-CN" sz="1800" kern="100" dirty="0">
+                <a:effectLst/>
+                <a:latin typeface="Calibri" panose="020F0502020204030204" pitchFamily="34" charset="0"/>
+                <a:ea typeface="宋体" panose="02010600030101010101" pitchFamily="2" charset="-122"/>
+                <a:cs typeface="Times New Roman" panose="02020603050405020304" pitchFamily="18" charset="0"/>
+              </a:rPr>
+              <a:t>CASE 1 OF:</a:t>
+            </a:r>
+            <a:r>
+              <a:rPr lang="zh-CN" altLang="zh-CN" sz="1800" kern="100" dirty="0">
+                <a:effectLst/>
+                <a:latin typeface="Calibri" panose="020F0502020204030204" pitchFamily="34" charset="0"/>
+                <a:ea typeface="宋体" panose="02010600030101010101" pitchFamily="2" charset="-122"/>
+                <a:cs typeface="Times New Roman" panose="02020603050405020304" pitchFamily="18" charset="0"/>
+              </a:rPr>
+              <a:t>进入密码修改界面 输入旧密码新密码</a:t>
+            </a:r>
+            <a:r>
+              <a:rPr lang="en-US" altLang="zh-CN" sz="1800" kern="100" dirty="0">
+                <a:effectLst/>
+                <a:latin typeface="Calibri" panose="020F0502020204030204" pitchFamily="34" charset="0"/>
+                <a:ea typeface="宋体" panose="02010600030101010101" pitchFamily="2" charset="-122"/>
+                <a:cs typeface="Times New Roman" panose="02020603050405020304" pitchFamily="18" charset="0"/>
+              </a:rPr>
+              <a:t>1</a:t>
+            </a:r>
+            <a:r>
+              <a:rPr lang="zh-CN" altLang="zh-CN" sz="1800" kern="100" dirty="0">
+                <a:effectLst/>
+                <a:latin typeface="Calibri" panose="020F0502020204030204" pitchFamily="34" charset="0"/>
+                <a:ea typeface="宋体" panose="02010600030101010101" pitchFamily="2" charset="-122"/>
+                <a:cs typeface="Times New Roman" panose="02020603050405020304" pitchFamily="18" charset="0"/>
+              </a:rPr>
+              <a:t>新密码</a:t>
+            </a:r>
+            <a:r>
+              <a:rPr lang="en-US" altLang="zh-CN" sz="1800" kern="100" dirty="0">
+                <a:effectLst/>
+                <a:latin typeface="Calibri" panose="020F0502020204030204" pitchFamily="34" charset="0"/>
+                <a:ea typeface="宋体" panose="02010600030101010101" pitchFamily="2" charset="-122"/>
+                <a:cs typeface="Times New Roman" panose="02020603050405020304" pitchFamily="18" charset="0"/>
+              </a:rPr>
+              <a:t>2</a:t>
+            </a:r>
+            <a:endParaRPr lang="zh-CN" altLang="zh-CN" sz="1800" kern="100" dirty="0">
+              <a:effectLst/>
+              <a:latin typeface="Calibri" panose="020F0502020204030204" pitchFamily="34" charset="0"/>
+              <a:ea typeface="宋体" panose="02010600030101010101" pitchFamily="2" charset="-122"/>
+              <a:cs typeface="Times New Roman" panose="02020603050405020304" pitchFamily="18" charset="0"/>
+            </a:endParaRPr>
+          </a:p>
+          <a:p>
+            <a:pPr indent="266700" algn="just"/>
+            <a:r>
+              <a:rPr lang="en-US" altLang="zh-CN" sz="1800" kern="100" dirty="0">
+                <a:effectLst/>
+                <a:latin typeface="Calibri" panose="020F0502020204030204" pitchFamily="34" charset="0"/>
+                <a:ea typeface="宋体" panose="02010600030101010101" pitchFamily="2" charset="-122"/>
+                <a:cs typeface="Times New Roman" panose="02020603050405020304" pitchFamily="18" charset="0"/>
+              </a:rPr>
+              <a:t>IF </a:t>
+            </a:r>
+            <a:r>
+              <a:rPr lang="zh-CN" altLang="zh-CN" sz="1800" kern="100" dirty="0">
+                <a:effectLst/>
+                <a:latin typeface="Calibri" panose="020F0502020204030204" pitchFamily="34" charset="0"/>
+                <a:ea typeface="宋体" panose="02010600030101010101" pitchFamily="2" charset="-122"/>
+                <a:cs typeface="Times New Roman" panose="02020603050405020304" pitchFamily="18" charset="0"/>
+              </a:rPr>
+              <a:t>旧密码正确 </a:t>
+            </a:r>
+            <a:r>
+              <a:rPr lang="en-US" altLang="zh-CN" sz="1800" kern="100" dirty="0">
+                <a:effectLst/>
+                <a:latin typeface="Calibri" panose="020F0502020204030204" pitchFamily="34" charset="0"/>
+                <a:ea typeface="宋体" panose="02010600030101010101" pitchFamily="2" charset="-122"/>
+                <a:cs typeface="Times New Roman" panose="02020603050405020304" pitchFamily="18" charset="0"/>
+              </a:rPr>
+              <a:t>THEN</a:t>
+            </a:r>
+            <a:endParaRPr lang="zh-CN" altLang="zh-CN" sz="1800" kern="100" dirty="0">
+              <a:effectLst/>
+              <a:latin typeface="Calibri" panose="020F0502020204030204" pitchFamily="34" charset="0"/>
+              <a:ea typeface="宋体" panose="02010600030101010101" pitchFamily="2" charset="-122"/>
+              <a:cs typeface="Times New Roman" panose="02020603050405020304" pitchFamily="18" charset="0"/>
+            </a:endParaRPr>
+          </a:p>
+          <a:p>
+            <a:pPr indent="266700" algn="just"/>
+            <a:r>
+              <a:rPr lang="en-US" altLang="zh-CN" sz="1800" kern="100" dirty="0">
+                <a:effectLst/>
+                <a:latin typeface="Calibri" panose="020F0502020204030204" pitchFamily="34" charset="0"/>
+                <a:ea typeface="宋体" panose="02010600030101010101" pitchFamily="2" charset="-122"/>
+                <a:cs typeface="Times New Roman" panose="02020603050405020304" pitchFamily="18" charset="0"/>
+              </a:rPr>
+              <a:t>	IF </a:t>
+            </a:r>
+            <a:r>
+              <a:rPr lang="zh-CN" altLang="zh-CN" sz="1800" kern="100" dirty="0">
+                <a:effectLst/>
+                <a:latin typeface="Calibri" panose="020F0502020204030204" pitchFamily="34" charset="0"/>
+                <a:ea typeface="宋体" panose="02010600030101010101" pitchFamily="2" charset="-122"/>
+                <a:cs typeface="Times New Roman" panose="02020603050405020304" pitchFamily="18" charset="0"/>
+              </a:rPr>
+              <a:t>新密码</a:t>
+            </a:r>
+            <a:r>
+              <a:rPr lang="en-US" altLang="zh-CN" sz="1800" kern="100" dirty="0">
+                <a:effectLst/>
+                <a:latin typeface="Calibri" panose="020F0502020204030204" pitchFamily="34" charset="0"/>
+                <a:ea typeface="宋体" panose="02010600030101010101" pitchFamily="2" charset="-122"/>
+                <a:cs typeface="Times New Roman" panose="02020603050405020304" pitchFamily="18" charset="0"/>
+              </a:rPr>
+              <a:t>1==</a:t>
+            </a:r>
+            <a:r>
+              <a:rPr lang="zh-CN" altLang="zh-CN" sz="1800" kern="100" dirty="0">
+                <a:effectLst/>
+                <a:latin typeface="Calibri" panose="020F0502020204030204" pitchFamily="34" charset="0"/>
+                <a:ea typeface="宋体" panose="02010600030101010101" pitchFamily="2" charset="-122"/>
+                <a:cs typeface="Times New Roman" panose="02020603050405020304" pitchFamily="18" charset="0"/>
+              </a:rPr>
+              <a:t>新密码</a:t>
+            </a:r>
+            <a:r>
+              <a:rPr lang="en-US" altLang="zh-CN" sz="1800" kern="100" dirty="0">
+                <a:effectLst/>
+                <a:latin typeface="Calibri" panose="020F0502020204030204" pitchFamily="34" charset="0"/>
+                <a:ea typeface="宋体" panose="02010600030101010101" pitchFamily="2" charset="-122"/>
+                <a:cs typeface="Times New Roman" panose="02020603050405020304" pitchFamily="18" charset="0"/>
+              </a:rPr>
+              <a:t>2 THEN</a:t>
+            </a:r>
+            <a:endParaRPr lang="zh-CN" altLang="zh-CN" sz="1800" kern="100" dirty="0">
+              <a:effectLst/>
+              <a:latin typeface="Calibri" panose="020F0502020204030204" pitchFamily="34" charset="0"/>
+              <a:ea typeface="宋体" panose="02010600030101010101" pitchFamily="2" charset="-122"/>
+              <a:cs typeface="Times New Roman" panose="02020603050405020304" pitchFamily="18" charset="0"/>
+            </a:endParaRPr>
+          </a:p>
+          <a:p>
+            <a:pPr indent="266700" algn="just"/>
+            <a:r>
+              <a:rPr lang="en-US" altLang="zh-CN" sz="1800" kern="100" dirty="0">
+                <a:effectLst/>
+                <a:latin typeface="Calibri" panose="020F0502020204030204" pitchFamily="34" charset="0"/>
+                <a:ea typeface="宋体" panose="02010600030101010101" pitchFamily="2" charset="-122"/>
+                <a:cs typeface="Times New Roman" panose="02020603050405020304" pitchFamily="18" charset="0"/>
+              </a:rPr>
+              <a:t>		</a:t>
+            </a:r>
+            <a:r>
+              <a:rPr lang="zh-CN" altLang="zh-CN" sz="1800" kern="100" dirty="0">
+                <a:effectLst/>
+                <a:latin typeface="Calibri" panose="020F0502020204030204" pitchFamily="34" charset="0"/>
+                <a:ea typeface="宋体" panose="02010600030101010101" pitchFamily="2" charset="-122"/>
+                <a:cs typeface="Times New Roman" panose="02020603050405020304" pitchFamily="18" charset="0"/>
+              </a:rPr>
+              <a:t>输出“修改成功”</a:t>
+            </a:r>
+          </a:p>
+          <a:p>
+            <a:pPr indent="266700" algn="just"/>
+            <a:r>
+              <a:rPr lang="en-US" altLang="zh-CN" sz="1800" kern="100" dirty="0">
+                <a:effectLst/>
+                <a:latin typeface="Calibri" panose="020F0502020204030204" pitchFamily="34" charset="0"/>
+                <a:ea typeface="宋体" panose="02010600030101010101" pitchFamily="2" charset="-122"/>
+                <a:cs typeface="Times New Roman" panose="02020603050405020304" pitchFamily="18" charset="0"/>
+              </a:rPr>
+              <a:t>	ELSE </a:t>
+            </a:r>
+            <a:r>
+              <a:rPr lang="zh-CN" altLang="zh-CN" sz="1800" kern="100" dirty="0">
+                <a:effectLst/>
+                <a:latin typeface="Calibri" panose="020F0502020204030204" pitchFamily="34" charset="0"/>
+                <a:ea typeface="宋体" panose="02010600030101010101" pitchFamily="2" charset="-122"/>
+                <a:cs typeface="Times New Roman" panose="02020603050405020304" pitchFamily="18" charset="0"/>
+              </a:rPr>
+              <a:t>输出“两次密码不一致”</a:t>
+            </a:r>
+            <a:endParaRPr lang="en-US" altLang="zh-CN" sz="1800" kern="100" dirty="0">
+              <a:effectLst/>
+              <a:latin typeface="Calibri" panose="020F0502020204030204" pitchFamily="34" charset="0"/>
+              <a:ea typeface="宋体" panose="02010600030101010101" pitchFamily="2" charset="-122"/>
+              <a:cs typeface="Times New Roman" panose="02020603050405020304" pitchFamily="18" charset="0"/>
+            </a:endParaRPr>
+          </a:p>
+          <a:p>
+            <a:pPr indent="266700" algn="just"/>
+            <a:r>
+              <a:rPr lang="en-US" altLang="zh-CN" kern="100" dirty="0">
+                <a:cs typeface="Times New Roman" panose="02020603050405020304" pitchFamily="18" charset="0"/>
+              </a:rPr>
+              <a:t>	</a:t>
+            </a:r>
+            <a:r>
+              <a:rPr lang="en-US" altLang="zh-CN" sz="1800" kern="100" dirty="0">
+                <a:effectLst/>
+                <a:latin typeface="Calibri" panose="020F0502020204030204" pitchFamily="34" charset="0"/>
+                <a:ea typeface="宋体" panose="02010600030101010101" pitchFamily="2" charset="-122"/>
+                <a:cs typeface="Times New Roman" panose="02020603050405020304" pitchFamily="18" charset="0"/>
+              </a:rPr>
+              <a:t>END IF</a:t>
+            </a:r>
+          </a:p>
+          <a:p>
+            <a:pPr indent="266700" algn="just"/>
+            <a:r>
+              <a:rPr lang="en-US" altLang="zh-CN" sz="1800" kern="100" dirty="0">
+                <a:effectLst/>
+                <a:latin typeface="Calibri" panose="020F0502020204030204" pitchFamily="34" charset="0"/>
+                <a:ea typeface="宋体" panose="02010600030101010101" pitchFamily="2" charset="-122"/>
+                <a:cs typeface="Times New Roman" panose="02020603050405020304" pitchFamily="18" charset="0"/>
+              </a:rPr>
+              <a:t>ELSE </a:t>
+            </a:r>
+            <a:r>
+              <a:rPr lang="zh-CN" altLang="en-US" sz="1800" kern="100" dirty="0">
+                <a:effectLst/>
+                <a:latin typeface="Calibri" panose="020F0502020204030204" pitchFamily="34" charset="0"/>
+                <a:ea typeface="宋体" panose="02010600030101010101" pitchFamily="2" charset="-122"/>
+                <a:cs typeface="Times New Roman" panose="02020603050405020304" pitchFamily="18" charset="0"/>
+              </a:rPr>
+              <a:t>输出“密码错误”</a:t>
+            </a:r>
+            <a:endParaRPr lang="zh-CN" altLang="zh-CN" sz="1800" kern="100" dirty="0">
+              <a:effectLst/>
+              <a:latin typeface="Calibri" panose="020F0502020204030204" pitchFamily="34" charset="0"/>
+              <a:ea typeface="宋体" panose="02010600030101010101" pitchFamily="2" charset="-122"/>
+              <a:cs typeface="Times New Roman" panose="02020603050405020304" pitchFamily="18" charset="0"/>
+            </a:endParaRPr>
+          </a:p>
+          <a:p>
+            <a:pPr indent="266700" algn="just"/>
+            <a:r>
+              <a:rPr lang="en-US" altLang="zh-CN" sz="1800" kern="100" dirty="0">
+                <a:effectLst/>
+                <a:latin typeface="Calibri" panose="020F0502020204030204" pitchFamily="34" charset="0"/>
+                <a:ea typeface="宋体" panose="02010600030101010101" pitchFamily="2" charset="-122"/>
+                <a:cs typeface="Times New Roman" panose="02020603050405020304" pitchFamily="18" charset="0"/>
+              </a:rPr>
+              <a:t>END IF</a:t>
+            </a:r>
+            <a:endParaRPr lang="zh-CN" altLang="zh-CN" sz="1800" kern="100" dirty="0">
+              <a:effectLst/>
+              <a:latin typeface="Calibri" panose="020F0502020204030204" pitchFamily="34" charset="0"/>
+              <a:ea typeface="宋体" panose="02010600030101010101" pitchFamily="2" charset="-122"/>
+              <a:cs typeface="Times New Roman" panose="02020603050405020304" pitchFamily="18" charset="0"/>
+            </a:endParaRPr>
+          </a:p>
+          <a:p>
+            <a:pPr indent="266700" algn="just"/>
+            <a:r>
+              <a:rPr lang="en-US" altLang="zh-CN" sz="1800" kern="100" dirty="0">
+                <a:effectLst/>
+                <a:latin typeface="Calibri" panose="020F0502020204030204" pitchFamily="34" charset="0"/>
+                <a:ea typeface="宋体" panose="02010600030101010101" pitchFamily="2" charset="-122"/>
+                <a:cs typeface="Times New Roman" panose="02020603050405020304" pitchFamily="18" charset="0"/>
+              </a:rPr>
+              <a:t>ELSE </a:t>
+            </a:r>
+            <a:r>
+              <a:rPr lang="zh-CN" altLang="zh-CN" sz="1800" kern="100" dirty="0">
+                <a:effectLst/>
+                <a:latin typeface="Calibri" panose="020F0502020204030204" pitchFamily="34" charset="0"/>
+                <a:ea typeface="宋体" panose="02010600030101010101" pitchFamily="2" charset="-122"/>
+                <a:cs typeface="Times New Roman" panose="02020603050405020304" pitchFamily="18" charset="0"/>
+              </a:rPr>
+              <a:t>输出“密码错误”</a:t>
+            </a:r>
+            <a:endParaRPr lang="en-US" altLang="zh-CN" kern="100" dirty="0">
+              <a:cs typeface="Times New Roman" panose="02020603050405020304" pitchFamily="18" charset="0"/>
+            </a:endParaRPr>
+          </a:p>
+          <a:p>
+            <a:pPr indent="266700" algn="just"/>
+            <a:r>
+              <a:rPr lang="en-US" altLang="zh-CN" sz="1800" kern="100" dirty="0">
+                <a:effectLst/>
+                <a:latin typeface="Calibri" panose="020F0502020204030204" pitchFamily="34" charset="0"/>
+                <a:ea typeface="宋体" panose="02010600030101010101" pitchFamily="2" charset="-122"/>
+                <a:cs typeface="Times New Roman" panose="02020603050405020304" pitchFamily="18" charset="0"/>
+              </a:rPr>
+              <a:t>CASE 2 OF:</a:t>
+            </a:r>
+            <a:r>
+              <a:rPr lang="zh-CN" altLang="zh-CN" sz="1800" kern="100" dirty="0">
+                <a:effectLst/>
+                <a:latin typeface="Calibri" panose="020F0502020204030204" pitchFamily="34" charset="0"/>
+                <a:ea typeface="宋体" panose="02010600030101010101" pitchFamily="2" charset="-122"/>
+                <a:cs typeface="Times New Roman" panose="02020603050405020304" pitchFamily="18" charset="0"/>
+              </a:rPr>
+              <a:t>进入个人信息界面</a:t>
+            </a:r>
+          </a:p>
+          <a:p>
+            <a:pPr algn="just"/>
+            <a:r>
+              <a:rPr lang="en-US" altLang="zh-CN" sz="1800" kern="100" dirty="0">
+                <a:effectLst/>
+                <a:latin typeface="Calibri" panose="020F0502020204030204" pitchFamily="34" charset="0"/>
+                <a:ea typeface="宋体" panose="02010600030101010101" pitchFamily="2" charset="-122"/>
+                <a:cs typeface="Times New Roman" panose="02020603050405020304" pitchFamily="18" charset="0"/>
+              </a:rPr>
+              <a:t>	</a:t>
+            </a:r>
+            <a:r>
+              <a:rPr lang="zh-CN" altLang="zh-CN" sz="1800" kern="100" dirty="0">
+                <a:effectLst/>
+                <a:latin typeface="Calibri" panose="020F0502020204030204" pitchFamily="34" charset="0"/>
+                <a:ea typeface="宋体" panose="02010600030101010101" pitchFamily="2" charset="-122"/>
+                <a:cs typeface="Times New Roman" panose="02020603050405020304" pitchFamily="18" charset="0"/>
+              </a:rPr>
+              <a:t>查看个人信息</a:t>
+            </a:r>
+          </a:p>
+          <a:p>
+            <a:pPr algn="just"/>
+            <a:r>
+              <a:rPr lang="en-US" altLang="zh-CN" sz="1800" kern="100" dirty="0">
+                <a:effectLst/>
+                <a:latin typeface="Calibri" panose="020F0502020204030204" pitchFamily="34" charset="0"/>
+                <a:ea typeface="宋体" panose="02010600030101010101" pitchFamily="2" charset="-122"/>
+                <a:cs typeface="Times New Roman" panose="02020603050405020304" pitchFamily="18" charset="0"/>
+              </a:rPr>
+              <a:t>END CASE</a:t>
+            </a:r>
+            <a:endParaRPr lang="zh-CN" altLang="zh-CN" sz="1800" kern="100" dirty="0">
+              <a:effectLst/>
+              <a:latin typeface="Calibri" panose="020F0502020204030204" pitchFamily="34" charset="0"/>
+              <a:ea typeface="宋体" panose="02010600030101010101" pitchFamily="2" charset="-122"/>
+              <a:cs typeface="Times New Roman" panose="02020603050405020304" pitchFamily="18" charset="0"/>
+            </a:endParaRPr>
+          </a:p>
+        </p:txBody>
+      </p:sp>
+    </p:spTree>
+    <p:extLst>
+      <p:ext uri="{BB962C8B-B14F-4D97-AF65-F5344CB8AC3E}">
+        <p14:creationId xmlns:p14="http://schemas.microsoft.com/office/powerpoint/2010/main" val="3968477632"/>
+      </p:ext>
+    </p:extLst>
+  </p:cSld>
+  <p:clrMapOvr>
+    <a:masterClrMapping/>
+  </p:clrMapOvr>
+</p:sld>
+</file>
+
+<file path=ppt/slides/slide16.xml><?xml version="1.0" encoding="utf-8"?>
+<p:sld xmlns:a="http://schemas.openxmlformats.org/drawingml/2006/main" xmlns:r="http://schemas.openxmlformats.org/officeDocument/2006/relationships" xmlns:p="http://schemas.openxmlformats.org/presentationml/2006/main">
+  <p:cSld>
+    <p:spTree>
+      <p:nvGrpSpPr>
+        <p:cNvPr id="1" name=""/>
+        <p:cNvGrpSpPr/>
+        <p:nvPr/>
+      </p:nvGrpSpPr>
+      <p:grpSpPr>
+        <a:xfrm>
+          <a:off x="0" y="0"/>
+          <a:ext cx="0" cy="0"/>
+          <a:chOff x="0" y="0"/>
+          <a:chExt cx="0" cy="0"/>
+        </a:xfrm>
+      </p:grpSpPr>
+      <p:sp>
+        <p:nvSpPr>
           <p:cNvPr id="2" name="椭圆 1">
             <a:extLst>
               <a:ext uri="{FF2B5EF4-FFF2-40B4-BE49-F238E27FC236}">
@@ -7911,7 +9451,7 @@
 </p:sld>
 </file>
 
-<file path=ppt/slides/slide16.xml><?xml version="1.0" encoding="utf-8"?>
+<file path=ppt/slides/slide17.xml><?xml version="1.0" encoding="utf-8"?>
 <p:sld xmlns:a="http://schemas.openxmlformats.org/drawingml/2006/main" xmlns:r="http://schemas.openxmlformats.org/officeDocument/2006/relationships" xmlns:p="http://schemas.openxmlformats.org/presentationml/2006/main">
   <p:cSld>
     <p:spTree>
@@ -8359,36 +9899,6 @@
           </a:p>
         </p:txBody>
       </p:sp>
-      <p:pic>
-        <p:nvPicPr>
-          <p:cNvPr id="6" name="图片 5">
-            <a:extLst>
-              <a:ext uri="{FF2B5EF4-FFF2-40B4-BE49-F238E27FC236}">
-                <a16:creationId xmlns:a16="http://schemas.microsoft.com/office/drawing/2014/main" id="{CEC7617E-CFBD-48DF-95A4-5D27692488B1}"/>
-              </a:ext>
-            </a:extLst>
-          </p:cNvPr>
-          <p:cNvPicPr>
-            <a:picLocks noChangeAspect="1"/>
-          </p:cNvPicPr>
-          <p:nvPr/>
-        </p:nvPicPr>
-        <p:blipFill>
-          <a:blip r:embed="rId2"/>
-          <a:stretch>
-            <a:fillRect/>
-          </a:stretch>
-        </p:blipFill>
-        <p:spPr>
-          <a:xfrm>
-            <a:off x="1001863" y="1528093"/>
-            <a:ext cx="4304300" cy="4632514"/>
-          </a:xfrm>
-          <a:prstGeom prst="rect">
-            <a:avLst/>
-          </a:prstGeom>
-        </p:spPr>
-      </p:pic>
       <p:sp>
         <p:nvSpPr>
           <p:cNvPr id="7" name="文本框 6">
@@ -8424,36 +9934,6 @@
           </a:p>
         </p:txBody>
       </p:sp>
-      <p:pic>
-        <p:nvPicPr>
-          <p:cNvPr id="9" name="图片 8">
-            <a:extLst>
-              <a:ext uri="{FF2B5EF4-FFF2-40B4-BE49-F238E27FC236}">
-                <a16:creationId xmlns:a16="http://schemas.microsoft.com/office/drawing/2014/main" id="{7693ECC6-02E6-4668-904B-411B7F623D72}"/>
-              </a:ext>
-            </a:extLst>
-          </p:cNvPr>
-          <p:cNvPicPr>
-            <a:picLocks noChangeAspect="1"/>
-          </p:cNvPicPr>
-          <p:nvPr/>
-        </p:nvPicPr>
-        <p:blipFill>
-          <a:blip r:embed="rId3"/>
-          <a:stretch>
-            <a:fillRect/>
-          </a:stretch>
-        </p:blipFill>
-        <p:spPr>
-          <a:xfrm>
-            <a:off x="6141343" y="1535727"/>
-            <a:ext cx="5840117" cy="4161196"/>
-          </a:xfrm>
-          <a:prstGeom prst="rect">
-            <a:avLst/>
-          </a:prstGeom>
-        </p:spPr>
-      </p:pic>
       <p:sp>
         <p:nvSpPr>
           <p:cNvPr id="10" name="文本框 9">
@@ -8489,621 +9969,12 @@
           </a:p>
         </p:txBody>
       </p:sp>
-    </p:spTree>
-    <p:extLst>
-      <p:ext uri="{BB962C8B-B14F-4D97-AF65-F5344CB8AC3E}">
-        <p14:creationId xmlns:p14="http://schemas.microsoft.com/office/powerpoint/2010/main" val="3569168299"/>
-      </p:ext>
-    </p:extLst>
-  </p:cSld>
-  <p:clrMapOvr>
-    <a:masterClrMapping/>
-  </p:clrMapOvr>
-</p:sld>
-</file>
-
-<file path=ppt/slides/slide17.xml><?xml version="1.0" encoding="utf-8"?>
-<p:sld xmlns:a="http://schemas.openxmlformats.org/drawingml/2006/main" xmlns:r="http://schemas.openxmlformats.org/officeDocument/2006/relationships" xmlns:p="http://schemas.openxmlformats.org/presentationml/2006/main">
-  <p:cSld>
-    <p:bg>
-      <p:bgPr>
-        <a:solidFill>
-          <a:schemeClr val="tx1"/>
-        </a:solidFill>
-        <a:effectLst/>
-      </p:bgPr>
-    </p:bg>
-    <p:spTree>
-      <p:nvGrpSpPr>
-        <p:cNvPr id="1" name=""/>
-        <p:cNvGrpSpPr/>
-        <p:nvPr/>
-      </p:nvGrpSpPr>
-      <p:grpSpPr>
-        <a:xfrm>
-          <a:off x="0" y="0"/>
-          <a:ext cx="0" cy="0"/>
-          <a:chOff x="0" y="0"/>
-          <a:chExt cx="0" cy="0"/>
-        </a:xfrm>
-      </p:grpSpPr>
-      <p:sp>
-        <p:nvSpPr>
-          <p:cNvPr id="5" name="椭圆 4">
+      <p:pic>
+        <p:nvPicPr>
+          <p:cNvPr id="8" name="图片 7">
             <a:extLst>
               <a:ext uri="{FF2B5EF4-FFF2-40B4-BE49-F238E27FC236}">
-                <a16:creationId xmlns:a16="http://schemas.microsoft.com/office/drawing/2014/main" id="{F1E17BAF-219F-45C1-AE09-47D140557B75}"/>
-              </a:ext>
-            </a:extLst>
-          </p:cNvPr>
-          <p:cNvSpPr/>
-          <p:nvPr/>
-        </p:nvSpPr>
-        <p:spPr>
-          <a:xfrm>
-            <a:off x="532958" y="327049"/>
-            <a:ext cx="367982" cy="367982"/>
-          </a:xfrm>
-          <a:prstGeom prst="ellipse">
-            <a:avLst/>
-          </a:prstGeom>
-          <a:solidFill>
-            <a:schemeClr val="bg1"/>
-          </a:solidFill>
-          <a:ln>
-            <a:noFill/>
-          </a:ln>
-          <a:effectLst>
-            <a:outerShdw blurRad="127000" dist="76200" dir="2700000" algn="tl" rotWithShape="0">
-              <a:prstClr val="black">
-                <a:alpha val="40000"/>
-              </a:prstClr>
-            </a:outerShdw>
-          </a:effectLst>
-        </p:spPr>
-        <p:style>
-          <a:lnRef idx="2">
-            <a:schemeClr val="accent1">
-              <a:shade val="50000"/>
-            </a:schemeClr>
-          </a:lnRef>
-          <a:fillRef idx="1">
-            <a:schemeClr val="accent1"/>
-          </a:fillRef>
-          <a:effectRef idx="0">
-            <a:schemeClr val="accent1"/>
-          </a:effectRef>
-          <a:fontRef idx="minor">
-            <a:schemeClr val="lt1"/>
-          </a:fontRef>
-        </p:style>
-        <p:txBody>
-          <a:bodyPr rtlCol="0" anchor="ctr"/>
-          <a:lstStyle/>
-          <a:p>
-            <a:pPr algn="ctr"/>
-            <a:endParaRPr lang="zh-CN" altLang="en-US">
-              <a:solidFill>
-                <a:schemeClr val="accent2">
-                  <a:lumMod val="75000"/>
-                </a:schemeClr>
-              </a:solidFill>
-              <a:latin typeface="Arial" panose="020B0604020202020204" pitchFamily="34" charset="0"/>
-              <a:ea typeface="微软雅黑" panose="020B0503020204020204" pitchFamily="34" charset="-122"/>
-              <a:sym typeface="Arial" panose="020B0604020202020204" pitchFamily="34" charset="0"/>
-            </a:endParaRPr>
-          </a:p>
-        </p:txBody>
-      </p:sp>
-      <p:sp>
-        <p:nvSpPr>
-          <p:cNvPr id="7" name="椭圆 6">
-            <a:extLst>
-              <a:ext uri="{FF2B5EF4-FFF2-40B4-BE49-F238E27FC236}">
-                <a16:creationId xmlns:a16="http://schemas.microsoft.com/office/drawing/2014/main" id="{4966F4C6-FF98-46EB-9A27-78A113B51EF7}"/>
-              </a:ext>
-            </a:extLst>
-          </p:cNvPr>
-          <p:cNvSpPr/>
-          <p:nvPr/>
-        </p:nvSpPr>
-        <p:spPr>
-          <a:xfrm>
-            <a:off x="800016" y="327049"/>
-            <a:ext cx="201847" cy="201847"/>
-          </a:xfrm>
-          <a:prstGeom prst="ellipse">
-            <a:avLst/>
-          </a:prstGeom>
-          <a:solidFill>
-            <a:schemeClr val="bg1">
-              <a:lumMod val="95000"/>
-            </a:schemeClr>
-          </a:solidFill>
-          <a:ln>
-            <a:noFill/>
-          </a:ln>
-          <a:effectLst>
-            <a:outerShdw blurRad="127000" dist="76200" dir="2700000" algn="tl" rotWithShape="0">
-              <a:prstClr val="black">
-                <a:alpha val="40000"/>
-              </a:prstClr>
-            </a:outerShdw>
-          </a:effectLst>
-        </p:spPr>
-        <p:style>
-          <a:lnRef idx="2">
-            <a:schemeClr val="accent1">
-              <a:shade val="50000"/>
-            </a:schemeClr>
-          </a:lnRef>
-          <a:fillRef idx="1">
-            <a:schemeClr val="accent1"/>
-          </a:fillRef>
-          <a:effectRef idx="0">
-            <a:schemeClr val="accent1"/>
-          </a:effectRef>
-          <a:fontRef idx="minor">
-            <a:schemeClr val="lt1"/>
-          </a:fontRef>
-        </p:style>
-        <p:txBody>
-          <a:bodyPr rtlCol="0" anchor="ctr"/>
-          <a:lstStyle/>
-          <a:p>
-            <a:pPr algn="ctr"/>
-            <a:endParaRPr lang="zh-CN" altLang="en-US">
-              <a:solidFill>
-                <a:schemeClr val="accent2">
-                  <a:lumMod val="75000"/>
-                </a:schemeClr>
-              </a:solidFill>
-              <a:latin typeface="Arial" panose="020B0604020202020204" pitchFamily="34" charset="0"/>
-              <a:ea typeface="微软雅黑" panose="020B0503020204020204" pitchFamily="34" charset="-122"/>
-              <a:sym typeface="Arial" panose="020B0604020202020204" pitchFamily="34" charset="0"/>
-            </a:endParaRPr>
-          </a:p>
-        </p:txBody>
-      </p:sp>
-      <p:sp>
-        <p:nvSpPr>
-          <p:cNvPr id="9" name="Content Placeholder 2">
-            <a:extLst>
-              <a:ext uri="{FF2B5EF4-FFF2-40B4-BE49-F238E27FC236}">
-                <a16:creationId xmlns:a16="http://schemas.microsoft.com/office/drawing/2014/main" id="{0670751B-BF73-4E45-980D-EE450ED5704C}"/>
-              </a:ext>
-            </a:extLst>
-          </p:cNvPr>
-          <p:cNvSpPr txBox="1">
-            <a:spLocks/>
-          </p:cNvSpPr>
-          <p:nvPr/>
-        </p:nvSpPr>
-        <p:spPr>
-          <a:xfrm>
-            <a:off x="1095236" y="242438"/>
-            <a:ext cx="3067050" cy="367982"/>
-          </a:xfrm>
-          <a:prstGeom prst="rect">
-            <a:avLst/>
-          </a:prstGeom>
-        </p:spPr>
-        <p:txBody>
-          <a:bodyPr vert="horz" lIns="96435" tIns="48218" rIns="96435" bIns="48218" rtlCol="0" anchor="t">
-            <a:noAutofit/>
-          </a:bodyPr>
-          <a:lstStyle>
-            <a:lvl1pPr marL="0" indent="0" algn="r" defTabSz="457200" rtl="0" eaLnBrk="1" latinLnBrk="0" hangingPunct="1">
-              <a:spcBef>
-                <a:spcPct val="20000"/>
-              </a:spcBef>
-              <a:spcAft>
-                <a:spcPts val="600"/>
-              </a:spcAft>
-              <a:buClr>
-                <a:schemeClr val="accent1">
-                  <a:lumMod val="75000"/>
-                </a:schemeClr>
-              </a:buClr>
-              <a:buSzPct val="145000"/>
-              <a:buFont typeface="Arial"/>
-              <a:buNone/>
-              <a:defRPr sz="2100" kern="1200" cap="none">
-                <a:solidFill>
-                  <a:schemeClr val="tx1"/>
-                </a:solidFill>
-                <a:effectLst/>
-                <a:latin typeface="+mn-lt"/>
-                <a:ea typeface="+mn-ea"/>
-                <a:cs typeface="+mn-cs"/>
-              </a:defRPr>
-            </a:lvl1pPr>
-            <a:lvl2pPr marL="457200" indent="0" algn="ctr" defTabSz="457200" rtl="0" eaLnBrk="1" latinLnBrk="0" hangingPunct="1">
-              <a:spcBef>
-                <a:spcPct val="20000"/>
-              </a:spcBef>
-              <a:spcAft>
-                <a:spcPts val="600"/>
-              </a:spcAft>
-              <a:buClr>
-                <a:schemeClr val="accent1">
-                  <a:lumMod val="75000"/>
-                </a:schemeClr>
-              </a:buClr>
-              <a:buSzPct val="145000"/>
-              <a:buFont typeface="Arial"/>
-              <a:buNone/>
-              <a:defRPr sz="2000" kern="1200" cap="none">
-                <a:solidFill>
-                  <a:schemeClr val="tx1">
-                    <a:tint val="75000"/>
-                  </a:schemeClr>
-                </a:solidFill>
-                <a:effectLst/>
-                <a:latin typeface="+mn-lt"/>
-                <a:ea typeface="+mn-ea"/>
-                <a:cs typeface="+mn-cs"/>
-              </a:defRPr>
-            </a:lvl2pPr>
-            <a:lvl3pPr marL="914400" indent="0" algn="ctr" defTabSz="457200" rtl="0" eaLnBrk="1" latinLnBrk="0" hangingPunct="1">
-              <a:spcBef>
-                <a:spcPct val="20000"/>
-              </a:spcBef>
-              <a:spcAft>
-                <a:spcPts val="600"/>
-              </a:spcAft>
-              <a:buClr>
-                <a:schemeClr val="accent1">
-                  <a:lumMod val="75000"/>
-                </a:schemeClr>
-              </a:buClr>
-              <a:buSzPct val="145000"/>
-              <a:buFont typeface="Arial"/>
-              <a:buNone/>
-              <a:defRPr sz="1800" kern="1200" cap="none">
-                <a:solidFill>
-                  <a:schemeClr val="tx1">
-                    <a:tint val="75000"/>
-                  </a:schemeClr>
-                </a:solidFill>
-                <a:effectLst/>
-                <a:latin typeface="+mn-lt"/>
-                <a:ea typeface="+mn-ea"/>
-                <a:cs typeface="+mn-cs"/>
-              </a:defRPr>
-            </a:lvl3pPr>
-            <a:lvl4pPr marL="1371600" indent="0" algn="ctr" defTabSz="457200" rtl="0" eaLnBrk="1" latinLnBrk="0" hangingPunct="1">
-              <a:spcBef>
-                <a:spcPct val="20000"/>
-              </a:spcBef>
-              <a:spcAft>
-                <a:spcPts val="600"/>
-              </a:spcAft>
-              <a:buClr>
-                <a:schemeClr val="accent1">
-                  <a:lumMod val="75000"/>
-                </a:schemeClr>
-              </a:buClr>
-              <a:buSzPct val="145000"/>
-              <a:buFont typeface="Arial"/>
-              <a:buNone/>
-              <a:defRPr sz="1600" kern="1200" cap="none">
-                <a:solidFill>
-                  <a:schemeClr val="tx1">
-                    <a:tint val="75000"/>
-                  </a:schemeClr>
-                </a:solidFill>
-                <a:effectLst/>
-                <a:latin typeface="+mn-lt"/>
-                <a:ea typeface="+mn-ea"/>
-                <a:cs typeface="+mn-cs"/>
-              </a:defRPr>
-            </a:lvl4pPr>
-            <a:lvl5pPr marL="1828800" indent="0" algn="ctr" defTabSz="457200" rtl="0" eaLnBrk="1" latinLnBrk="0" hangingPunct="1">
-              <a:spcBef>
-                <a:spcPct val="20000"/>
-              </a:spcBef>
-              <a:spcAft>
-                <a:spcPts val="600"/>
-              </a:spcAft>
-              <a:buClr>
-                <a:schemeClr val="accent1">
-                  <a:lumMod val="75000"/>
-                </a:schemeClr>
-              </a:buClr>
-              <a:buSzPct val="145000"/>
-              <a:buFont typeface="Arial"/>
-              <a:buNone/>
-              <a:defRPr sz="1400" kern="1200" cap="none">
-                <a:solidFill>
-                  <a:schemeClr val="tx1">
-                    <a:tint val="75000"/>
-                  </a:schemeClr>
-                </a:solidFill>
-                <a:effectLst/>
-                <a:latin typeface="+mn-lt"/>
-                <a:ea typeface="+mn-ea"/>
-                <a:cs typeface="+mn-cs"/>
-              </a:defRPr>
-            </a:lvl5pPr>
-            <a:lvl6pPr marL="2286000" indent="0" algn="ctr" defTabSz="457200" rtl="0" eaLnBrk="1" latinLnBrk="0" hangingPunct="1">
-              <a:spcBef>
-                <a:spcPct val="20000"/>
-              </a:spcBef>
-              <a:spcAft>
-                <a:spcPts val="600"/>
-              </a:spcAft>
-              <a:buClr>
-                <a:schemeClr val="accent1">
-                  <a:lumMod val="75000"/>
-                </a:schemeClr>
-              </a:buClr>
-              <a:buSzPct val="145000"/>
-              <a:buFont typeface="Arial"/>
-              <a:buNone/>
-              <a:defRPr sz="1400" kern="1200" cap="none">
-                <a:solidFill>
-                  <a:schemeClr val="tx1">
-                    <a:tint val="75000"/>
-                  </a:schemeClr>
-                </a:solidFill>
-                <a:effectLst/>
-                <a:latin typeface="+mn-lt"/>
-                <a:ea typeface="+mn-ea"/>
-                <a:cs typeface="+mn-cs"/>
-              </a:defRPr>
-            </a:lvl6pPr>
-            <a:lvl7pPr marL="2743200" indent="0" algn="ctr" defTabSz="457200" rtl="0" eaLnBrk="1" latinLnBrk="0" hangingPunct="1">
-              <a:spcBef>
-                <a:spcPct val="20000"/>
-              </a:spcBef>
-              <a:spcAft>
-                <a:spcPts val="600"/>
-              </a:spcAft>
-              <a:buClr>
-                <a:schemeClr val="accent1">
-                  <a:lumMod val="75000"/>
-                </a:schemeClr>
-              </a:buClr>
-              <a:buSzPct val="145000"/>
-              <a:buFont typeface="Arial"/>
-              <a:buNone/>
-              <a:defRPr sz="1400" kern="1200" cap="none">
-                <a:solidFill>
-                  <a:schemeClr val="tx1">
-                    <a:tint val="75000"/>
-                  </a:schemeClr>
-                </a:solidFill>
-                <a:effectLst/>
-                <a:latin typeface="+mn-lt"/>
-                <a:ea typeface="+mn-ea"/>
-                <a:cs typeface="+mn-cs"/>
-              </a:defRPr>
-            </a:lvl7pPr>
-            <a:lvl8pPr marL="3200400" indent="0" algn="ctr" defTabSz="457200" rtl="0" eaLnBrk="1" latinLnBrk="0" hangingPunct="1">
-              <a:spcBef>
-                <a:spcPct val="20000"/>
-              </a:spcBef>
-              <a:spcAft>
-                <a:spcPts val="600"/>
-              </a:spcAft>
-              <a:buClr>
-                <a:schemeClr val="accent1">
-                  <a:lumMod val="75000"/>
-                </a:schemeClr>
-              </a:buClr>
-              <a:buSzPct val="145000"/>
-              <a:buFont typeface="Arial"/>
-              <a:buNone/>
-              <a:defRPr sz="1400" kern="1200" cap="none">
-                <a:solidFill>
-                  <a:schemeClr val="tx1">
-                    <a:tint val="75000"/>
-                  </a:schemeClr>
-                </a:solidFill>
-                <a:effectLst/>
-                <a:latin typeface="+mn-lt"/>
-                <a:ea typeface="+mn-ea"/>
-                <a:cs typeface="+mn-cs"/>
-              </a:defRPr>
-            </a:lvl8pPr>
-            <a:lvl9pPr marL="3657600" indent="0" algn="ctr" defTabSz="457200" rtl="0" eaLnBrk="1" latinLnBrk="0" hangingPunct="1">
-              <a:spcBef>
-                <a:spcPct val="20000"/>
-              </a:spcBef>
-              <a:spcAft>
-                <a:spcPts val="600"/>
-              </a:spcAft>
-              <a:buClr>
-                <a:schemeClr val="accent1">
-                  <a:lumMod val="75000"/>
-                </a:schemeClr>
-              </a:buClr>
-              <a:buSzPct val="145000"/>
-              <a:buFont typeface="Arial"/>
-              <a:buNone/>
-              <a:defRPr sz="1400" kern="1200" cap="none">
-                <a:solidFill>
-                  <a:schemeClr val="tx1">
-                    <a:tint val="75000"/>
-                  </a:schemeClr>
-                </a:solidFill>
-                <a:effectLst/>
-                <a:latin typeface="+mn-lt"/>
-                <a:ea typeface="+mn-ea"/>
-                <a:cs typeface="+mn-cs"/>
-              </a:defRPr>
-            </a:lvl9pPr>
-          </a:lstStyle>
-          <a:p>
-            <a:pPr algn="l"/>
-            <a:r>
-              <a:rPr lang="zh-CN" altLang="en-US" sz="3200" dirty="0">
-                <a:solidFill>
-                  <a:schemeClr val="bg1"/>
-                </a:solidFill>
-                <a:latin typeface="+mn-ea"/>
-                <a:cs typeface="+mn-ea"/>
-                <a:sym typeface="Arial" panose="020B0604020202020204" pitchFamily="34" charset="0"/>
-              </a:rPr>
-              <a:t>界面设计（</a:t>
-            </a:r>
-            <a:r>
-              <a:rPr lang="en-US" altLang="zh-CN" sz="3200" dirty="0">
-                <a:solidFill>
-                  <a:schemeClr val="bg1"/>
-                </a:solidFill>
-                <a:latin typeface="+mn-ea"/>
-                <a:cs typeface="+mn-ea"/>
-                <a:sym typeface="Arial" panose="020B0604020202020204" pitchFamily="34" charset="0"/>
-              </a:rPr>
-              <a:t>1</a:t>
-            </a:r>
-            <a:r>
-              <a:rPr lang="zh-CN" altLang="en-US" sz="3200" dirty="0">
-                <a:solidFill>
-                  <a:schemeClr val="bg1"/>
-                </a:solidFill>
-                <a:latin typeface="+mn-ea"/>
-                <a:cs typeface="+mn-ea"/>
-                <a:sym typeface="Arial" panose="020B0604020202020204" pitchFamily="34" charset="0"/>
-              </a:rPr>
-              <a:t>）</a:t>
-            </a:r>
-            <a:endParaRPr lang="en-US" sz="3200" dirty="0">
-              <a:solidFill>
-                <a:schemeClr val="bg1"/>
-              </a:solidFill>
-              <a:latin typeface="+mn-ea"/>
-              <a:cs typeface="+mn-ea"/>
-              <a:sym typeface="Arial" panose="020B0604020202020204" pitchFamily="34" charset="0"/>
-            </a:endParaRPr>
-          </a:p>
-        </p:txBody>
-      </p:sp>
-      <p:sp>
-        <p:nvSpPr>
-          <p:cNvPr id="11" name="文本框 10">
-            <a:extLst>
-              <a:ext uri="{FF2B5EF4-FFF2-40B4-BE49-F238E27FC236}">
-                <a16:creationId xmlns:a16="http://schemas.microsoft.com/office/drawing/2014/main" id="{8A155DBB-8C31-4C91-AB69-550BAF33DAA5}"/>
-              </a:ext>
-            </a:extLst>
-          </p:cNvPr>
-          <p:cNvSpPr txBox="1"/>
-          <p:nvPr/>
-        </p:nvSpPr>
-        <p:spPr>
-          <a:xfrm>
-            <a:off x="4557167" y="6302107"/>
-            <a:ext cx="1709524" cy="338554"/>
-          </a:xfrm>
-          <a:prstGeom prst="rect">
-            <a:avLst/>
-          </a:prstGeom>
-          <a:noFill/>
-        </p:spPr>
-        <p:txBody>
-          <a:bodyPr wrap="square" rtlCol="0">
-            <a:spAutoFit/>
-          </a:bodyPr>
-          <a:lstStyle/>
-          <a:p>
-            <a:r>
-              <a:rPr lang="zh-CN" altLang="en-US" sz="1600" dirty="0">
-                <a:solidFill>
-                  <a:schemeClr val="bg1"/>
-                </a:solidFill>
-              </a:rPr>
-              <a:t>管理员主界面</a:t>
-            </a:r>
-          </a:p>
-        </p:txBody>
-      </p:sp>
-      <p:sp>
-        <p:nvSpPr>
-          <p:cNvPr id="15" name="文本框 14">
-            <a:extLst>
-              <a:ext uri="{FF2B5EF4-FFF2-40B4-BE49-F238E27FC236}">
-                <a16:creationId xmlns:a16="http://schemas.microsoft.com/office/drawing/2014/main" id="{8F586243-1AE7-4C52-B943-67E8DCDD9B8D}"/>
-              </a:ext>
-            </a:extLst>
-          </p:cNvPr>
-          <p:cNvSpPr txBox="1"/>
-          <p:nvPr/>
-        </p:nvSpPr>
-        <p:spPr>
-          <a:xfrm>
-            <a:off x="7221463" y="6302107"/>
-            <a:ext cx="2088232" cy="338554"/>
-          </a:xfrm>
-          <a:prstGeom prst="rect">
-            <a:avLst/>
-          </a:prstGeom>
-          <a:noFill/>
-        </p:spPr>
-        <p:txBody>
-          <a:bodyPr wrap="square" rtlCol="0">
-            <a:spAutoFit/>
-          </a:bodyPr>
-          <a:lstStyle/>
-          <a:p>
-            <a:r>
-              <a:rPr lang="zh-CN" altLang="en-US" sz="1600" dirty="0">
-                <a:solidFill>
-                  <a:schemeClr val="bg1"/>
-                </a:solidFill>
-              </a:rPr>
-              <a:t>管理员添加用户界面</a:t>
-            </a:r>
-          </a:p>
-        </p:txBody>
-      </p:sp>
-      <p:sp>
-        <p:nvSpPr>
-          <p:cNvPr id="19" name="文本框 18">
-            <a:extLst>
-              <a:ext uri="{FF2B5EF4-FFF2-40B4-BE49-F238E27FC236}">
-                <a16:creationId xmlns:a16="http://schemas.microsoft.com/office/drawing/2014/main" id="{F90160AD-61C3-4701-B2C6-00FADFEFFFF4}"/>
-              </a:ext>
-            </a:extLst>
-          </p:cNvPr>
-          <p:cNvSpPr txBox="1"/>
-          <p:nvPr/>
-        </p:nvSpPr>
-        <p:spPr>
-          <a:xfrm>
-            <a:off x="10173791" y="6302107"/>
-            <a:ext cx="2088232" cy="338554"/>
-          </a:xfrm>
-          <a:prstGeom prst="rect">
-            <a:avLst/>
-          </a:prstGeom>
-          <a:noFill/>
-        </p:spPr>
-        <p:txBody>
-          <a:bodyPr wrap="square" rtlCol="0">
-            <a:spAutoFit/>
-          </a:bodyPr>
-          <a:lstStyle/>
-          <a:p>
-            <a:r>
-              <a:rPr lang="zh-CN" altLang="en-US" sz="1600" dirty="0">
-                <a:solidFill>
-                  <a:schemeClr val="bg1"/>
-                </a:solidFill>
-              </a:rPr>
-              <a:t>管理员查看用户界面</a:t>
-            </a:r>
-          </a:p>
-        </p:txBody>
-      </p:sp>
-      <p:pic>
-        <p:nvPicPr>
-          <p:cNvPr id="6" name="图片 5">
-            <a:extLst>
-              <a:ext uri="{FF2B5EF4-FFF2-40B4-BE49-F238E27FC236}">
-                <a16:creationId xmlns:a16="http://schemas.microsoft.com/office/drawing/2014/main" id="{D434BC2D-A870-4F65-A389-5C1A3ACB8BAC}"/>
+                <a16:creationId xmlns:a16="http://schemas.microsoft.com/office/drawing/2014/main" id="{CB417D51-C247-4C43-B8BA-60D9203A8AC0}"/>
               </a:ext>
             </a:extLst>
           </p:cNvPr>
@@ -9113,21 +9984,15 @@
           <p:nvPr/>
         </p:nvPicPr>
         <p:blipFill>
-          <a:blip r:embed="rId2" cstate="print">
-            <a:extLst>
-              <a:ext uri="{28A0092B-C50C-407E-A947-70E740481C1C}">
-                <a14:useLocalDpi xmlns:a14="http://schemas.microsoft.com/office/drawing/2010/main" val="0"/>
-              </a:ext>
-            </a:extLst>
-          </a:blip>
+          <a:blip r:embed="rId2"/>
           <a:stretch>
             <a:fillRect/>
           </a:stretch>
         </p:blipFill>
         <p:spPr>
           <a:xfrm>
-            <a:off x="3909095" y="511040"/>
-            <a:ext cx="2619701" cy="5669691"/>
+            <a:off x="825905" y="1514861"/>
+            <a:ext cx="4235317" cy="4461080"/>
           </a:xfrm>
           <a:prstGeom prst="rect">
             <a:avLst/>
@@ -9139,7 +10004,7 @@
           <p:cNvPr id="12" name="图片 11">
             <a:extLst>
               <a:ext uri="{FF2B5EF4-FFF2-40B4-BE49-F238E27FC236}">
-                <a16:creationId xmlns:a16="http://schemas.microsoft.com/office/drawing/2014/main" id="{09FE6B1C-CA70-48F0-8556-7D940A5E23AE}"/>
+                <a16:creationId xmlns:a16="http://schemas.microsoft.com/office/drawing/2014/main" id="{21916FDD-90F3-4F4E-A58E-F55D05023855}"/>
               </a:ext>
             </a:extLst>
           </p:cNvPr>
@@ -9149,57 +10014,15 @@
           <p:nvPr/>
         </p:nvPicPr>
         <p:blipFill>
-          <a:blip r:embed="rId3" cstate="print">
-            <a:extLst>
-              <a:ext uri="{28A0092B-C50C-407E-A947-70E740481C1C}">
-                <a14:useLocalDpi xmlns:a14="http://schemas.microsoft.com/office/drawing/2010/main" val="0"/>
-              </a:ext>
-            </a:extLst>
-          </a:blip>
+          <a:blip r:embed="rId3"/>
           <a:stretch>
             <a:fillRect/>
           </a:stretch>
         </p:blipFill>
         <p:spPr>
           <a:xfrm>
-            <a:off x="6882741" y="525544"/>
-            <a:ext cx="2619702" cy="5669693"/>
-          </a:xfrm>
-          <a:prstGeom prst="rect">
-            <a:avLst/>
-          </a:prstGeom>
-        </p:spPr>
-      </p:pic>
-      <p:pic>
-        <p:nvPicPr>
-          <p:cNvPr id="16" name="图片 15">
-            <a:extLst>
-              <a:ext uri="{FF2B5EF4-FFF2-40B4-BE49-F238E27FC236}">
-                <a16:creationId xmlns:a16="http://schemas.microsoft.com/office/drawing/2014/main" id="{79B229B0-D6CF-4853-903A-93596D5D164C}"/>
-              </a:ext>
-            </a:extLst>
-          </p:cNvPr>
-          <p:cNvPicPr>
-            <a:picLocks noChangeAspect="1"/>
-          </p:cNvPicPr>
-          <p:nvPr/>
-        </p:nvPicPr>
-        <p:blipFill>
-          <a:blip r:embed="rId4" cstate="print">
-            <a:extLst>
-              <a:ext uri="{28A0092B-C50C-407E-A947-70E740481C1C}">
-                <a14:useLocalDpi xmlns:a14="http://schemas.microsoft.com/office/drawing/2010/main" val="0"/>
-              </a:ext>
-            </a:extLst>
-          </a:blip>
-          <a:stretch>
-            <a:fillRect/>
-          </a:stretch>
-        </p:blipFill>
-        <p:spPr>
-          <a:xfrm>
-            <a:off x="9788662" y="525544"/>
-            <a:ext cx="2619702" cy="5669693"/>
+            <a:off x="6141343" y="1672109"/>
+            <a:ext cx="5739056" cy="4089188"/>
           </a:xfrm>
           <a:prstGeom prst="rect">
             <a:avLst/>
@@ -9209,7 +10032,7 @@
     </p:spTree>
     <p:extLst>
       <p:ext uri="{BB962C8B-B14F-4D97-AF65-F5344CB8AC3E}">
-        <p14:creationId xmlns:p14="http://schemas.microsoft.com/office/powerpoint/2010/main" val="810417850"/>
+        <p14:creationId xmlns:p14="http://schemas.microsoft.com/office/powerpoint/2010/main" val="3569168299"/>
       </p:ext>
     </p:extLst>
   </p:cSld>
@@ -9674,6 +10497,723 @@
                 <a:cs typeface="+mn-ea"/>
                 <a:sym typeface="Arial" panose="020B0604020202020204" pitchFamily="34" charset="0"/>
               </a:rPr>
+              <a:t>1</a:t>
+            </a:r>
+            <a:r>
+              <a:rPr lang="zh-CN" altLang="en-US" sz="3200" dirty="0">
+                <a:solidFill>
+                  <a:schemeClr val="bg1"/>
+                </a:solidFill>
+                <a:latin typeface="+mn-ea"/>
+                <a:cs typeface="+mn-ea"/>
+                <a:sym typeface="Arial" panose="020B0604020202020204" pitchFamily="34" charset="0"/>
+              </a:rPr>
+              <a:t>）</a:t>
+            </a:r>
+            <a:endParaRPr lang="en-US" sz="3200" dirty="0">
+              <a:solidFill>
+                <a:schemeClr val="bg1"/>
+              </a:solidFill>
+              <a:latin typeface="+mn-ea"/>
+              <a:cs typeface="+mn-ea"/>
+              <a:sym typeface="Arial" panose="020B0604020202020204" pitchFamily="34" charset="0"/>
+            </a:endParaRPr>
+          </a:p>
+        </p:txBody>
+      </p:sp>
+      <p:sp>
+        <p:nvSpPr>
+          <p:cNvPr id="11" name="文本框 10">
+            <a:extLst>
+              <a:ext uri="{FF2B5EF4-FFF2-40B4-BE49-F238E27FC236}">
+                <a16:creationId xmlns:a16="http://schemas.microsoft.com/office/drawing/2014/main" id="{8A155DBB-8C31-4C91-AB69-550BAF33DAA5}"/>
+              </a:ext>
+            </a:extLst>
+          </p:cNvPr>
+          <p:cNvSpPr txBox="1"/>
+          <p:nvPr/>
+        </p:nvSpPr>
+        <p:spPr>
+          <a:xfrm>
+            <a:off x="4557167" y="6302107"/>
+            <a:ext cx="1709524" cy="338554"/>
+          </a:xfrm>
+          <a:prstGeom prst="rect">
+            <a:avLst/>
+          </a:prstGeom>
+          <a:noFill/>
+        </p:spPr>
+        <p:txBody>
+          <a:bodyPr wrap="square" rtlCol="0">
+            <a:spAutoFit/>
+          </a:bodyPr>
+          <a:lstStyle/>
+          <a:p>
+            <a:r>
+              <a:rPr lang="zh-CN" altLang="en-US" sz="1600" dirty="0">
+                <a:solidFill>
+                  <a:schemeClr val="bg1"/>
+                </a:solidFill>
+              </a:rPr>
+              <a:t>管理员主界面</a:t>
+            </a:r>
+          </a:p>
+        </p:txBody>
+      </p:sp>
+      <p:sp>
+        <p:nvSpPr>
+          <p:cNvPr id="15" name="文本框 14">
+            <a:extLst>
+              <a:ext uri="{FF2B5EF4-FFF2-40B4-BE49-F238E27FC236}">
+                <a16:creationId xmlns:a16="http://schemas.microsoft.com/office/drawing/2014/main" id="{8F586243-1AE7-4C52-B943-67E8DCDD9B8D}"/>
+              </a:ext>
+            </a:extLst>
+          </p:cNvPr>
+          <p:cNvSpPr txBox="1"/>
+          <p:nvPr/>
+        </p:nvSpPr>
+        <p:spPr>
+          <a:xfrm>
+            <a:off x="7221463" y="6302107"/>
+            <a:ext cx="2088232" cy="338554"/>
+          </a:xfrm>
+          <a:prstGeom prst="rect">
+            <a:avLst/>
+          </a:prstGeom>
+          <a:noFill/>
+        </p:spPr>
+        <p:txBody>
+          <a:bodyPr wrap="square" rtlCol="0">
+            <a:spAutoFit/>
+          </a:bodyPr>
+          <a:lstStyle/>
+          <a:p>
+            <a:r>
+              <a:rPr lang="zh-CN" altLang="en-US" sz="1600" dirty="0">
+                <a:solidFill>
+                  <a:schemeClr val="bg1"/>
+                </a:solidFill>
+              </a:rPr>
+              <a:t>管理员添加用户界面</a:t>
+            </a:r>
+          </a:p>
+        </p:txBody>
+      </p:sp>
+      <p:sp>
+        <p:nvSpPr>
+          <p:cNvPr id="19" name="文本框 18">
+            <a:extLst>
+              <a:ext uri="{FF2B5EF4-FFF2-40B4-BE49-F238E27FC236}">
+                <a16:creationId xmlns:a16="http://schemas.microsoft.com/office/drawing/2014/main" id="{F90160AD-61C3-4701-B2C6-00FADFEFFFF4}"/>
+              </a:ext>
+            </a:extLst>
+          </p:cNvPr>
+          <p:cNvSpPr txBox="1"/>
+          <p:nvPr/>
+        </p:nvSpPr>
+        <p:spPr>
+          <a:xfrm>
+            <a:off x="10173791" y="6302107"/>
+            <a:ext cx="2088232" cy="338554"/>
+          </a:xfrm>
+          <a:prstGeom prst="rect">
+            <a:avLst/>
+          </a:prstGeom>
+          <a:noFill/>
+        </p:spPr>
+        <p:txBody>
+          <a:bodyPr wrap="square" rtlCol="0">
+            <a:spAutoFit/>
+          </a:bodyPr>
+          <a:lstStyle/>
+          <a:p>
+            <a:r>
+              <a:rPr lang="zh-CN" altLang="en-US" sz="1600" dirty="0">
+                <a:solidFill>
+                  <a:schemeClr val="bg1"/>
+                </a:solidFill>
+              </a:rPr>
+              <a:t>管理员查看用户界面</a:t>
+            </a:r>
+          </a:p>
+        </p:txBody>
+      </p:sp>
+      <p:pic>
+        <p:nvPicPr>
+          <p:cNvPr id="6" name="图片 5">
+            <a:extLst>
+              <a:ext uri="{FF2B5EF4-FFF2-40B4-BE49-F238E27FC236}">
+                <a16:creationId xmlns:a16="http://schemas.microsoft.com/office/drawing/2014/main" id="{D434BC2D-A870-4F65-A389-5C1A3ACB8BAC}"/>
+              </a:ext>
+            </a:extLst>
+          </p:cNvPr>
+          <p:cNvPicPr>
+            <a:picLocks noChangeAspect="1"/>
+          </p:cNvPicPr>
+          <p:nvPr/>
+        </p:nvPicPr>
+        <p:blipFill>
+          <a:blip r:embed="rId2" cstate="print">
+            <a:extLst>
+              <a:ext uri="{28A0092B-C50C-407E-A947-70E740481C1C}">
+                <a14:useLocalDpi xmlns:a14="http://schemas.microsoft.com/office/drawing/2010/main" val="0"/>
+              </a:ext>
+            </a:extLst>
+          </a:blip>
+          <a:stretch>
+            <a:fillRect/>
+          </a:stretch>
+        </p:blipFill>
+        <p:spPr>
+          <a:xfrm>
+            <a:off x="3909095" y="511040"/>
+            <a:ext cx="2619701" cy="5669691"/>
+          </a:xfrm>
+          <a:prstGeom prst="rect">
+            <a:avLst/>
+          </a:prstGeom>
+        </p:spPr>
+      </p:pic>
+      <p:pic>
+        <p:nvPicPr>
+          <p:cNvPr id="12" name="图片 11">
+            <a:extLst>
+              <a:ext uri="{FF2B5EF4-FFF2-40B4-BE49-F238E27FC236}">
+                <a16:creationId xmlns:a16="http://schemas.microsoft.com/office/drawing/2014/main" id="{09FE6B1C-CA70-48F0-8556-7D940A5E23AE}"/>
+              </a:ext>
+            </a:extLst>
+          </p:cNvPr>
+          <p:cNvPicPr>
+            <a:picLocks noChangeAspect="1"/>
+          </p:cNvPicPr>
+          <p:nvPr/>
+        </p:nvPicPr>
+        <p:blipFill>
+          <a:blip r:embed="rId3" cstate="print">
+            <a:extLst>
+              <a:ext uri="{28A0092B-C50C-407E-A947-70E740481C1C}">
+                <a14:useLocalDpi xmlns:a14="http://schemas.microsoft.com/office/drawing/2010/main" val="0"/>
+              </a:ext>
+            </a:extLst>
+          </a:blip>
+          <a:stretch>
+            <a:fillRect/>
+          </a:stretch>
+        </p:blipFill>
+        <p:spPr>
+          <a:xfrm>
+            <a:off x="6882741" y="525544"/>
+            <a:ext cx="2619702" cy="5669693"/>
+          </a:xfrm>
+          <a:prstGeom prst="rect">
+            <a:avLst/>
+          </a:prstGeom>
+        </p:spPr>
+      </p:pic>
+      <p:pic>
+        <p:nvPicPr>
+          <p:cNvPr id="16" name="图片 15">
+            <a:extLst>
+              <a:ext uri="{FF2B5EF4-FFF2-40B4-BE49-F238E27FC236}">
+                <a16:creationId xmlns:a16="http://schemas.microsoft.com/office/drawing/2014/main" id="{79B229B0-D6CF-4853-903A-93596D5D164C}"/>
+              </a:ext>
+            </a:extLst>
+          </p:cNvPr>
+          <p:cNvPicPr>
+            <a:picLocks noChangeAspect="1"/>
+          </p:cNvPicPr>
+          <p:nvPr/>
+        </p:nvPicPr>
+        <p:blipFill>
+          <a:blip r:embed="rId4" cstate="print">
+            <a:extLst>
+              <a:ext uri="{28A0092B-C50C-407E-A947-70E740481C1C}">
+                <a14:useLocalDpi xmlns:a14="http://schemas.microsoft.com/office/drawing/2010/main" val="0"/>
+              </a:ext>
+            </a:extLst>
+          </a:blip>
+          <a:stretch>
+            <a:fillRect/>
+          </a:stretch>
+        </p:blipFill>
+        <p:spPr>
+          <a:xfrm>
+            <a:off x="9788662" y="525544"/>
+            <a:ext cx="2619702" cy="5669693"/>
+          </a:xfrm>
+          <a:prstGeom prst="rect">
+            <a:avLst/>
+          </a:prstGeom>
+        </p:spPr>
+      </p:pic>
+    </p:spTree>
+    <p:extLst>
+      <p:ext uri="{BB962C8B-B14F-4D97-AF65-F5344CB8AC3E}">
+        <p14:creationId xmlns:p14="http://schemas.microsoft.com/office/powerpoint/2010/main" val="810417850"/>
+      </p:ext>
+    </p:extLst>
+  </p:cSld>
+  <p:clrMapOvr>
+    <a:masterClrMapping/>
+  </p:clrMapOvr>
+</p:sld>
+</file>
+
+<file path=ppt/slides/slide19.xml><?xml version="1.0" encoding="utf-8"?>
+<p:sld xmlns:a="http://schemas.openxmlformats.org/drawingml/2006/main" xmlns:r="http://schemas.openxmlformats.org/officeDocument/2006/relationships" xmlns:p="http://schemas.openxmlformats.org/presentationml/2006/main">
+  <p:cSld>
+    <p:bg>
+      <p:bgPr>
+        <a:solidFill>
+          <a:schemeClr val="tx1"/>
+        </a:solidFill>
+        <a:effectLst/>
+      </p:bgPr>
+    </p:bg>
+    <p:spTree>
+      <p:nvGrpSpPr>
+        <p:cNvPr id="1" name=""/>
+        <p:cNvGrpSpPr/>
+        <p:nvPr/>
+      </p:nvGrpSpPr>
+      <p:grpSpPr>
+        <a:xfrm>
+          <a:off x="0" y="0"/>
+          <a:ext cx="0" cy="0"/>
+          <a:chOff x="0" y="0"/>
+          <a:chExt cx="0" cy="0"/>
+        </a:xfrm>
+      </p:grpSpPr>
+      <p:sp>
+        <p:nvSpPr>
+          <p:cNvPr id="5" name="椭圆 4">
+            <a:extLst>
+              <a:ext uri="{FF2B5EF4-FFF2-40B4-BE49-F238E27FC236}">
+                <a16:creationId xmlns:a16="http://schemas.microsoft.com/office/drawing/2014/main" id="{F1E17BAF-219F-45C1-AE09-47D140557B75}"/>
+              </a:ext>
+            </a:extLst>
+          </p:cNvPr>
+          <p:cNvSpPr/>
+          <p:nvPr/>
+        </p:nvSpPr>
+        <p:spPr>
+          <a:xfrm>
+            <a:off x="532958" y="327049"/>
+            <a:ext cx="367982" cy="367982"/>
+          </a:xfrm>
+          <a:prstGeom prst="ellipse">
+            <a:avLst/>
+          </a:prstGeom>
+          <a:solidFill>
+            <a:schemeClr val="bg1"/>
+          </a:solidFill>
+          <a:ln>
+            <a:noFill/>
+          </a:ln>
+          <a:effectLst>
+            <a:outerShdw blurRad="127000" dist="76200" dir="2700000" algn="tl" rotWithShape="0">
+              <a:prstClr val="black">
+                <a:alpha val="40000"/>
+              </a:prstClr>
+            </a:outerShdw>
+          </a:effectLst>
+        </p:spPr>
+        <p:style>
+          <a:lnRef idx="2">
+            <a:schemeClr val="accent1">
+              <a:shade val="50000"/>
+            </a:schemeClr>
+          </a:lnRef>
+          <a:fillRef idx="1">
+            <a:schemeClr val="accent1"/>
+          </a:fillRef>
+          <a:effectRef idx="0">
+            <a:schemeClr val="accent1"/>
+          </a:effectRef>
+          <a:fontRef idx="minor">
+            <a:schemeClr val="lt1"/>
+          </a:fontRef>
+        </p:style>
+        <p:txBody>
+          <a:bodyPr rtlCol="0" anchor="ctr"/>
+          <a:lstStyle/>
+          <a:p>
+            <a:pPr algn="ctr"/>
+            <a:endParaRPr lang="zh-CN" altLang="en-US">
+              <a:solidFill>
+                <a:schemeClr val="accent2">
+                  <a:lumMod val="75000"/>
+                </a:schemeClr>
+              </a:solidFill>
+              <a:latin typeface="Arial" panose="020B0604020202020204" pitchFamily="34" charset="0"/>
+              <a:ea typeface="微软雅黑" panose="020B0503020204020204" pitchFamily="34" charset="-122"/>
+              <a:sym typeface="Arial" panose="020B0604020202020204" pitchFamily="34" charset="0"/>
+            </a:endParaRPr>
+          </a:p>
+        </p:txBody>
+      </p:sp>
+      <p:sp>
+        <p:nvSpPr>
+          <p:cNvPr id="7" name="椭圆 6">
+            <a:extLst>
+              <a:ext uri="{FF2B5EF4-FFF2-40B4-BE49-F238E27FC236}">
+                <a16:creationId xmlns:a16="http://schemas.microsoft.com/office/drawing/2014/main" id="{4966F4C6-FF98-46EB-9A27-78A113B51EF7}"/>
+              </a:ext>
+            </a:extLst>
+          </p:cNvPr>
+          <p:cNvSpPr/>
+          <p:nvPr/>
+        </p:nvSpPr>
+        <p:spPr>
+          <a:xfrm>
+            <a:off x="800016" y="327049"/>
+            <a:ext cx="201847" cy="201847"/>
+          </a:xfrm>
+          <a:prstGeom prst="ellipse">
+            <a:avLst/>
+          </a:prstGeom>
+          <a:solidFill>
+            <a:schemeClr val="bg1">
+              <a:lumMod val="95000"/>
+            </a:schemeClr>
+          </a:solidFill>
+          <a:ln>
+            <a:noFill/>
+          </a:ln>
+          <a:effectLst>
+            <a:outerShdw blurRad="127000" dist="76200" dir="2700000" algn="tl" rotWithShape="0">
+              <a:prstClr val="black">
+                <a:alpha val="40000"/>
+              </a:prstClr>
+            </a:outerShdw>
+          </a:effectLst>
+        </p:spPr>
+        <p:style>
+          <a:lnRef idx="2">
+            <a:schemeClr val="accent1">
+              <a:shade val="50000"/>
+            </a:schemeClr>
+          </a:lnRef>
+          <a:fillRef idx="1">
+            <a:schemeClr val="accent1"/>
+          </a:fillRef>
+          <a:effectRef idx="0">
+            <a:schemeClr val="accent1"/>
+          </a:effectRef>
+          <a:fontRef idx="minor">
+            <a:schemeClr val="lt1"/>
+          </a:fontRef>
+        </p:style>
+        <p:txBody>
+          <a:bodyPr rtlCol="0" anchor="ctr"/>
+          <a:lstStyle/>
+          <a:p>
+            <a:pPr algn="ctr"/>
+            <a:endParaRPr lang="zh-CN" altLang="en-US">
+              <a:solidFill>
+                <a:schemeClr val="accent2">
+                  <a:lumMod val="75000"/>
+                </a:schemeClr>
+              </a:solidFill>
+              <a:latin typeface="Arial" panose="020B0604020202020204" pitchFamily="34" charset="0"/>
+              <a:ea typeface="微软雅黑" panose="020B0503020204020204" pitchFamily="34" charset="-122"/>
+              <a:sym typeface="Arial" panose="020B0604020202020204" pitchFamily="34" charset="0"/>
+            </a:endParaRPr>
+          </a:p>
+        </p:txBody>
+      </p:sp>
+      <p:sp>
+        <p:nvSpPr>
+          <p:cNvPr id="9" name="Content Placeholder 2">
+            <a:extLst>
+              <a:ext uri="{FF2B5EF4-FFF2-40B4-BE49-F238E27FC236}">
+                <a16:creationId xmlns:a16="http://schemas.microsoft.com/office/drawing/2014/main" id="{0670751B-BF73-4E45-980D-EE450ED5704C}"/>
+              </a:ext>
+            </a:extLst>
+          </p:cNvPr>
+          <p:cNvSpPr txBox="1">
+            <a:spLocks/>
+          </p:cNvSpPr>
+          <p:nvPr/>
+        </p:nvSpPr>
+        <p:spPr>
+          <a:xfrm>
+            <a:off x="1095236" y="242438"/>
+            <a:ext cx="3067050" cy="367982"/>
+          </a:xfrm>
+          <a:prstGeom prst="rect">
+            <a:avLst/>
+          </a:prstGeom>
+        </p:spPr>
+        <p:txBody>
+          <a:bodyPr vert="horz" lIns="96435" tIns="48218" rIns="96435" bIns="48218" rtlCol="0" anchor="t">
+            <a:noAutofit/>
+          </a:bodyPr>
+          <a:lstStyle>
+            <a:lvl1pPr marL="0" indent="0" algn="r" defTabSz="457200" rtl="0" eaLnBrk="1" latinLnBrk="0" hangingPunct="1">
+              <a:spcBef>
+                <a:spcPct val="20000"/>
+              </a:spcBef>
+              <a:spcAft>
+                <a:spcPts val="600"/>
+              </a:spcAft>
+              <a:buClr>
+                <a:schemeClr val="accent1">
+                  <a:lumMod val="75000"/>
+                </a:schemeClr>
+              </a:buClr>
+              <a:buSzPct val="145000"/>
+              <a:buFont typeface="Arial"/>
+              <a:buNone/>
+              <a:defRPr sz="2100" kern="1200" cap="none">
+                <a:solidFill>
+                  <a:schemeClr val="tx1"/>
+                </a:solidFill>
+                <a:effectLst/>
+                <a:latin typeface="+mn-lt"/>
+                <a:ea typeface="+mn-ea"/>
+                <a:cs typeface="+mn-cs"/>
+              </a:defRPr>
+            </a:lvl1pPr>
+            <a:lvl2pPr marL="457200" indent="0" algn="ctr" defTabSz="457200" rtl="0" eaLnBrk="1" latinLnBrk="0" hangingPunct="1">
+              <a:spcBef>
+                <a:spcPct val="20000"/>
+              </a:spcBef>
+              <a:spcAft>
+                <a:spcPts val="600"/>
+              </a:spcAft>
+              <a:buClr>
+                <a:schemeClr val="accent1">
+                  <a:lumMod val="75000"/>
+                </a:schemeClr>
+              </a:buClr>
+              <a:buSzPct val="145000"/>
+              <a:buFont typeface="Arial"/>
+              <a:buNone/>
+              <a:defRPr sz="2000" kern="1200" cap="none">
+                <a:solidFill>
+                  <a:schemeClr val="tx1">
+                    <a:tint val="75000"/>
+                  </a:schemeClr>
+                </a:solidFill>
+                <a:effectLst/>
+                <a:latin typeface="+mn-lt"/>
+                <a:ea typeface="+mn-ea"/>
+                <a:cs typeface="+mn-cs"/>
+              </a:defRPr>
+            </a:lvl2pPr>
+            <a:lvl3pPr marL="914400" indent="0" algn="ctr" defTabSz="457200" rtl="0" eaLnBrk="1" latinLnBrk="0" hangingPunct="1">
+              <a:spcBef>
+                <a:spcPct val="20000"/>
+              </a:spcBef>
+              <a:spcAft>
+                <a:spcPts val="600"/>
+              </a:spcAft>
+              <a:buClr>
+                <a:schemeClr val="accent1">
+                  <a:lumMod val="75000"/>
+                </a:schemeClr>
+              </a:buClr>
+              <a:buSzPct val="145000"/>
+              <a:buFont typeface="Arial"/>
+              <a:buNone/>
+              <a:defRPr sz="1800" kern="1200" cap="none">
+                <a:solidFill>
+                  <a:schemeClr val="tx1">
+                    <a:tint val="75000"/>
+                  </a:schemeClr>
+                </a:solidFill>
+                <a:effectLst/>
+                <a:latin typeface="+mn-lt"/>
+                <a:ea typeface="+mn-ea"/>
+                <a:cs typeface="+mn-cs"/>
+              </a:defRPr>
+            </a:lvl3pPr>
+            <a:lvl4pPr marL="1371600" indent="0" algn="ctr" defTabSz="457200" rtl="0" eaLnBrk="1" latinLnBrk="0" hangingPunct="1">
+              <a:spcBef>
+                <a:spcPct val="20000"/>
+              </a:spcBef>
+              <a:spcAft>
+                <a:spcPts val="600"/>
+              </a:spcAft>
+              <a:buClr>
+                <a:schemeClr val="accent1">
+                  <a:lumMod val="75000"/>
+                </a:schemeClr>
+              </a:buClr>
+              <a:buSzPct val="145000"/>
+              <a:buFont typeface="Arial"/>
+              <a:buNone/>
+              <a:defRPr sz="1600" kern="1200" cap="none">
+                <a:solidFill>
+                  <a:schemeClr val="tx1">
+                    <a:tint val="75000"/>
+                  </a:schemeClr>
+                </a:solidFill>
+                <a:effectLst/>
+                <a:latin typeface="+mn-lt"/>
+                <a:ea typeface="+mn-ea"/>
+                <a:cs typeface="+mn-cs"/>
+              </a:defRPr>
+            </a:lvl4pPr>
+            <a:lvl5pPr marL="1828800" indent="0" algn="ctr" defTabSz="457200" rtl="0" eaLnBrk="1" latinLnBrk="0" hangingPunct="1">
+              <a:spcBef>
+                <a:spcPct val="20000"/>
+              </a:spcBef>
+              <a:spcAft>
+                <a:spcPts val="600"/>
+              </a:spcAft>
+              <a:buClr>
+                <a:schemeClr val="accent1">
+                  <a:lumMod val="75000"/>
+                </a:schemeClr>
+              </a:buClr>
+              <a:buSzPct val="145000"/>
+              <a:buFont typeface="Arial"/>
+              <a:buNone/>
+              <a:defRPr sz="1400" kern="1200" cap="none">
+                <a:solidFill>
+                  <a:schemeClr val="tx1">
+                    <a:tint val="75000"/>
+                  </a:schemeClr>
+                </a:solidFill>
+                <a:effectLst/>
+                <a:latin typeface="+mn-lt"/>
+                <a:ea typeface="+mn-ea"/>
+                <a:cs typeface="+mn-cs"/>
+              </a:defRPr>
+            </a:lvl5pPr>
+            <a:lvl6pPr marL="2286000" indent="0" algn="ctr" defTabSz="457200" rtl="0" eaLnBrk="1" latinLnBrk="0" hangingPunct="1">
+              <a:spcBef>
+                <a:spcPct val="20000"/>
+              </a:spcBef>
+              <a:spcAft>
+                <a:spcPts val="600"/>
+              </a:spcAft>
+              <a:buClr>
+                <a:schemeClr val="accent1">
+                  <a:lumMod val="75000"/>
+                </a:schemeClr>
+              </a:buClr>
+              <a:buSzPct val="145000"/>
+              <a:buFont typeface="Arial"/>
+              <a:buNone/>
+              <a:defRPr sz="1400" kern="1200" cap="none">
+                <a:solidFill>
+                  <a:schemeClr val="tx1">
+                    <a:tint val="75000"/>
+                  </a:schemeClr>
+                </a:solidFill>
+                <a:effectLst/>
+                <a:latin typeface="+mn-lt"/>
+                <a:ea typeface="+mn-ea"/>
+                <a:cs typeface="+mn-cs"/>
+              </a:defRPr>
+            </a:lvl6pPr>
+            <a:lvl7pPr marL="2743200" indent="0" algn="ctr" defTabSz="457200" rtl="0" eaLnBrk="1" latinLnBrk="0" hangingPunct="1">
+              <a:spcBef>
+                <a:spcPct val="20000"/>
+              </a:spcBef>
+              <a:spcAft>
+                <a:spcPts val="600"/>
+              </a:spcAft>
+              <a:buClr>
+                <a:schemeClr val="accent1">
+                  <a:lumMod val="75000"/>
+                </a:schemeClr>
+              </a:buClr>
+              <a:buSzPct val="145000"/>
+              <a:buFont typeface="Arial"/>
+              <a:buNone/>
+              <a:defRPr sz="1400" kern="1200" cap="none">
+                <a:solidFill>
+                  <a:schemeClr val="tx1">
+                    <a:tint val="75000"/>
+                  </a:schemeClr>
+                </a:solidFill>
+                <a:effectLst/>
+                <a:latin typeface="+mn-lt"/>
+                <a:ea typeface="+mn-ea"/>
+                <a:cs typeface="+mn-cs"/>
+              </a:defRPr>
+            </a:lvl7pPr>
+            <a:lvl8pPr marL="3200400" indent="0" algn="ctr" defTabSz="457200" rtl="0" eaLnBrk="1" latinLnBrk="0" hangingPunct="1">
+              <a:spcBef>
+                <a:spcPct val="20000"/>
+              </a:spcBef>
+              <a:spcAft>
+                <a:spcPts val="600"/>
+              </a:spcAft>
+              <a:buClr>
+                <a:schemeClr val="accent1">
+                  <a:lumMod val="75000"/>
+                </a:schemeClr>
+              </a:buClr>
+              <a:buSzPct val="145000"/>
+              <a:buFont typeface="Arial"/>
+              <a:buNone/>
+              <a:defRPr sz="1400" kern="1200" cap="none">
+                <a:solidFill>
+                  <a:schemeClr val="tx1">
+                    <a:tint val="75000"/>
+                  </a:schemeClr>
+                </a:solidFill>
+                <a:effectLst/>
+                <a:latin typeface="+mn-lt"/>
+                <a:ea typeface="+mn-ea"/>
+                <a:cs typeface="+mn-cs"/>
+              </a:defRPr>
+            </a:lvl8pPr>
+            <a:lvl9pPr marL="3657600" indent="0" algn="ctr" defTabSz="457200" rtl="0" eaLnBrk="1" latinLnBrk="0" hangingPunct="1">
+              <a:spcBef>
+                <a:spcPct val="20000"/>
+              </a:spcBef>
+              <a:spcAft>
+                <a:spcPts val="600"/>
+              </a:spcAft>
+              <a:buClr>
+                <a:schemeClr val="accent1">
+                  <a:lumMod val="75000"/>
+                </a:schemeClr>
+              </a:buClr>
+              <a:buSzPct val="145000"/>
+              <a:buFont typeface="Arial"/>
+              <a:buNone/>
+              <a:defRPr sz="1400" kern="1200" cap="none">
+                <a:solidFill>
+                  <a:schemeClr val="tx1">
+                    <a:tint val="75000"/>
+                  </a:schemeClr>
+                </a:solidFill>
+                <a:effectLst/>
+                <a:latin typeface="+mn-lt"/>
+                <a:ea typeface="+mn-ea"/>
+                <a:cs typeface="+mn-cs"/>
+              </a:defRPr>
+            </a:lvl9pPr>
+          </a:lstStyle>
+          <a:p>
+            <a:pPr algn="l"/>
+            <a:r>
+              <a:rPr lang="zh-CN" altLang="en-US" sz="3200" dirty="0">
+                <a:solidFill>
+                  <a:schemeClr val="bg1"/>
+                </a:solidFill>
+                <a:latin typeface="+mn-ea"/>
+                <a:cs typeface="+mn-ea"/>
+                <a:sym typeface="Arial" panose="020B0604020202020204" pitchFamily="34" charset="0"/>
+              </a:rPr>
+              <a:t>界面设计（</a:t>
+            </a:r>
+            <a:r>
+              <a:rPr lang="en-US" altLang="zh-CN" sz="3200" dirty="0">
+                <a:solidFill>
+                  <a:schemeClr val="bg1"/>
+                </a:solidFill>
+                <a:latin typeface="+mn-ea"/>
+                <a:cs typeface="+mn-ea"/>
+                <a:sym typeface="Arial" panose="020B0604020202020204" pitchFamily="34" charset="0"/>
+              </a:rPr>
               <a:t>2</a:t>
             </a:r>
             <a:r>
@@ -9936,7 +11476,1162 @@
 </p:sld>
 </file>
 
-<file path=ppt/slides/slide19.xml><?xml version="1.0" encoding="utf-8"?>
+<file path=ppt/slides/slide2.xml><?xml version="1.0" encoding="utf-8"?>
+<p:sld xmlns:a="http://schemas.openxmlformats.org/drawingml/2006/main" xmlns:r="http://schemas.openxmlformats.org/officeDocument/2006/relationships" xmlns:p="http://schemas.openxmlformats.org/presentationml/2006/main">
+  <p:cSld>
+    <p:spTree>
+      <p:nvGrpSpPr>
+        <p:cNvPr id="1" name=""/>
+        <p:cNvGrpSpPr/>
+        <p:nvPr/>
+      </p:nvGrpSpPr>
+      <p:grpSpPr>
+        <a:xfrm>
+          <a:off x="0" y="0"/>
+          <a:ext cx="0" cy="0"/>
+          <a:chOff x="0" y="0"/>
+          <a:chExt cx="0" cy="0"/>
+        </a:xfrm>
+      </p:grpSpPr>
+      <p:sp>
+        <p:nvSpPr>
+          <p:cNvPr id="3" name="矩形 2"/>
+          <p:cNvSpPr/>
+          <p:nvPr/>
+        </p:nvSpPr>
+        <p:spPr>
+          <a:xfrm>
+            <a:off x="0" y="0"/>
+            <a:ext cx="12855576" cy="7230864"/>
+          </a:xfrm>
+          <a:prstGeom prst="rect">
+            <a:avLst/>
+          </a:prstGeom>
+          <a:solidFill>
+            <a:schemeClr val="accent1"/>
+          </a:solidFill>
+          <a:ln>
+            <a:noFill/>
+          </a:ln>
+        </p:spPr>
+        <p:style>
+          <a:lnRef idx="2">
+            <a:schemeClr val="accent1">
+              <a:shade val="50000"/>
+            </a:schemeClr>
+          </a:lnRef>
+          <a:fillRef idx="1">
+            <a:schemeClr val="accent1"/>
+          </a:fillRef>
+          <a:effectRef idx="0">
+            <a:schemeClr val="accent1"/>
+          </a:effectRef>
+          <a:fontRef idx="minor">
+            <a:schemeClr val="lt1"/>
+          </a:fontRef>
+        </p:style>
+        <p:txBody>
+          <a:bodyPr rtlCol="0" anchor="ctr"/>
+          <a:lstStyle/>
+          <a:p>
+            <a:pPr algn="ctr"/>
+            <a:endParaRPr lang="zh-CN" altLang="en-US">
+              <a:ea typeface="微软雅黑" panose="020B0503020204020204" pitchFamily="34" charset="-122"/>
+            </a:endParaRPr>
+          </a:p>
+        </p:txBody>
+      </p:sp>
+      <p:sp>
+        <p:nvSpPr>
+          <p:cNvPr id="2" name="矩形 1"/>
+          <p:cNvSpPr/>
+          <p:nvPr/>
+        </p:nvSpPr>
+        <p:spPr>
+          <a:xfrm>
+            <a:off x="909689" y="895"/>
+            <a:ext cx="3243774" cy="7230863"/>
+          </a:xfrm>
+          <a:prstGeom prst="rect">
+            <a:avLst/>
+          </a:prstGeom>
+          <a:solidFill>
+            <a:schemeClr val="accent6"/>
+          </a:solidFill>
+          <a:ln>
+            <a:noFill/>
+          </a:ln>
+        </p:spPr>
+        <p:style>
+          <a:lnRef idx="2">
+            <a:schemeClr val="accent1">
+              <a:shade val="50000"/>
+            </a:schemeClr>
+          </a:lnRef>
+          <a:fillRef idx="1">
+            <a:schemeClr val="accent1"/>
+          </a:fillRef>
+          <a:effectRef idx="0">
+            <a:schemeClr val="accent1"/>
+          </a:effectRef>
+          <a:fontRef idx="minor">
+            <a:schemeClr val="lt1"/>
+          </a:fontRef>
+        </p:style>
+        <p:txBody>
+          <a:bodyPr rtlCol="0" anchor="ctr"/>
+          <a:lstStyle/>
+          <a:p>
+            <a:pPr algn="ctr"/>
+            <a:endParaRPr lang="zh-CN" altLang="en-US">
+              <a:ea typeface="微软雅黑" panose="020B0503020204020204" pitchFamily="34" charset="-122"/>
+            </a:endParaRPr>
+          </a:p>
+        </p:txBody>
+      </p:sp>
+      <p:sp>
+        <p:nvSpPr>
+          <p:cNvPr id="52" name="矩形 51"/>
+          <p:cNvSpPr/>
+          <p:nvPr/>
+        </p:nvSpPr>
+        <p:spPr>
+          <a:xfrm>
+            <a:off x="7633407" y="963955"/>
+            <a:ext cx="902811" cy="564898"/>
+          </a:xfrm>
+          <a:prstGeom prst="rect">
+            <a:avLst/>
+          </a:prstGeom>
+          <a:effectLst/>
+        </p:spPr>
+        <p:txBody>
+          <a:bodyPr wrap="none">
+            <a:spAutoFit/>
+          </a:bodyPr>
+          <a:lstStyle/>
+          <a:p>
+            <a:pPr>
+              <a:lnSpc>
+                <a:spcPct val="120000"/>
+              </a:lnSpc>
+            </a:pPr>
+            <a:r>
+              <a:rPr lang="zh-CN" altLang="en-US" sz="2800" dirty="0">
+                <a:solidFill>
+                  <a:schemeClr val="bg1"/>
+                </a:solidFill>
+                <a:latin typeface="Arial" panose="020B0604020202020204" pitchFamily="34" charset="0"/>
+                <a:ea typeface="微软雅黑" panose="020B0503020204020204" pitchFamily="34" charset="-122"/>
+                <a:cs typeface="+mn-ea"/>
+                <a:sym typeface="Arial" panose="020B0604020202020204" pitchFamily="34" charset="0"/>
+              </a:rPr>
+              <a:t>引言</a:t>
+            </a:r>
+            <a:endParaRPr lang="en-US" altLang="zh-CN" sz="2800" dirty="0">
+              <a:solidFill>
+                <a:schemeClr val="bg1"/>
+              </a:solidFill>
+              <a:latin typeface="Arial" panose="020B0604020202020204" pitchFamily="34" charset="0"/>
+              <a:ea typeface="微软雅黑" panose="020B0503020204020204" pitchFamily="34" charset="-122"/>
+              <a:cs typeface="+mn-ea"/>
+              <a:sym typeface="Arial" panose="020B0604020202020204" pitchFamily="34" charset="0"/>
+            </a:endParaRPr>
+          </a:p>
+        </p:txBody>
+      </p:sp>
+      <p:sp>
+        <p:nvSpPr>
+          <p:cNvPr id="56" name="圆角矩形 55"/>
+          <p:cNvSpPr/>
+          <p:nvPr/>
+        </p:nvSpPr>
+        <p:spPr bwMode="auto">
+          <a:xfrm>
+            <a:off x="6268090" y="952029"/>
+            <a:ext cx="714104" cy="588750"/>
+          </a:xfrm>
+          <a:prstGeom prst="roundRect">
+            <a:avLst/>
+          </a:prstGeom>
+          <a:solidFill>
+            <a:schemeClr val="accent2"/>
+          </a:solidFill>
+          <a:ln w="38100">
+            <a:noFill/>
+          </a:ln>
+          <a:effectLst>
+            <a:outerShdw blurRad="203200" dist="88900" dir="8100000" sx="102000" sy="102000" algn="tr" rotWithShape="0">
+              <a:prstClr val="black">
+                <a:alpha val="30000"/>
+              </a:prstClr>
+            </a:outerShdw>
+          </a:effectLst>
+        </p:spPr>
+        <p:style>
+          <a:lnRef idx="2">
+            <a:schemeClr val="accent1">
+              <a:shade val="50000"/>
+            </a:schemeClr>
+          </a:lnRef>
+          <a:fillRef idx="1">
+            <a:schemeClr val="accent1"/>
+          </a:fillRef>
+          <a:effectRef idx="0">
+            <a:schemeClr val="accent1"/>
+          </a:effectRef>
+          <a:fontRef idx="minor">
+            <a:schemeClr val="lt1"/>
+          </a:fontRef>
+        </p:style>
+        <p:txBody>
+          <a:bodyPr anchor="ctr"/>
+          <a:lstStyle/>
+          <a:p>
+            <a:pPr algn="ctr" fontAlgn="auto">
+              <a:spcBef>
+                <a:spcPts val="0"/>
+              </a:spcBef>
+              <a:spcAft>
+                <a:spcPts val="0"/>
+              </a:spcAft>
+              <a:defRPr/>
+            </a:pPr>
+            <a:r>
+              <a:rPr lang="en-US" altLang="zh-CN" sz="2800" dirty="0">
+                <a:latin typeface="Impact" panose="020B0806030902050204" pitchFamily="34" charset="0"/>
+                <a:ea typeface="微软雅黑" panose="020B0503020204020204" pitchFamily="34" charset="-122"/>
+                <a:cs typeface="+mn-ea"/>
+                <a:sym typeface="+mn-lt"/>
+              </a:rPr>
+              <a:t>1</a:t>
+            </a:r>
+            <a:endParaRPr lang="zh-CN" altLang="en-US" sz="2800" dirty="0">
+              <a:latin typeface="Impact" panose="020B0806030902050204" pitchFamily="34" charset="0"/>
+              <a:ea typeface="微软雅黑" panose="020B0503020204020204" pitchFamily="34" charset="-122"/>
+              <a:cs typeface="+mn-ea"/>
+              <a:sym typeface="+mn-lt"/>
+            </a:endParaRPr>
+          </a:p>
+        </p:txBody>
+      </p:sp>
+      <p:sp>
+        <p:nvSpPr>
+          <p:cNvPr id="58" name="矩形 57"/>
+          <p:cNvSpPr/>
+          <p:nvPr/>
+        </p:nvSpPr>
+        <p:spPr>
+          <a:xfrm>
+            <a:off x="7633407" y="1888133"/>
+            <a:ext cx="1620957" cy="564898"/>
+          </a:xfrm>
+          <a:prstGeom prst="rect">
+            <a:avLst/>
+          </a:prstGeom>
+          <a:effectLst/>
+        </p:spPr>
+        <p:txBody>
+          <a:bodyPr wrap="none">
+            <a:spAutoFit/>
+          </a:bodyPr>
+          <a:lstStyle/>
+          <a:p>
+            <a:pPr>
+              <a:lnSpc>
+                <a:spcPct val="120000"/>
+              </a:lnSpc>
+            </a:pPr>
+            <a:r>
+              <a:rPr lang="zh-CN" altLang="en-US" sz="2800" dirty="0">
+                <a:solidFill>
+                  <a:schemeClr val="bg1"/>
+                </a:solidFill>
+                <a:latin typeface="Arial" panose="020B0604020202020204" pitchFamily="34" charset="0"/>
+                <a:ea typeface="微软雅黑" panose="020B0503020204020204" pitchFamily="34" charset="-122"/>
+                <a:cs typeface="+mn-ea"/>
+                <a:sym typeface="Arial" panose="020B0604020202020204" pitchFamily="34" charset="0"/>
+              </a:rPr>
+              <a:t>总体设计</a:t>
+            </a:r>
+            <a:endParaRPr lang="en-US" altLang="zh-CN" sz="2800" dirty="0">
+              <a:solidFill>
+                <a:schemeClr val="bg1"/>
+              </a:solidFill>
+              <a:latin typeface="Arial" panose="020B0604020202020204" pitchFamily="34" charset="0"/>
+              <a:ea typeface="微软雅黑" panose="020B0503020204020204" pitchFamily="34" charset="-122"/>
+              <a:cs typeface="+mn-ea"/>
+              <a:sym typeface="Arial" panose="020B0604020202020204" pitchFamily="34" charset="0"/>
+            </a:endParaRPr>
+          </a:p>
+        </p:txBody>
+      </p:sp>
+      <p:sp>
+        <p:nvSpPr>
+          <p:cNvPr id="75" name="圆角矩形 74"/>
+          <p:cNvSpPr/>
+          <p:nvPr/>
+        </p:nvSpPr>
+        <p:spPr bwMode="auto">
+          <a:xfrm>
+            <a:off x="6268090" y="1888133"/>
+            <a:ext cx="714104" cy="588750"/>
+          </a:xfrm>
+          <a:prstGeom prst="roundRect">
+            <a:avLst/>
+          </a:prstGeom>
+          <a:solidFill>
+            <a:schemeClr val="accent2"/>
+          </a:solidFill>
+          <a:ln w="38100">
+            <a:noFill/>
+          </a:ln>
+          <a:effectLst>
+            <a:outerShdw blurRad="203200" dist="88900" dir="8100000" sx="102000" sy="102000" algn="tr" rotWithShape="0">
+              <a:prstClr val="black">
+                <a:alpha val="30000"/>
+              </a:prstClr>
+            </a:outerShdw>
+          </a:effectLst>
+        </p:spPr>
+        <p:style>
+          <a:lnRef idx="2">
+            <a:schemeClr val="accent1">
+              <a:shade val="50000"/>
+            </a:schemeClr>
+          </a:lnRef>
+          <a:fillRef idx="1">
+            <a:schemeClr val="accent1"/>
+          </a:fillRef>
+          <a:effectRef idx="0">
+            <a:schemeClr val="accent1"/>
+          </a:effectRef>
+          <a:fontRef idx="minor">
+            <a:schemeClr val="lt1"/>
+          </a:fontRef>
+        </p:style>
+        <p:txBody>
+          <a:bodyPr anchor="ctr"/>
+          <a:lstStyle/>
+          <a:p>
+            <a:pPr algn="ctr" fontAlgn="auto">
+              <a:spcBef>
+                <a:spcPts val="0"/>
+              </a:spcBef>
+              <a:spcAft>
+                <a:spcPts val="0"/>
+              </a:spcAft>
+              <a:defRPr/>
+            </a:pPr>
+            <a:r>
+              <a:rPr lang="en-US" altLang="zh-CN" sz="2800" dirty="0">
+                <a:latin typeface="Impact" panose="020B0806030902050204" pitchFamily="34" charset="0"/>
+                <a:ea typeface="微软雅黑" panose="020B0503020204020204" pitchFamily="34" charset="-122"/>
+                <a:cs typeface="+mn-ea"/>
+                <a:sym typeface="+mn-lt"/>
+              </a:rPr>
+              <a:t>2</a:t>
+            </a:r>
+            <a:endParaRPr lang="zh-CN" altLang="en-US" sz="2800" dirty="0">
+              <a:latin typeface="Impact" panose="020B0806030902050204" pitchFamily="34" charset="0"/>
+              <a:ea typeface="微软雅黑" panose="020B0503020204020204" pitchFamily="34" charset="-122"/>
+              <a:cs typeface="+mn-ea"/>
+              <a:sym typeface="+mn-lt"/>
+            </a:endParaRPr>
+          </a:p>
+        </p:txBody>
+      </p:sp>
+      <p:sp>
+        <p:nvSpPr>
+          <p:cNvPr id="101" name="圆角矩形 100"/>
+          <p:cNvSpPr/>
+          <p:nvPr/>
+        </p:nvSpPr>
+        <p:spPr bwMode="auto">
+          <a:xfrm>
+            <a:off x="6268090" y="2896245"/>
+            <a:ext cx="714104" cy="588750"/>
+          </a:xfrm>
+          <a:prstGeom prst="roundRect">
+            <a:avLst/>
+          </a:prstGeom>
+          <a:solidFill>
+            <a:schemeClr val="accent2"/>
+          </a:solidFill>
+          <a:ln w="38100">
+            <a:noFill/>
+          </a:ln>
+          <a:effectLst>
+            <a:outerShdw blurRad="203200" dist="88900" dir="8100000" sx="102000" sy="102000" algn="tr" rotWithShape="0">
+              <a:prstClr val="black">
+                <a:alpha val="30000"/>
+              </a:prstClr>
+            </a:outerShdw>
+          </a:effectLst>
+        </p:spPr>
+        <p:style>
+          <a:lnRef idx="2">
+            <a:schemeClr val="accent1">
+              <a:shade val="50000"/>
+            </a:schemeClr>
+          </a:lnRef>
+          <a:fillRef idx="1">
+            <a:schemeClr val="accent1"/>
+          </a:fillRef>
+          <a:effectRef idx="0">
+            <a:schemeClr val="accent1"/>
+          </a:effectRef>
+          <a:fontRef idx="minor">
+            <a:schemeClr val="lt1"/>
+          </a:fontRef>
+        </p:style>
+        <p:txBody>
+          <a:bodyPr anchor="ctr"/>
+          <a:lstStyle/>
+          <a:p>
+            <a:pPr algn="ctr" fontAlgn="auto">
+              <a:spcBef>
+                <a:spcPts val="0"/>
+              </a:spcBef>
+              <a:spcAft>
+                <a:spcPts val="0"/>
+              </a:spcAft>
+              <a:defRPr/>
+            </a:pPr>
+            <a:r>
+              <a:rPr lang="en-US" altLang="zh-CN" sz="2800" dirty="0">
+                <a:latin typeface="Impact" panose="020B0806030902050204" pitchFamily="34" charset="0"/>
+                <a:ea typeface="微软雅黑" panose="020B0503020204020204" pitchFamily="34" charset="-122"/>
+                <a:cs typeface="+mn-ea"/>
+                <a:sym typeface="+mn-lt"/>
+              </a:rPr>
+              <a:t>3</a:t>
+            </a:r>
+            <a:endParaRPr lang="zh-CN" altLang="en-US" sz="2800" dirty="0">
+              <a:latin typeface="Impact" panose="020B0806030902050204" pitchFamily="34" charset="0"/>
+              <a:ea typeface="微软雅黑" panose="020B0503020204020204" pitchFamily="34" charset="-122"/>
+              <a:cs typeface="+mn-ea"/>
+              <a:sym typeface="+mn-lt"/>
+            </a:endParaRPr>
+          </a:p>
+        </p:txBody>
+      </p:sp>
+      <p:sp>
+        <p:nvSpPr>
+          <p:cNvPr id="103" name="矩形 102"/>
+          <p:cNvSpPr/>
+          <p:nvPr/>
+        </p:nvSpPr>
+        <p:spPr>
+          <a:xfrm>
+            <a:off x="7633407" y="2900375"/>
+            <a:ext cx="1620957" cy="564898"/>
+          </a:xfrm>
+          <a:prstGeom prst="rect">
+            <a:avLst/>
+          </a:prstGeom>
+          <a:effectLst/>
+        </p:spPr>
+        <p:txBody>
+          <a:bodyPr wrap="none">
+            <a:spAutoFit/>
+          </a:bodyPr>
+          <a:lstStyle/>
+          <a:p>
+            <a:pPr>
+              <a:lnSpc>
+                <a:spcPct val="120000"/>
+              </a:lnSpc>
+            </a:pPr>
+            <a:r>
+              <a:rPr lang="zh-CN" altLang="en-US" sz="2800" dirty="0">
+                <a:solidFill>
+                  <a:schemeClr val="bg1"/>
+                </a:solidFill>
+                <a:latin typeface="Arial" panose="020B0604020202020204" pitchFamily="34" charset="0"/>
+                <a:ea typeface="微软雅黑" panose="020B0503020204020204" pitchFamily="34" charset="-122"/>
+                <a:cs typeface="+mn-ea"/>
+                <a:sym typeface="Arial" panose="020B0604020202020204" pitchFamily="34" charset="0"/>
+              </a:rPr>
+              <a:t>详细设计</a:t>
+            </a:r>
+            <a:endParaRPr lang="en-US" altLang="zh-CN" sz="2800" dirty="0">
+              <a:solidFill>
+                <a:schemeClr val="bg1"/>
+              </a:solidFill>
+              <a:latin typeface="Arial" panose="020B0604020202020204" pitchFamily="34" charset="0"/>
+              <a:ea typeface="微软雅黑" panose="020B0503020204020204" pitchFamily="34" charset="-122"/>
+              <a:cs typeface="+mn-ea"/>
+              <a:sym typeface="Arial" panose="020B0604020202020204" pitchFamily="34" charset="0"/>
+            </a:endParaRPr>
+          </a:p>
+        </p:txBody>
+      </p:sp>
+      <p:sp>
+        <p:nvSpPr>
+          <p:cNvPr id="107" name="圆角矩形 106"/>
+          <p:cNvSpPr/>
+          <p:nvPr/>
+        </p:nvSpPr>
+        <p:spPr bwMode="auto">
+          <a:xfrm>
+            <a:off x="6268090" y="3904357"/>
+            <a:ext cx="714104" cy="588750"/>
+          </a:xfrm>
+          <a:prstGeom prst="roundRect">
+            <a:avLst/>
+          </a:prstGeom>
+          <a:solidFill>
+            <a:schemeClr val="accent2"/>
+          </a:solidFill>
+          <a:ln w="38100">
+            <a:noFill/>
+          </a:ln>
+          <a:effectLst>
+            <a:outerShdw blurRad="203200" dist="88900" dir="8100000" sx="102000" sy="102000" algn="tr" rotWithShape="0">
+              <a:prstClr val="black">
+                <a:alpha val="30000"/>
+              </a:prstClr>
+            </a:outerShdw>
+          </a:effectLst>
+        </p:spPr>
+        <p:style>
+          <a:lnRef idx="2">
+            <a:schemeClr val="accent1">
+              <a:shade val="50000"/>
+            </a:schemeClr>
+          </a:lnRef>
+          <a:fillRef idx="1">
+            <a:schemeClr val="accent1"/>
+          </a:fillRef>
+          <a:effectRef idx="0">
+            <a:schemeClr val="accent1"/>
+          </a:effectRef>
+          <a:fontRef idx="minor">
+            <a:schemeClr val="lt1"/>
+          </a:fontRef>
+        </p:style>
+        <p:txBody>
+          <a:bodyPr anchor="ctr"/>
+          <a:lstStyle/>
+          <a:p>
+            <a:pPr algn="ctr" fontAlgn="auto">
+              <a:spcBef>
+                <a:spcPts val="0"/>
+              </a:spcBef>
+              <a:spcAft>
+                <a:spcPts val="0"/>
+              </a:spcAft>
+              <a:defRPr/>
+            </a:pPr>
+            <a:r>
+              <a:rPr lang="en-US" altLang="zh-CN" sz="2800" dirty="0">
+                <a:latin typeface="Impact" panose="020B0806030902050204" pitchFamily="34" charset="0"/>
+                <a:ea typeface="微软雅黑" panose="020B0503020204020204" pitchFamily="34" charset="-122"/>
+                <a:cs typeface="+mn-ea"/>
+                <a:sym typeface="+mn-lt"/>
+              </a:rPr>
+              <a:t>4</a:t>
+            </a:r>
+            <a:endParaRPr lang="zh-CN" altLang="en-US" sz="2800" dirty="0">
+              <a:latin typeface="Impact" panose="020B0806030902050204" pitchFamily="34" charset="0"/>
+              <a:ea typeface="微软雅黑" panose="020B0503020204020204" pitchFamily="34" charset="-122"/>
+              <a:cs typeface="+mn-ea"/>
+              <a:sym typeface="+mn-lt"/>
+            </a:endParaRPr>
+          </a:p>
+        </p:txBody>
+      </p:sp>
+      <p:grpSp>
+        <p:nvGrpSpPr>
+          <p:cNvPr id="43" name="组合 42"/>
+          <p:cNvGrpSpPr/>
+          <p:nvPr/>
+        </p:nvGrpSpPr>
+        <p:grpSpPr>
+          <a:xfrm>
+            <a:off x="1387625" y="2472375"/>
+            <a:ext cx="2287905" cy="2287903"/>
+            <a:chOff x="3962648" y="2819400"/>
+            <a:chExt cx="1218704" cy="1218704"/>
+          </a:xfrm>
+        </p:grpSpPr>
+        <p:grpSp>
+          <p:nvGrpSpPr>
+            <p:cNvPr id="44" name="组合 43"/>
+            <p:cNvGrpSpPr/>
+            <p:nvPr/>
+          </p:nvGrpSpPr>
+          <p:grpSpPr>
+            <a:xfrm>
+              <a:off x="3962648" y="2819400"/>
+              <a:ext cx="1218704" cy="1218704"/>
+              <a:chOff x="304800" y="673100"/>
+              <a:chExt cx="4000500" cy="4000500"/>
+            </a:xfrm>
+            <a:effectLst>
+              <a:outerShdw blurRad="444500" dist="254000" dir="8100000" algn="tr" rotWithShape="0">
+                <a:prstClr val="black">
+                  <a:alpha val="50000"/>
+                </a:prstClr>
+              </a:outerShdw>
+            </a:effectLst>
+          </p:grpSpPr>
+          <p:sp>
+            <p:nvSpPr>
+              <p:cNvPr id="46" name="同心圆 45"/>
+              <p:cNvSpPr/>
+              <p:nvPr/>
+            </p:nvSpPr>
+            <p:spPr>
+              <a:xfrm>
+                <a:off x="304800" y="673100"/>
+                <a:ext cx="4000500" cy="4000500"/>
+              </a:xfrm>
+              <a:prstGeom prst="donut">
+                <a:avLst>
+                  <a:gd name="adj" fmla="val 4879"/>
+                </a:avLst>
+              </a:prstGeom>
+              <a:gradFill>
+                <a:gsLst>
+                  <a:gs pos="0">
+                    <a:schemeClr val="bg1"/>
+                  </a:gs>
+                  <a:gs pos="55000">
+                    <a:schemeClr val="bg1">
+                      <a:lumMod val="95000"/>
+                    </a:schemeClr>
+                  </a:gs>
+                  <a:gs pos="100000">
+                    <a:schemeClr val="bg1">
+                      <a:lumMod val="65000"/>
+                    </a:schemeClr>
+                  </a:gs>
+                </a:gsLst>
+                <a:lin ang="8100000" scaled="0"/>
+              </a:gradFill>
+              <a:ln>
+                <a:noFill/>
+              </a:ln>
+            </p:spPr>
+            <p:style>
+              <a:lnRef idx="2">
+                <a:schemeClr val="accent1">
+                  <a:shade val="50000"/>
+                </a:schemeClr>
+              </a:lnRef>
+              <a:fillRef idx="1">
+                <a:schemeClr val="accent1"/>
+              </a:fillRef>
+              <a:effectRef idx="0">
+                <a:schemeClr val="accent1"/>
+              </a:effectRef>
+              <a:fontRef idx="minor">
+                <a:schemeClr val="lt1"/>
+              </a:fontRef>
+            </p:style>
+            <p:txBody>
+              <a:bodyPr rtlCol="0" anchor="ctr"/>
+              <a:lstStyle/>
+              <a:p>
+                <a:pPr algn="ctr"/>
+                <a:endParaRPr lang="zh-CN" altLang="en-US" sz="1687">
+                  <a:solidFill>
+                    <a:schemeClr val="tx1"/>
+                  </a:solidFill>
+                  <a:ea typeface="微软雅黑" panose="020B0503020204020204" pitchFamily="34" charset="-122"/>
+                  <a:cs typeface="+mn-ea"/>
+                  <a:sym typeface="+mn-lt"/>
+                </a:endParaRPr>
+              </a:p>
+            </p:txBody>
+          </p:sp>
+          <p:sp>
+            <p:nvSpPr>
+              <p:cNvPr id="47" name="椭圆 46"/>
+              <p:cNvSpPr/>
+              <p:nvPr/>
+            </p:nvSpPr>
+            <p:spPr>
+              <a:xfrm>
+                <a:off x="392112" y="760412"/>
+                <a:ext cx="3825874" cy="3825874"/>
+              </a:xfrm>
+              <a:prstGeom prst="ellipse">
+                <a:avLst/>
+              </a:prstGeom>
+              <a:gradFill>
+                <a:gsLst>
+                  <a:gs pos="0">
+                    <a:schemeClr val="bg1"/>
+                  </a:gs>
+                  <a:gs pos="51000">
+                    <a:schemeClr val="bg1">
+                      <a:lumMod val="95000"/>
+                    </a:schemeClr>
+                  </a:gs>
+                  <a:gs pos="100000">
+                    <a:schemeClr val="bg1">
+                      <a:lumMod val="75000"/>
+                    </a:schemeClr>
+                  </a:gs>
+                </a:gsLst>
+                <a:lin ang="18900000" scaled="0"/>
+              </a:gradFill>
+              <a:ln>
+                <a:noFill/>
+              </a:ln>
+            </p:spPr>
+            <p:style>
+              <a:lnRef idx="2">
+                <a:schemeClr val="accent1">
+                  <a:shade val="50000"/>
+                </a:schemeClr>
+              </a:lnRef>
+              <a:fillRef idx="1">
+                <a:schemeClr val="accent1"/>
+              </a:fillRef>
+              <a:effectRef idx="0">
+                <a:schemeClr val="accent1"/>
+              </a:effectRef>
+              <a:fontRef idx="minor">
+                <a:schemeClr val="lt1"/>
+              </a:fontRef>
+            </p:style>
+            <p:txBody>
+              <a:bodyPr rtlCol="0" anchor="ctr"/>
+              <a:lstStyle/>
+              <a:p>
+                <a:pPr algn="ctr"/>
+                <a:endParaRPr lang="zh-CN" altLang="en-US" sz="1687">
+                  <a:ea typeface="微软雅黑" panose="020B0503020204020204" pitchFamily="34" charset="-122"/>
+                  <a:cs typeface="+mn-ea"/>
+                  <a:sym typeface="+mn-lt"/>
+                </a:endParaRPr>
+              </a:p>
+            </p:txBody>
+          </p:sp>
+        </p:grpSp>
+        <p:sp>
+          <p:nvSpPr>
+            <p:cNvPr id="45" name="TextBox 5"/>
+            <p:cNvSpPr txBox="1"/>
+            <p:nvPr/>
+          </p:nvSpPr>
+          <p:spPr>
+            <a:xfrm>
+              <a:off x="4146363" y="3165339"/>
+              <a:ext cx="852982" cy="475321"/>
+            </a:xfrm>
+            <a:prstGeom prst="rect">
+              <a:avLst/>
+            </a:prstGeom>
+            <a:noFill/>
+          </p:spPr>
+          <p:txBody>
+            <a:bodyPr wrap="none" rtlCol="0">
+              <a:spAutoFit/>
+            </a:bodyPr>
+            <a:lstStyle/>
+            <a:p>
+              <a:pPr algn="ctr"/>
+              <a:r>
+                <a:rPr lang="zh-CN" altLang="en-US" sz="2800" b="1" spc="300" dirty="0">
+                  <a:solidFill>
+                    <a:schemeClr val="accent1"/>
+                  </a:solidFill>
+                  <a:latin typeface="微软雅黑" panose="020B0503020204020204" pitchFamily="34" charset="-122"/>
+                  <a:ea typeface="微软雅黑" panose="020B0503020204020204" pitchFamily="34" charset="-122"/>
+                  <a:cs typeface="+mn-ea"/>
+                  <a:sym typeface="+mn-lt"/>
+                </a:rPr>
+                <a:t>目录</a:t>
+              </a:r>
+              <a:endParaRPr lang="en-US" altLang="zh-CN" sz="2800" b="1" spc="300" dirty="0">
+                <a:solidFill>
+                  <a:schemeClr val="accent1"/>
+                </a:solidFill>
+                <a:latin typeface="微软雅黑" panose="020B0503020204020204" pitchFamily="34" charset="-122"/>
+                <a:ea typeface="微软雅黑" panose="020B0503020204020204" pitchFamily="34" charset="-122"/>
+                <a:cs typeface="+mn-ea"/>
+                <a:sym typeface="+mn-lt"/>
+              </a:endParaRPr>
+            </a:p>
+            <a:p>
+              <a:pPr algn="ctr"/>
+              <a:r>
+                <a:rPr lang="en-US" altLang="zh-CN" sz="2400" b="1" cap="all" dirty="0">
+                  <a:solidFill>
+                    <a:schemeClr val="accent1"/>
+                  </a:solidFill>
+                  <a:latin typeface="Franklin Gothic Book" panose="020B0503020102020204" pitchFamily="34" charset="0"/>
+                  <a:ea typeface="微软雅黑" panose="020B0503020204020204" pitchFamily="34" charset="-122"/>
+                  <a:cs typeface="+mn-ea"/>
+                  <a:sym typeface="+mn-lt"/>
+                </a:rPr>
+                <a:t>contents</a:t>
+              </a:r>
+              <a:endParaRPr lang="zh-CN" altLang="en-US" sz="2400" b="1" cap="all" dirty="0">
+                <a:solidFill>
+                  <a:schemeClr val="accent1"/>
+                </a:solidFill>
+                <a:latin typeface="Franklin Gothic Book" panose="020B0503020102020204" pitchFamily="34" charset="0"/>
+                <a:ea typeface="微软雅黑" panose="020B0503020204020204" pitchFamily="34" charset="-122"/>
+                <a:cs typeface="+mn-ea"/>
+                <a:sym typeface="+mn-lt"/>
+              </a:endParaRPr>
+            </a:p>
+          </p:txBody>
+        </p:sp>
+      </p:grpSp>
+      <p:sp>
+        <p:nvSpPr>
+          <p:cNvPr id="4" name="圆角矩形 106">
+            <a:extLst>
+              <a:ext uri="{FF2B5EF4-FFF2-40B4-BE49-F238E27FC236}">
+                <a16:creationId xmlns:a16="http://schemas.microsoft.com/office/drawing/2014/main" id="{58C2D861-B7E7-443A-8D12-BF79F05F4975}"/>
+              </a:ext>
+            </a:extLst>
+          </p:cNvPr>
+          <p:cNvSpPr/>
+          <p:nvPr/>
+        </p:nvSpPr>
+        <p:spPr bwMode="auto">
+          <a:xfrm>
+            <a:off x="6268090" y="4912469"/>
+            <a:ext cx="714104" cy="588750"/>
+          </a:xfrm>
+          <a:prstGeom prst="roundRect">
+            <a:avLst/>
+          </a:prstGeom>
+          <a:solidFill>
+            <a:schemeClr val="accent2"/>
+          </a:solidFill>
+          <a:ln w="38100">
+            <a:noFill/>
+          </a:ln>
+          <a:effectLst>
+            <a:outerShdw blurRad="203200" dist="88900" dir="8100000" sx="102000" sy="102000" algn="tr" rotWithShape="0">
+              <a:prstClr val="black">
+                <a:alpha val="30000"/>
+              </a:prstClr>
+            </a:outerShdw>
+          </a:effectLst>
+        </p:spPr>
+        <p:style>
+          <a:lnRef idx="2">
+            <a:schemeClr val="accent1">
+              <a:shade val="50000"/>
+            </a:schemeClr>
+          </a:lnRef>
+          <a:fillRef idx="1">
+            <a:schemeClr val="accent1"/>
+          </a:fillRef>
+          <a:effectRef idx="0">
+            <a:schemeClr val="accent1"/>
+          </a:effectRef>
+          <a:fontRef idx="minor">
+            <a:schemeClr val="lt1"/>
+          </a:fontRef>
+        </p:style>
+        <p:txBody>
+          <a:bodyPr anchor="ctr"/>
+          <a:lstStyle/>
+          <a:p>
+            <a:pPr algn="ctr" fontAlgn="auto">
+              <a:spcBef>
+                <a:spcPts val="0"/>
+              </a:spcBef>
+              <a:spcAft>
+                <a:spcPts val="0"/>
+              </a:spcAft>
+              <a:defRPr/>
+            </a:pPr>
+            <a:r>
+              <a:rPr lang="en-US" altLang="zh-CN" sz="2800" dirty="0">
+                <a:latin typeface="Impact" panose="020B0806030902050204" pitchFamily="34" charset="0"/>
+                <a:ea typeface="微软雅黑" panose="020B0503020204020204" pitchFamily="34" charset="-122"/>
+                <a:cs typeface="+mn-ea"/>
+                <a:sym typeface="+mn-lt"/>
+              </a:rPr>
+              <a:t>5</a:t>
+            </a:r>
+            <a:endParaRPr lang="zh-CN" altLang="en-US" sz="2800" dirty="0">
+              <a:latin typeface="Impact" panose="020B0806030902050204" pitchFamily="34" charset="0"/>
+              <a:ea typeface="微软雅黑" panose="020B0503020204020204" pitchFamily="34" charset="-122"/>
+              <a:cs typeface="+mn-ea"/>
+              <a:sym typeface="+mn-lt"/>
+            </a:endParaRPr>
+          </a:p>
+        </p:txBody>
+      </p:sp>
+      <p:sp>
+        <p:nvSpPr>
+          <p:cNvPr id="6" name="矩形 5">
+            <a:extLst>
+              <a:ext uri="{FF2B5EF4-FFF2-40B4-BE49-F238E27FC236}">
+                <a16:creationId xmlns:a16="http://schemas.microsoft.com/office/drawing/2014/main" id="{1E723024-97CF-4934-AC2F-668C5F821257}"/>
+              </a:ext>
+            </a:extLst>
+          </p:cNvPr>
+          <p:cNvSpPr/>
+          <p:nvPr/>
+        </p:nvSpPr>
+        <p:spPr>
+          <a:xfrm>
+            <a:off x="7619607" y="4912469"/>
+            <a:ext cx="2698175" cy="564898"/>
+          </a:xfrm>
+          <a:prstGeom prst="rect">
+            <a:avLst/>
+          </a:prstGeom>
+          <a:effectLst/>
+        </p:spPr>
+        <p:txBody>
+          <a:bodyPr wrap="none">
+            <a:spAutoFit/>
+          </a:bodyPr>
+          <a:lstStyle/>
+          <a:p>
+            <a:pPr>
+              <a:lnSpc>
+                <a:spcPct val="120000"/>
+              </a:lnSpc>
+            </a:pPr>
+            <a:r>
+              <a:rPr lang="zh-CN" altLang="en-US" sz="2800" dirty="0">
+                <a:solidFill>
+                  <a:schemeClr val="bg1"/>
+                </a:solidFill>
+                <a:latin typeface="Arial" panose="020B0604020202020204" pitchFamily="34" charset="0"/>
+                <a:ea typeface="微软雅黑" panose="020B0503020204020204" pitchFamily="34" charset="-122"/>
+                <a:cs typeface="+mn-ea"/>
+                <a:sym typeface="Arial" panose="020B0604020202020204" pitchFamily="34" charset="0"/>
+              </a:rPr>
+              <a:t>小组分工及评价</a:t>
+            </a:r>
+            <a:endParaRPr lang="en-US" altLang="zh-CN" sz="2800" dirty="0">
+              <a:solidFill>
+                <a:schemeClr val="bg1"/>
+              </a:solidFill>
+              <a:latin typeface="Arial" panose="020B0604020202020204" pitchFamily="34" charset="0"/>
+              <a:ea typeface="微软雅黑" panose="020B0503020204020204" pitchFamily="34" charset="-122"/>
+              <a:cs typeface="+mn-ea"/>
+              <a:sym typeface="Arial" panose="020B0604020202020204" pitchFamily="34" charset="0"/>
+            </a:endParaRPr>
+          </a:p>
+        </p:txBody>
+      </p:sp>
+      <p:sp>
+        <p:nvSpPr>
+          <p:cNvPr id="7" name="矩形 6">
+            <a:extLst>
+              <a:ext uri="{FF2B5EF4-FFF2-40B4-BE49-F238E27FC236}">
+                <a16:creationId xmlns:a16="http://schemas.microsoft.com/office/drawing/2014/main" id="{F10A4DA5-FB55-4EE4-A318-A8C9A7EEF95D}"/>
+              </a:ext>
+            </a:extLst>
+          </p:cNvPr>
+          <p:cNvSpPr/>
+          <p:nvPr/>
+        </p:nvSpPr>
+        <p:spPr>
+          <a:xfrm>
+            <a:off x="7638228" y="5932507"/>
+            <a:ext cx="1620957" cy="564898"/>
+          </a:xfrm>
+          <a:prstGeom prst="rect">
+            <a:avLst/>
+          </a:prstGeom>
+          <a:effectLst/>
+        </p:spPr>
+        <p:txBody>
+          <a:bodyPr wrap="none">
+            <a:spAutoFit/>
+          </a:bodyPr>
+          <a:lstStyle/>
+          <a:p>
+            <a:pPr>
+              <a:lnSpc>
+                <a:spcPct val="120000"/>
+              </a:lnSpc>
+            </a:pPr>
+            <a:r>
+              <a:rPr lang="zh-CN" altLang="en-US" sz="2800" dirty="0">
+                <a:solidFill>
+                  <a:schemeClr val="bg1"/>
+                </a:solidFill>
+                <a:latin typeface="Arial" panose="020B0604020202020204" pitchFamily="34" charset="0"/>
+                <a:ea typeface="微软雅黑" panose="020B0503020204020204" pitchFamily="34" charset="-122"/>
+                <a:cs typeface="+mn-ea"/>
+                <a:sym typeface="Arial" panose="020B0604020202020204" pitchFamily="34" charset="0"/>
+              </a:rPr>
+              <a:t>参考资料</a:t>
+            </a:r>
+            <a:endParaRPr lang="en-US" altLang="zh-CN" sz="2800" dirty="0">
+              <a:solidFill>
+                <a:schemeClr val="bg1"/>
+              </a:solidFill>
+              <a:latin typeface="Arial" panose="020B0604020202020204" pitchFamily="34" charset="0"/>
+              <a:ea typeface="微软雅黑" panose="020B0503020204020204" pitchFamily="34" charset="-122"/>
+              <a:cs typeface="+mn-ea"/>
+              <a:sym typeface="Arial" panose="020B0604020202020204" pitchFamily="34" charset="0"/>
+            </a:endParaRPr>
+          </a:p>
+        </p:txBody>
+      </p:sp>
+      <p:sp>
+        <p:nvSpPr>
+          <p:cNvPr id="5" name="圆角矩形 106">
+            <a:extLst>
+              <a:ext uri="{FF2B5EF4-FFF2-40B4-BE49-F238E27FC236}">
+                <a16:creationId xmlns:a16="http://schemas.microsoft.com/office/drawing/2014/main" id="{E3365C5A-B152-4048-9F1B-7F3BD851E72E}"/>
+              </a:ext>
+            </a:extLst>
+          </p:cNvPr>
+          <p:cNvSpPr/>
+          <p:nvPr/>
+        </p:nvSpPr>
+        <p:spPr bwMode="auto">
+          <a:xfrm>
+            <a:off x="6268090" y="5920581"/>
+            <a:ext cx="714104" cy="588750"/>
+          </a:xfrm>
+          <a:prstGeom prst="roundRect">
+            <a:avLst/>
+          </a:prstGeom>
+          <a:solidFill>
+            <a:schemeClr val="accent2"/>
+          </a:solidFill>
+          <a:ln w="38100">
+            <a:noFill/>
+          </a:ln>
+          <a:effectLst>
+            <a:outerShdw blurRad="203200" dist="88900" dir="8100000" sx="102000" sy="102000" algn="tr" rotWithShape="0">
+              <a:prstClr val="black">
+                <a:alpha val="30000"/>
+              </a:prstClr>
+            </a:outerShdw>
+          </a:effectLst>
+        </p:spPr>
+        <p:style>
+          <a:lnRef idx="2">
+            <a:schemeClr val="accent1">
+              <a:shade val="50000"/>
+            </a:schemeClr>
+          </a:lnRef>
+          <a:fillRef idx="1">
+            <a:schemeClr val="accent1"/>
+          </a:fillRef>
+          <a:effectRef idx="0">
+            <a:schemeClr val="accent1"/>
+          </a:effectRef>
+          <a:fontRef idx="minor">
+            <a:schemeClr val="lt1"/>
+          </a:fontRef>
+        </p:style>
+        <p:txBody>
+          <a:bodyPr anchor="ctr"/>
+          <a:lstStyle/>
+          <a:p>
+            <a:pPr algn="ctr" fontAlgn="auto">
+              <a:spcBef>
+                <a:spcPts val="0"/>
+              </a:spcBef>
+              <a:spcAft>
+                <a:spcPts val="0"/>
+              </a:spcAft>
+              <a:defRPr/>
+            </a:pPr>
+            <a:r>
+              <a:rPr lang="en-US" altLang="zh-CN" sz="2800" dirty="0">
+                <a:latin typeface="Impact" panose="020B0806030902050204" pitchFamily="34" charset="0"/>
+                <a:ea typeface="微软雅黑" panose="020B0503020204020204" pitchFamily="34" charset="-122"/>
+                <a:cs typeface="+mn-ea"/>
+                <a:sym typeface="+mn-lt"/>
+              </a:rPr>
+              <a:t>6</a:t>
+            </a:r>
+            <a:endParaRPr lang="zh-CN" altLang="en-US" sz="2800" dirty="0">
+              <a:latin typeface="Impact" panose="020B0806030902050204" pitchFamily="34" charset="0"/>
+              <a:ea typeface="微软雅黑" panose="020B0503020204020204" pitchFamily="34" charset="-122"/>
+              <a:cs typeface="+mn-ea"/>
+              <a:sym typeface="+mn-lt"/>
+            </a:endParaRPr>
+          </a:p>
+        </p:txBody>
+      </p:sp>
+      <p:sp>
+        <p:nvSpPr>
+          <p:cNvPr id="8" name="矩形 7">
+            <a:extLst>
+              <a:ext uri="{FF2B5EF4-FFF2-40B4-BE49-F238E27FC236}">
+                <a16:creationId xmlns:a16="http://schemas.microsoft.com/office/drawing/2014/main" id="{F6CFB9F0-2E31-4D30-8809-40288F33012E}"/>
+              </a:ext>
+            </a:extLst>
+          </p:cNvPr>
+          <p:cNvSpPr/>
+          <p:nvPr/>
+        </p:nvSpPr>
+        <p:spPr>
+          <a:xfrm>
+            <a:off x="7619606" y="3916283"/>
+            <a:ext cx="3416320" cy="564898"/>
+          </a:xfrm>
+          <a:prstGeom prst="rect">
+            <a:avLst/>
+          </a:prstGeom>
+          <a:effectLst/>
+        </p:spPr>
+        <p:txBody>
+          <a:bodyPr wrap="none">
+            <a:spAutoFit/>
+          </a:bodyPr>
+          <a:lstStyle/>
+          <a:p>
+            <a:pPr>
+              <a:lnSpc>
+                <a:spcPct val="120000"/>
+              </a:lnSpc>
+            </a:pPr>
+            <a:r>
+              <a:rPr lang="zh-CN" altLang="en-US" sz="2800" dirty="0">
+                <a:solidFill>
+                  <a:schemeClr val="bg1"/>
+                </a:solidFill>
+                <a:latin typeface="Arial" panose="020B0604020202020204" pitchFamily="34" charset="0"/>
+                <a:ea typeface="微软雅黑" panose="020B0503020204020204" pitchFamily="34" charset="-122"/>
+                <a:cs typeface="+mn-ea"/>
+                <a:sym typeface="Arial" panose="020B0604020202020204" pitchFamily="34" charset="0"/>
+              </a:rPr>
+              <a:t>会议记录及配置管理</a:t>
+            </a:r>
+            <a:endParaRPr lang="en-US" altLang="zh-CN" sz="2800" dirty="0">
+              <a:solidFill>
+                <a:schemeClr val="bg1"/>
+              </a:solidFill>
+              <a:latin typeface="Arial" panose="020B0604020202020204" pitchFamily="34" charset="0"/>
+              <a:ea typeface="微软雅黑" panose="020B0503020204020204" pitchFamily="34" charset="-122"/>
+              <a:cs typeface="+mn-ea"/>
+              <a:sym typeface="Arial" panose="020B0604020202020204" pitchFamily="34" charset="0"/>
+            </a:endParaRPr>
+          </a:p>
+        </p:txBody>
+      </p:sp>
+    </p:spTree>
+    <p:extLst>
+      <p:ext uri="{BB962C8B-B14F-4D97-AF65-F5344CB8AC3E}">
+        <p14:creationId xmlns:p14="http://schemas.microsoft.com/office/powerpoint/2010/main" val="3765236695"/>
+      </p:ext>
+    </p:extLst>
+  </p:cSld>
+  <p:clrMapOvr>
+    <a:masterClrMapping/>
+  </p:clrMapOvr>
+</p:sld>
+</file>
+
+<file path=ppt/slides/slide20.xml><?xml version="1.0" encoding="utf-8"?>
 <p:sld xmlns:a="http://schemas.openxmlformats.org/drawingml/2006/main" xmlns:r="http://schemas.openxmlformats.org/officeDocument/2006/relationships" xmlns:p="http://schemas.openxmlformats.org/presentationml/2006/main">
   <p:cSld>
     <p:spTree>
@@ -20465,1162 +23160,7 @@
 </p:sld>
 </file>
 
-<file path=ppt/slides/slide2.xml><?xml version="1.0" encoding="utf-8"?>
-<p:sld xmlns:a="http://schemas.openxmlformats.org/drawingml/2006/main" xmlns:r="http://schemas.openxmlformats.org/officeDocument/2006/relationships" xmlns:p="http://schemas.openxmlformats.org/presentationml/2006/main">
-  <p:cSld>
-    <p:spTree>
-      <p:nvGrpSpPr>
-        <p:cNvPr id="1" name=""/>
-        <p:cNvGrpSpPr/>
-        <p:nvPr/>
-      </p:nvGrpSpPr>
-      <p:grpSpPr>
-        <a:xfrm>
-          <a:off x="0" y="0"/>
-          <a:ext cx="0" cy="0"/>
-          <a:chOff x="0" y="0"/>
-          <a:chExt cx="0" cy="0"/>
-        </a:xfrm>
-      </p:grpSpPr>
-      <p:sp>
-        <p:nvSpPr>
-          <p:cNvPr id="3" name="矩形 2"/>
-          <p:cNvSpPr/>
-          <p:nvPr/>
-        </p:nvSpPr>
-        <p:spPr>
-          <a:xfrm>
-            <a:off x="0" y="0"/>
-            <a:ext cx="12855576" cy="7230864"/>
-          </a:xfrm>
-          <a:prstGeom prst="rect">
-            <a:avLst/>
-          </a:prstGeom>
-          <a:solidFill>
-            <a:schemeClr val="accent1"/>
-          </a:solidFill>
-          <a:ln>
-            <a:noFill/>
-          </a:ln>
-        </p:spPr>
-        <p:style>
-          <a:lnRef idx="2">
-            <a:schemeClr val="accent1">
-              <a:shade val="50000"/>
-            </a:schemeClr>
-          </a:lnRef>
-          <a:fillRef idx="1">
-            <a:schemeClr val="accent1"/>
-          </a:fillRef>
-          <a:effectRef idx="0">
-            <a:schemeClr val="accent1"/>
-          </a:effectRef>
-          <a:fontRef idx="minor">
-            <a:schemeClr val="lt1"/>
-          </a:fontRef>
-        </p:style>
-        <p:txBody>
-          <a:bodyPr rtlCol="0" anchor="ctr"/>
-          <a:lstStyle/>
-          <a:p>
-            <a:pPr algn="ctr"/>
-            <a:endParaRPr lang="zh-CN" altLang="en-US">
-              <a:ea typeface="微软雅黑" panose="020B0503020204020204" pitchFamily="34" charset="-122"/>
-            </a:endParaRPr>
-          </a:p>
-        </p:txBody>
-      </p:sp>
-      <p:sp>
-        <p:nvSpPr>
-          <p:cNvPr id="2" name="矩形 1"/>
-          <p:cNvSpPr/>
-          <p:nvPr/>
-        </p:nvSpPr>
-        <p:spPr>
-          <a:xfrm>
-            <a:off x="909689" y="895"/>
-            <a:ext cx="3243774" cy="7230863"/>
-          </a:xfrm>
-          <a:prstGeom prst="rect">
-            <a:avLst/>
-          </a:prstGeom>
-          <a:solidFill>
-            <a:schemeClr val="accent6"/>
-          </a:solidFill>
-          <a:ln>
-            <a:noFill/>
-          </a:ln>
-        </p:spPr>
-        <p:style>
-          <a:lnRef idx="2">
-            <a:schemeClr val="accent1">
-              <a:shade val="50000"/>
-            </a:schemeClr>
-          </a:lnRef>
-          <a:fillRef idx="1">
-            <a:schemeClr val="accent1"/>
-          </a:fillRef>
-          <a:effectRef idx="0">
-            <a:schemeClr val="accent1"/>
-          </a:effectRef>
-          <a:fontRef idx="minor">
-            <a:schemeClr val="lt1"/>
-          </a:fontRef>
-        </p:style>
-        <p:txBody>
-          <a:bodyPr rtlCol="0" anchor="ctr"/>
-          <a:lstStyle/>
-          <a:p>
-            <a:pPr algn="ctr"/>
-            <a:endParaRPr lang="zh-CN" altLang="en-US">
-              <a:ea typeface="微软雅黑" panose="020B0503020204020204" pitchFamily="34" charset="-122"/>
-            </a:endParaRPr>
-          </a:p>
-        </p:txBody>
-      </p:sp>
-      <p:sp>
-        <p:nvSpPr>
-          <p:cNvPr id="52" name="矩形 51"/>
-          <p:cNvSpPr/>
-          <p:nvPr/>
-        </p:nvSpPr>
-        <p:spPr>
-          <a:xfrm>
-            <a:off x="7633407" y="963955"/>
-            <a:ext cx="902811" cy="564898"/>
-          </a:xfrm>
-          <a:prstGeom prst="rect">
-            <a:avLst/>
-          </a:prstGeom>
-          <a:effectLst/>
-        </p:spPr>
-        <p:txBody>
-          <a:bodyPr wrap="none">
-            <a:spAutoFit/>
-          </a:bodyPr>
-          <a:lstStyle/>
-          <a:p>
-            <a:pPr>
-              <a:lnSpc>
-                <a:spcPct val="120000"/>
-              </a:lnSpc>
-            </a:pPr>
-            <a:r>
-              <a:rPr lang="zh-CN" altLang="en-US" sz="2800" dirty="0">
-                <a:solidFill>
-                  <a:schemeClr val="bg1"/>
-                </a:solidFill>
-                <a:latin typeface="Arial" panose="020B0604020202020204" pitchFamily="34" charset="0"/>
-                <a:ea typeface="微软雅黑" panose="020B0503020204020204" pitchFamily="34" charset="-122"/>
-                <a:cs typeface="+mn-ea"/>
-                <a:sym typeface="Arial" panose="020B0604020202020204" pitchFamily="34" charset="0"/>
-              </a:rPr>
-              <a:t>引言</a:t>
-            </a:r>
-            <a:endParaRPr lang="en-US" altLang="zh-CN" sz="2800" dirty="0">
-              <a:solidFill>
-                <a:schemeClr val="bg1"/>
-              </a:solidFill>
-              <a:latin typeface="Arial" panose="020B0604020202020204" pitchFamily="34" charset="0"/>
-              <a:ea typeface="微软雅黑" panose="020B0503020204020204" pitchFamily="34" charset="-122"/>
-              <a:cs typeface="+mn-ea"/>
-              <a:sym typeface="Arial" panose="020B0604020202020204" pitchFamily="34" charset="0"/>
-            </a:endParaRPr>
-          </a:p>
-        </p:txBody>
-      </p:sp>
-      <p:sp>
-        <p:nvSpPr>
-          <p:cNvPr id="56" name="圆角矩形 55"/>
-          <p:cNvSpPr/>
-          <p:nvPr/>
-        </p:nvSpPr>
-        <p:spPr bwMode="auto">
-          <a:xfrm>
-            <a:off x="6268090" y="952029"/>
-            <a:ext cx="714104" cy="588750"/>
-          </a:xfrm>
-          <a:prstGeom prst="roundRect">
-            <a:avLst/>
-          </a:prstGeom>
-          <a:solidFill>
-            <a:schemeClr val="accent2"/>
-          </a:solidFill>
-          <a:ln w="38100">
-            <a:noFill/>
-          </a:ln>
-          <a:effectLst>
-            <a:outerShdw blurRad="203200" dist="88900" dir="8100000" sx="102000" sy="102000" algn="tr" rotWithShape="0">
-              <a:prstClr val="black">
-                <a:alpha val="30000"/>
-              </a:prstClr>
-            </a:outerShdw>
-          </a:effectLst>
-        </p:spPr>
-        <p:style>
-          <a:lnRef idx="2">
-            <a:schemeClr val="accent1">
-              <a:shade val="50000"/>
-            </a:schemeClr>
-          </a:lnRef>
-          <a:fillRef idx="1">
-            <a:schemeClr val="accent1"/>
-          </a:fillRef>
-          <a:effectRef idx="0">
-            <a:schemeClr val="accent1"/>
-          </a:effectRef>
-          <a:fontRef idx="minor">
-            <a:schemeClr val="lt1"/>
-          </a:fontRef>
-        </p:style>
-        <p:txBody>
-          <a:bodyPr anchor="ctr"/>
-          <a:lstStyle/>
-          <a:p>
-            <a:pPr algn="ctr" fontAlgn="auto">
-              <a:spcBef>
-                <a:spcPts val="0"/>
-              </a:spcBef>
-              <a:spcAft>
-                <a:spcPts val="0"/>
-              </a:spcAft>
-              <a:defRPr/>
-            </a:pPr>
-            <a:r>
-              <a:rPr lang="en-US" altLang="zh-CN" sz="2800" dirty="0">
-                <a:latin typeface="Impact" panose="020B0806030902050204" pitchFamily="34" charset="0"/>
-                <a:ea typeface="微软雅黑" panose="020B0503020204020204" pitchFamily="34" charset="-122"/>
-                <a:cs typeface="+mn-ea"/>
-                <a:sym typeface="+mn-lt"/>
-              </a:rPr>
-              <a:t>1</a:t>
-            </a:r>
-            <a:endParaRPr lang="zh-CN" altLang="en-US" sz="2800" dirty="0">
-              <a:latin typeface="Impact" panose="020B0806030902050204" pitchFamily="34" charset="0"/>
-              <a:ea typeface="微软雅黑" panose="020B0503020204020204" pitchFamily="34" charset="-122"/>
-              <a:cs typeface="+mn-ea"/>
-              <a:sym typeface="+mn-lt"/>
-            </a:endParaRPr>
-          </a:p>
-        </p:txBody>
-      </p:sp>
-      <p:sp>
-        <p:nvSpPr>
-          <p:cNvPr id="58" name="矩形 57"/>
-          <p:cNvSpPr/>
-          <p:nvPr/>
-        </p:nvSpPr>
-        <p:spPr>
-          <a:xfrm>
-            <a:off x="7633407" y="1888133"/>
-            <a:ext cx="1620957" cy="564898"/>
-          </a:xfrm>
-          <a:prstGeom prst="rect">
-            <a:avLst/>
-          </a:prstGeom>
-          <a:effectLst/>
-        </p:spPr>
-        <p:txBody>
-          <a:bodyPr wrap="none">
-            <a:spAutoFit/>
-          </a:bodyPr>
-          <a:lstStyle/>
-          <a:p>
-            <a:pPr>
-              <a:lnSpc>
-                <a:spcPct val="120000"/>
-              </a:lnSpc>
-            </a:pPr>
-            <a:r>
-              <a:rPr lang="zh-CN" altLang="en-US" sz="2800" dirty="0">
-                <a:solidFill>
-                  <a:schemeClr val="bg1"/>
-                </a:solidFill>
-                <a:latin typeface="Arial" panose="020B0604020202020204" pitchFamily="34" charset="0"/>
-                <a:ea typeface="微软雅黑" panose="020B0503020204020204" pitchFamily="34" charset="-122"/>
-                <a:cs typeface="+mn-ea"/>
-                <a:sym typeface="Arial" panose="020B0604020202020204" pitchFamily="34" charset="0"/>
-              </a:rPr>
-              <a:t>总体设计</a:t>
-            </a:r>
-            <a:endParaRPr lang="en-US" altLang="zh-CN" sz="2800" dirty="0">
-              <a:solidFill>
-                <a:schemeClr val="bg1"/>
-              </a:solidFill>
-              <a:latin typeface="Arial" panose="020B0604020202020204" pitchFamily="34" charset="0"/>
-              <a:ea typeface="微软雅黑" panose="020B0503020204020204" pitchFamily="34" charset="-122"/>
-              <a:cs typeface="+mn-ea"/>
-              <a:sym typeface="Arial" panose="020B0604020202020204" pitchFamily="34" charset="0"/>
-            </a:endParaRPr>
-          </a:p>
-        </p:txBody>
-      </p:sp>
-      <p:sp>
-        <p:nvSpPr>
-          <p:cNvPr id="75" name="圆角矩形 74"/>
-          <p:cNvSpPr/>
-          <p:nvPr/>
-        </p:nvSpPr>
-        <p:spPr bwMode="auto">
-          <a:xfrm>
-            <a:off x="6268090" y="1888133"/>
-            <a:ext cx="714104" cy="588750"/>
-          </a:xfrm>
-          <a:prstGeom prst="roundRect">
-            <a:avLst/>
-          </a:prstGeom>
-          <a:solidFill>
-            <a:schemeClr val="accent2"/>
-          </a:solidFill>
-          <a:ln w="38100">
-            <a:noFill/>
-          </a:ln>
-          <a:effectLst>
-            <a:outerShdw blurRad="203200" dist="88900" dir="8100000" sx="102000" sy="102000" algn="tr" rotWithShape="0">
-              <a:prstClr val="black">
-                <a:alpha val="30000"/>
-              </a:prstClr>
-            </a:outerShdw>
-          </a:effectLst>
-        </p:spPr>
-        <p:style>
-          <a:lnRef idx="2">
-            <a:schemeClr val="accent1">
-              <a:shade val="50000"/>
-            </a:schemeClr>
-          </a:lnRef>
-          <a:fillRef idx="1">
-            <a:schemeClr val="accent1"/>
-          </a:fillRef>
-          <a:effectRef idx="0">
-            <a:schemeClr val="accent1"/>
-          </a:effectRef>
-          <a:fontRef idx="minor">
-            <a:schemeClr val="lt1"/>
-          </a:fontRef>
-        </p:style>
-        <p:txBody>
-          <a:bodyPr anchor="ctr"/>
-          <a:lstStyle/>
-          <a:p>
-            <a:pPr algn="ctr" fontAlgn="auto">
-              <a:spcBef>
-                <a:spcPts val="0"/>
-              </a:spcBef>
-              <a:spcAft>
-                <a:spcPts val="0"/>
-              </a:spcAft>
-              <a:defRPr/>
-            </a:pPr>
-            <a:r>
-              <a:rPr lang="en-US" altLang="zh-CN" sz="2800" dirty="0">
-                <a:latin typeface="Impact" panose="020B0806030902050204" pitchFamily="34" charset="0"/>
-                <a:ea typeface="微软雅黑" panose="020B0503020204020204" pitchFamily="34" charset="-122"/>
-                <a:cs typeface="+mn-ea"/>
-                <a:sym typeface="+mn-lt"/>
-              </a:rPr>
-              <a:t>2</a:t>
-            </a:r>
-            <a:endParaRPr lang="zh-CN" altLang="en-US" sz="2800" dirty="0">
-              <a:latin typeface="Impact" panose="020B0806030902050204" pitchFamily="34" charset="0"/>
-              <a:ea typeface="微软雅黑" panose="020B0503020204020204" pitchFamily="34" charset="-122"/>
-              <a:cs typeface="+mn-ea"/>
-              <a:sym typeface="+mn-lt"/>
-            </a:endParaRPr>
-          </a:p>
-        </p:txBody>
-      </p:sp>
-      <p:sp>
-        <p:nvSpPr>
-          <p:cNvPr id="101" name="圆角矩形 100"/>
-          <p:cNvSpPr/>
-          <p:nvPr/>
-        </p:nvSpPr>
-        <p:spPr bwMode="auto">
-          <a:xfrm>
-            <a:off x="6268090" y="2896245"/>
-            <a:ext cx="714104" cy="588750"/>
-          </a:xfrm>
-          <a:prstGeom prst="roundRect">
-            <a:avLst/>
-          </a:prstGeom>
-          <a:solidFill>
-            <a:schemeClr val="accent2"/>
-          </a:solidFill>
-          <a:ln w="38100">
-            <a:noFill/>
-          </a:ln>
-          <a:effectLst>
-            <a:outerShdw blurRad="203200" dist="88900" dir="8100000" sx="102000" sy="102000" algn="tr" rotWithShape="0">
-              <a:prstClr val="black">
-                <a:alpha val="30000"/>
-              </a:prstClr>
-            </a:outerShdw>
-          </a:effectLst>
-        </p:spPr>
-        <p:style>
-          <a:lnRef idx="2">
-            <a:schemeClr val="accent1">
-              <a:shade val="50000"/>
-            </a:schemeClr>
-          </a:lnRef>
-          <a:fillRef idx="1">
-            <a:schemeClr val="accent1"/>
-          </a:fillRef>
-          <a:effectRef idx="0">
-            <a:schemeClr val="accent1"/>
-          </a:effectRef>
-          <a:fontRef idx="minor">
-            <a:schemeClr val="lt1"/>
-          </a:fontRef>
-        </p:style>
-        <p:txBody>
-          <a:bodyPr anchor="ctr"/>
-          <a:lstStyle/>
-          <a:p>
-            <a:pPr algn="ctr" fontAlgn="auto">
-              <a:spcBef>
-                <a:spcPts val="0"/>
-              </a:spcBef>
-              <a:spcAft>
-                <a:spcPts val="0"/>
-              </a:spcAft>
-              <a:defRPr/>
-            </a:pPr>
-            <a:r>
-              <a:rPr lang="en-US" altLang="zh-CN" sz="2800" dirty="0">
-                <a:latin typeface="Impact" panose="020B0806030902050204" pitchFamily="34" charset="0"/>
-                <a:ea typeface="微软雅黑" panose="020B0503020204020204" pitchFamily="34" charset="-122"/>
-                <a:cs typeface="+mn-ea"/>
-                <a:sym typeface="+mn-lt"/>
-              </a:rPr>
-              <a:t>3</a:t>
-            </a:r>
-            <a:endParaRPr lang="zh-CN" altLang="en-US" sz="2800" dirty="0">
-              <a:latin typeface="Impact" panose="020B0806030902050204" pitchFamily="34" charset="0"/>
-              <a:ea typeface="微软雅黑" panose="020B0503020204020204" pitchFamily="34" charset="-122"/>
-              <a:cs typeface="+mn-ea"/>
-              <a:sym typeface="+mn-lt"/>
-            </a:endParaRPr>
-          </a:p>
-        </p:txBody>
-      </p:sp>
-      <p:sp>
-        <p:nvSpPr>
-          <p:cNvPr id="103" name="矩形 102"/>
-          <p:cNvSpPr/>
-          <p:nvPr/>
-        </p:nvSpPr>
-        <p:spPr>
-          <a:xfrm>
-            <a:off x="7633407" y="2900375"/>
-            <a:ext cx="1620957" cy="564898"/>
-          </a:xfrm>
-          <a:prstGeom prst="rect">
-            <a:avLst/>
-          </a:prstGeom>
-          <a:effectLst/>
-        </p:spPr>
-        <p:txBody>
-          <a:bodyPr wrap="none">
-            <a:spAutoFit/>
-          </a:bodyPr>
-          <a:lstStyle/>
-          <a:p>
-            <a:pPr>
-              <a:lnSpc>
-                <a:spcPct val="120000"/>
-              </a:lnSpc>
-            </a:pPr>
-            <a:r>
-              <a:rPr lang="zh-CN" altLang="en-US" sz="2800" dirty="0">
-                <a:solidFill>
-                  <a:schemeClr val="bg1"/>
-                </a:solidFill>
-                <a:latin typeface="Arial" panose="020B0604020202020204" pitchFamily="34" charset="0"/>
-                <a:ea typeface="微软雅黑" panose="020B0503020204020204" pitchFamily="34" charset="-122"/>
-                <a:cs typeface="+mn-ea"/>
-                <a:sym typeface="Arial" panose="020B0604020202020204" pitchFamily="34" charset="0"/>
-              </a:rPr>
-              <a:t>详细设计</a:t>
-            </a:r>
-            <a:endParaRPr lang="en-US" altLang="zh-CN" sz="2800" dirty="0">
-              <a:solidFill>
-                <a:schemeClr val="bg1"/>
-              </a:solidFill>
-              <a:latin typeface="Arial" panose="020B0604020202020204" pitchFamily="34" charset="0"/>
-              <a:ea typeface="微软雅黑" panose="020B0503020204020204" pitchFamily="34" charset="-122"/>
-              <a:cs typeface="+mn-ea"/>
-              <a:sym typeface="Arial" panose="020B0604020202020204" pitchFamily="34" charset="0"/>
-            </a:endParaRPr>
-          </a:p>
-        </p:txBody>
-      </p:sp>
-      <p:sp>
-        <p:nvSpPr>
-          <p:cNvPr id="107" name="圆角矩形 106"/>
-          <p:cNvSpPr/>
-          <p:nvPr/>
-        </p:nvSpPr>
-        <p:spPr bwMode="auto">
-          <a:xfrm>
-            <a:off x="6268090" y="3904357"/>
-            <a:ext cx="714104" cy="588750"/>
-          </a:xfrm>
-          <a:prstGeom prst="roundRect">
-            <a:avLst/>
-          </a:prstGeom>
-          <a:solidFill>
-            <a:schemeClr val="accent2"/>
-          </a:solidFill>
-          <a:ln w="38100">
-            <a:noFill/>
-          </a:ln>
-          <a:effectLst>
-            <a:outerShdw blurRad="203200" dist="88900" dir="8100000" sx="102000" sy="102000" algn="tr" rotWithShape="0">
-              <a:prstClr val="black">
-                <a:alpha val="30000"/>
-              </a:prstClr>
-            </a:outerShdw>
-          </a:effectLst>
-        </p:spPr>
-        <p:style>
-          <a:lnRef idx="2">
-            <a:schemeClr val="accent1">
-              <a:shade val="50000"/>
-            </a:schemeClr>
-          </a:lnRef>
-          <a:fillRef idx="1">
-            <a:schemeClr val="accent1"/>
-          </a:fillRef>
-          <a:effectRef idx="0">
-            <a:schemeClr val="accent1"/>
-          </a:effectRef>
-          <a:fontRef idx="minor">
-            <a:schemeClr val="lt1"/>
-          </a:fontRef>
-        </p:style>
-        <p:txBody>
-          <a:bodyPr anchor="ctr"/>
-          <a:lstStyle/>
-          <a:p>
-            <a:pPr algn="ctr" fontAlgn="auto">
-              <a:spcBef>
-                <a:spcPts val="0"/>
-              </a:spcBef>
-              <a:spcAft>
-                <a:spcPts val="0"/>
-              </a:spcAft>
-              <a:defRPr/>
-            </a:pPr>
-            <a:r>
-              <a:rPr lang="en-US" altLang="zh-CN" sz="2800" dirty="0">
-                <a:latin typeface="Impact" panose="020B0806030902050204" pitchFamily="34" charset="0"/>
-                <a:ea typeface="微软雅黑" panose="020B0503020204020204" pitchFamily="34" charset="-122"/>
-                <a:cs typeface="+mn-ea"/>
-                <a:sym typeface="+mn-lt"/>
-              </a:rPr>
-              <a:t>4</a:t>
-            </a:r>
-            <a:endParaRPr lang="zh-CN" altLang="en-US" sz="2800" dirty="0">
-              <a:latin typeface="Impact" panose="020B0806030902050204" pitchFamily="34" charset="0"/>
-              <a:ea typeface="微软雅黑" panose="020B0503020204020204" pitchFamily="34" charset="-122"/>
-              <a:cs typeface="+mn-ea"/>
-              <a:sym typeface="+mn-lt"/>
-            </a:endParaRPr>
-          </a:p>
-        </p:txBody>
-      </p:sp>
-      <p:grpSp>
-        <p:nvGrpSpPr>
-          <p:cNvPr id="43" name="组合 42"/>
-          <p:cNvGrpSpPr/>
-          <p:nvPr/>
-        </p:nvGrpSpPr>
-        <p:grpSpPr>
-          <a:xfrm>
-            <a:off x="1387625" y="2472375"/>
-            <a:ext cx="2287905" cy="2287903"/>
-            <a:chOff x="3962648" y="2819400"/>
-            <a:chExt cx="1218704" cy="1218704"/>
-          </a:xfrm>
-        </p:grpSpPr>
-        <p:grpSp>
-          <p:nvGrpSpPr>
-            <p:cNvPr id="44" name="组合 43"/>
-            <p:cNvGrpSpPr/>
-            <p:nvPr/>
-          </p:nvGrpSpPr>
-          <p:grpSpPr>
-            <a:xfrm>
-              <a:off x="3962648" y="2819400"/>
-              <a:ext cx="1218704" cy="1218704"/>
-              <a:chOff x="304800" y="673100"/>
-              <a:chExt cx="4000500" cy="4000500"/>
-            </a:xfrm>
-            <a:effectLst>
-              <a:outerShdw blurRad="444500" dist="254000" dir="8100000" algn="tr" rotWithShape="0">
-                <a:prstClr val="black">
-                  <a:alpha val="50000"/>
-                </a:prstClr>
-              </a:outerShdw>
-            </a:effectLst>
-          </p:grpSpPr>
-          <p:sp>
-            <p:nvSpPr>
-              <p:cNvPr id="46" name="同心圆 45"/>
-              <p:cNvSpPr/>
-              <p:nvPr/>
-            </p:nvSpPr>
-            <p:spPr>
-              <a:xfrm>
-                <a:off x="304800" y="673100"/>
-                <a:ext cx="4000500" cy="4000500"/>
-              </a:xfrm>
-              <a:prstGeom prst="donut">
-                <a:avLst>
-                  <a:gd name="adj" fmla="val 4879"/>
-                </a:avLst>
-              </a:prstGeom>
-              <a:gradFill>
-                <a:gsLst>
-                  <a:gs pos="0">
-                    <a:schemeClr val="bg1"/>
-                  </a:gs>
-                  <a:gs pos="55000">
-                    <a:schemeClr val="bg1">
-                      <a:lumMod val="95000"/>
-                    </a:schemeClr>
-                  </a:gs>
-                  <a:gs pos="100000">
-                    <a:schemeClr val="bg1">
-                      <a:lumMod val="65000"/>
-                    </a:schemeClr>
-                  </a:gs>
-                </a:gsLst>
-                <a:lin ang="8100000" scaled="0"/>
-              </a:gradFill>
-              <a:ln>
-                <a:noFill/>
-              </a:ln>
-            </p:spPr>
-            <p:style>
-              <a:lnRef idx="2">
-                <a:schemeClr val="accent1">
-                  <a:shade val="50000"/>
-                </a:schemeClr>
-              </a:lnRef>
-              <a:fillRef idx="1">
-                <a:schemeClr val="accent1"/>
-              </a:fillRef>
-              <a:effectRef idx="0">
-                <a:schemeClr val="accent1"/>
-              </a:effectRef>
-              <a:fontRef idx="minor">
-                <a:schemeClr val="lt1"/>
-              </a:fontRef>
-            </p:style>
-            <p:txBody>
-              <a:bodyPr rtlCol="0" anchor="ctr"/>
-              <a:lstStyle/>
-              <a:p>
-                <a:pPr algn="ctr"/>
-                <a:endParaRPr lang="zh-CN" altLang="en-US" sz="1687">
-                  <a:solidFill>
-                    <a:schemeClr val="tx1"/>
-                  </a:solidFill>
-                  <a:ea typeface="微软雅黑" panose="020B0503020204020204" pitchFamily="34" charset="-122"/>
-                  <a:cs typeface="+mn-ea"/>
-                  <a:sym typeface="+mn-lt"/>
-                </a:endParaRPr>
-              </a:p>
-            </p:txBody>
-          </p:sp>
-          <p:sp>
-            <p:nvSpPr>
-              <p:cNvPr id="47" name="椭圆 46"/>
-              <p:cNvSpPr/>
-              <p:nvPr/>
-            </p:nvSpPr>
-            <p:spPr>
-              <a:xfrm>
-                <a:off x="392112" y="760412"/>
-                <a:ext cx="3825874" cy="3825874"/>
-              </a:xfrm>
-              <a:prstGeom prst="ellipse">
-                <a:avLst/>
-              </a:prstGeom>
-              <a:gradFill>
-                <a:gsLst>
-                  <a:gs pos="0">
-                    <a:schemeClr val="bg1"/>
-                  </a:gs>
-                  <a:gs pos="51000">
-                    <a:schemeClr val="bg1">
-                      <a:lumMod val="95000"/>
-                    </a:schemeClr>
-                  </a:gs>
-                  <a:gs pos="100000">
-                    <a:schemeClr val="bg1">
-                      <a:lumMod val="75000"/>
-                    </a:schemeClr>
-                  </a:gs>
-                </a:gsLst>
-                <a:lin ang="18900000" scaled="0"/>
-              </a:gradFill>
-              <a:ln>
-                <a:noFill/>
-              </a:ln>
-            </p:spPr>
-            <p:style>
-              <a:lnRef idx="2">
-                <a:schemeClr val="accent1">
-                  <a:shade val="50000"/>
-                </a:schemeClr>
-              </a:lnRef>
-              <a:fillRef idx="1">
-                <a:schemeClr val="accent1"/>
-              </a:fillRef>
-              <a:effectRef idx="0">
-                <a:schemeClr val="accent1"/>
-              </a:effectRef>
-              <a:fontRef idx="minor">
-                <a:schemeClr val="lt1"/>
-              </a:fontRef>
-            </p:style>
-            <p:txBody>
-              <a:bodyPr rtlCol="0" anchor="ctr"/>
-              <a:lstStyle/>
-              <a:p>
-                <a:pPr algn="ctr"/>
-                <a:endParaRPr lang="zh-CN" altLang="en-US" sz="1687">
-                  <a:ea typeface="微软雅黑" panose="020B0503020204020204" pitchFamily="34" charset="-122"/>
-                  <a:cs typeface="+mn-ea"/>
-                  <a:sym typeface="+mn-lt"/>
-                </a:endParaRPr>
-              </a:p>
-            </p:txBody>
-          </p:sp>
-        </p:grpSp>
-        <p:sp>
-          <p:nvSpPr>
-            <p:cNvPr id="45" name="TextBox 5"/>
-            <p:cNvSpPr txBox="1"/>
-            <p:nvPr/>
-          </p:nvSpPr>
-          <p:spPr>
-            <a:xfrm>
-              <a:off x="4146363" y="3165339"/>
-              <a:ext cx="852982" cy="475321"/>
-            </a:xfrm>
-            <a:prstGeom prst="rect">
-              <a:avLst/>
-            </a:prstGeom>
-            <a:noFill/>
-          </p:spPr>
-          <p:txBody>
-            <a:bodyPr wrap="none" rtlCol="0">
-              <a:spAutoFit/>
-            </a:bodyPr>
-            <a:lstStyle/>
-            <a:p>
-              <a:pPr algn="ctr"/>
-              <a:r>
-                <a:rPr lang="zh-CN" altLang="en-US" sz="2800" b="1" spc="300" dirty="0">
-                  <a:solidFill>
-                    <a:schemeClr val="accent1"/>
-                  </a:solidFill>
-                  <a:latin typeface="微软雅黑" panose="020B0503020204020204" pitchFamily="34" charset="-122"/>
-                  <a:ea typeface="微软雅黑" panose="020B0503020204020204" pitchFamily="34" charset="-122"/>
-                  <a:cs typeface="+mn-ea"/>
-                  <a:sym typeface="+mn-lt"/>
-                </a:rPr>
-                <a:t>目录</a:t>
-              </a:r>
-              <a:endParaRPr lang="en-US" altLang="zh-CN" sz="2800" b="1" spc="300" dirty="0">
-                <a:solidFill>
-                  <a:schemeClr val="accent1"/>
-                </a:solidFill>
-                <a:latin typeface="微软雅黑" panose="020B0503020204020204" pitchFamily="34" charset="-122"/>
-                <a:ea typeface="微软雅黑" panose="020B0503020204020204" pitchFamily="34" charset="-122"/>
-                <a:cs typeface="+mn-ea"/>
-                <a:sym typeface="+mn-lt"/>
-              </a:endParaRPr>
-            </a:p>
-            <a:p>
-              <a:pPr algn="ctr"/>
-              <a:r>
-                <a:rPr lang="en-US" altLang="zh-CN" sz="2400" b="1" cap="all" dirty="0">
-                  <a:solidFill>
-                    <a:schemeClr val="accent1"/>
-                  </a:solidFill>
-                  <a:latin typeface="Franklin Gothic Book" panose="020B0503020102020204" pitchFamily="34" charset="0"/>
-                  <a:ea typeface="微软雅黑" panose="020B0503020204020204" pitchFamily="34" charset="-122"/>
-                  <a:cs typeface="+mn-ea"/>
-                  <a:sym typeface="+mn-lt"/>
-                </a:rPr>
-                <a:t>contents</a:t>
-              </a:r>
-              <a:endParaRPr lang="zh-CN" altLang="en-US" sz="2400" b="1" cap="all" dirty="0">
-                <a:solidFill>
-                  <a:schemeClr val="accent1"/>
-                </a:solidFill>
-                <a:latin typeface="Franklin Gothic Book" panose="020B0503020102020204" pitchFamily="34" charset="0"/>
-                <a:ea typeface="微软雅黑" panose="020B0503020204020204" pitchFamily="34" charset="-122"/>
-                <a:cs typeface="+mn-ea"/>
-                <a:sym typeface="+mn-lt"/>
-              </a:endParaRPr>
-            </a:p>
-          </p:txBody>
-        </p:sp>
-      </p:grpSp>
-      <p:sp>
-        <p:nvSpPr>
-          <p:cNvPr id="4" name="圆角矩形 106">
-            <a:extLst>
-              <a:ext uri="{FF2B5EF4-FFF2-40B4-BE49-F238E27FC236}">
-                <a16:creationId xmlns:a16="http://schemas.microsoft.com/office/drawing/2014/main" id="{58C2D861-B7E7-443A-8D12-BF79F05F4975}"/>
-              </a:ext>
-            </a:extLst>
-          </p:cNvPr>
-          <p:cNvSpPr/>
-          <p:nvPr/>
-        </p:nvSpPr>
-        <p:spPr bwMode="auto">
-          <a:xfrm>
-            <a:off x="6268090" y="4912469"/>
-            <a:ext cx="714104" cy="588750"/>
-          </a:xfrm>
-          <a:prstGeom prst="roundRect">
-            <a:avLst/>
-          </a:prstGeom>
-          <a:solidFill>
-            <a:schemeClr val="accent2"/>
-          </a:solidFill>
-          <a:ln w="38100">
-            <a:noFill/>
-          </a:ln>
-          <a:effectLst>
-            <a:outerShdw blurRad="203200" dist="88900" dir="8100000" sx="102000" sy="102000" algn="tr" rotWithShape="0">
-              <a:prstClr val="black">
-                <a:alpha val="30000"/>
-              </a:prstClr>
-            </a:outerShdw>
-          </a:effectLst>
-        </p:spPr>
-        <p:style>
-          <a:lnRef idx="2">
-            <a:schemeClr val="accent1">
-              <a:shade val="50000"/>
-            </a:schemeClr>
-          </a:lnRef>
-          <a:fillRef idx="1">
-            <a:schemeClr val="accent1"/>
-          </a:fillRef>
-          <a:effectRef idx="0">
-            <a:schemeClr val="accent1"/>
-          </a:effectRef>
-          <a:fontRef idx="minor">
-            <a:schemeClr val="lt1"/>
-          </a:fontRef>
-        </p:style>
-        <p:txBody>
-          <a:bodyPr anchor="ctr"/>
-          <a:lstStyle/>
-          <a:p>
-            <a:pPr algn="ctr" fontAlgn="auto">
-              <a:spcBef>
-                <a:spcPts val="0"/>
-              </a:spcBef>
-              <a:spcAft>
-                <a:spcPts val="0"/>
-              </a:spcAft>
-              <a:defRPr/>
-            </a:pPr>
-            <a:r>
-              <a:rPr lang="en-US" altLang="zh-CN" sz="2800" dirty="0">
-                <a:latin typeface="Impact" panose="020B0806030902050204" pitchFamily="34" charset="0"/>
-                <a:ea typeface="微软雅黑" panose="020B0503020204020204" pitchFamily="34" charset="-122"/>
-                <a:cs typeface="+mn-ea"/>
-                <a:sym typeface="+mn-lt"/>
-              </a:rPr>
-              <a:t>5</a:t>
-            </a:r>
-            <a:endParaRPr lang="zh-CN" altLang="en-US" sz="2800" dirty="0">
-              <a:latin typeface="Impact" panose="020B0806030902050204" pitchFamily="34" charset="0"/>
-              <a:ea typeface="微软雅黑" panose="020B0503020204020204" pitchFamily="34" charset="-122"/>
-              <a:cs typeface="+mn-ea"/>
-              <a:sym typeface="+mn-lt"/>
-            </a:endParaRPr>
-          </a:p>
-        </p:txBody>
-      </p:sp>
-      <p:sp>
-        <p:nvSpPr>
-          <p:cNvPr id="6" name="矩形 5">
-            <a:extLst>
-              <a:ext uri="{FF2B5EF4-FFF2-40B4-BE49-F238E27FC236}">
-                <a16:creationId xmlns:a16="http://schemas.microsoft.com/office/drawing/2014/main" id="{1E723024-97CF-4934-AC2F-668C5F821257}"/>
-              </a:ext>
-            </a:extLst>
-          </p:cNvPr>
-          <p:cNvSpPr/>
-          <p:nvPr/>
-        </p:nvSpPr>
-        <p:spPr>
-          <a:xfrm>
-            <a:off x="7619607" y="4912469"/>
-            <a:ext cx="2698175" cy="564898"/>
-          </a:xfrm>
-          <a:prstGeom prst="rect">
-            <a:avLst/>
-          </a:prstGeom>
-          <a:effectLst/>
-        </p:spPr>
-        <p:txBody>
-          <a:bodyPr wrap="none">
-            <a:spAutoFit/>
-          </a:bodyPr>
-          <a:lstStyle/>
-          <a:p>
-            <a:pPr>
-              <a:lnSpc>
-                <a:spcPct val="120000"/>
-              </a:lnSpc>
-            </a:pPr>
-            <a:r>
-              <a:rPr lang="zh-CN" altLang="en-US" sz="2800" dirty="0">
-                <a:solidFill>
-                  <a:schemeClr val="bg1"/>
-                </a:solidFill>
-                <a:latin typeface="Arial" panose="020B0604020202020204" pitchFamily="34" charset="0"/>
-                <a:ea typeface="微软雅黑" panose="020B0503020204020204" pitchFamily="34" charset="-122"/>
-                <a:cs typeface="+mn-ea"/>
-                <a:sym typeface="Arial" panose="020B0604020202020204" pitchFamily="34" charset="0"/>
-              </a:rPr>
-              <a:t>小组分工及评价</a:t>
-            </a:r>
-            <a:endParaRPr lang="en-US" altLang="zh-CN" sz="2800" dirty="0">
-              <a:solidFill>
-                <a:schemeClr val="bg1"/>
-              </a:solidFill>
-              <a:latin typeface="Arial" panose="020B0604020202020204" pitchFamily="34" charset="0"/>
-              <a:ea typeface="微软雅黑" panose="020B0503020204020204" pitchFamily="34" charset="-122"/>
-              <a:cs typeface="+mn-ea"/>
-              <a:sym typeface="Arial" panose="020B0604020202020204" pitchFamily="34" charset="0"/>
-            </a:endParaRPr>
-          </a:p>
-        </p:txBody>
-      </p:sp>
-      <p:sp>
-        <p:nvSpPr>
-          <p:cNvPr id="7" name="矩形 6">
-            <a:extLst>
-              <a:ext uri="{FF2B5EF4-FFF2-40B4-BE49-F238E27FC236}">
-                <a16:creationId xmlns:a16="http://schemas.microsoft.com/office/drawing/2014/main" id="{F10A4DA5-FB55-4EE4-A318-A8C9A7EEF95D}"/>
-              </a:ext>
-            </a:extLst>
-          </p:cNvPr>
-          <p:cNvSpPr/>
-          <p:nvPr/>
-        </p:nvSpPr>
-        <p:spPr>
-          <a:xfrm>
-            <a:off x="7638228" y="5932507"/>
-            <a:ext cx="1620957" cy="564898"/>
-          </a:xfrm>
-          <a:prstGeom prst="rect">
-            <a:avLst/>
-          </a:prstGeom>
-          <a:effectLst/>
-        </p:spPr>
-        <p:txBody>
-          <a:bodyPr wrap="none">
-            <a:spAutoFit/>
-          </a:bodyPr>
-          <a:lstStyle/>
-          <a:p>
-            <a:pPr>
-              <a:lnSpc>
-                <a:spcPct val="120000"/>
-              </a:lnSpc>
-            </a:pPr>
-            <a:r>
-              <a:rPr lang="zh-CN" altLang="en-US" sz="2800" dirty="0">
-                <a:solidFill>
-                  <a:schemeClr val="bg1"/>
-                </a:solidFill>
-                <a:latin typeface="Arial" panose="020B0604020202020204" pitchFamily="34" charset="0"/>
-                <a:ea typeface="微软雅黑" panose="020B0503020204020204" pitchFamily="34" charset="-122"/>
-                <a:cs typeface="+mn-ea"/>
-                <a:sym typeface="Arial" panose="020B0604020202020204" pitchFamily="34" charset="0"/>
-              </a:rPr>
-              <a:t>参考资料</a:t>
-            </a:r>
-            <a:endParaRPr lang="en-US" altLang="zh-CN" sz="2800" dirty="0">
-              <a:solidFill>
-                <a:schemeClr val="bg1"/>
-              </a:solidFill>
-              <a:latin typeface="Arial" panose="020B0604020202020204" pitchFamily="34" charset="0"/>
-              <a:ea typeface="微软雅黑" panose="020B0503020204020204" pitchFamily="34" charset="-122"/>
-              <a:cs typeface="+mn-ea"/>
-              <a:sym typeface="Arial" panose="020B0604020202020204" pitchFamily="34" charset="0"/>
-            </a:endParaRPr>
-          </a:p>
-        </p:txBody>
-      </p:sp>
-      <p:sp>
-        <p:nvSpPr>
-          <p:cNvPr id="5" name="圆角矩形 106">
-            <a:extLst>
-              <a:ext uri="{FF2B5EF4-FFF2-40B4-BE49-F238E27FC236}">
-                <a16:creationId xmlns:a16="http://schemas.microsoft.com/office/drawing/2014/main" id="{E3365C5A-B152-4048-9F1B-7F3BD851E72E}"/>
-              </a:ext>
-            </a:extLst>
-          </p:cNvPr>
-          <p:cNvSpPr/>
-          <p:nvPr/>
-        </p:nvSpPr>
-        <p:spPr bwMode="auto">
-          <a:xfrm>
-            <a:off x="6268090" y="5920581"/>
-            <a:ext cx="714104" cy="588750"/>
-          </a:xfrm>
-          <a:prstGeom prst="roundRect">
-            <a:avLst/>
-          </a:prstGeom>
-          <a:solidFill>
-            <a:schemeClr val="accent2"/>
-          </a:solidFill>
-          <a:ln w="38100">
-            <a:noFill/>
-          </a:ln>
-          <a:effectLst>
-            <a:outerShdw blurRad="203200" dist="88900" dir="8100000" sx="102000" sy="102000" algn="tr" rotWithShape="0">
-              <a:prstClr val="black">
-                <a:alpha val="30000"/>
-              </a:prstClr>
-            </a:outerShdw>
-          </a:effectLst>
-        </p:spPr>
-        <p:style>
-          <a:lnRef idx="2">
-            <a:schemeClr val="accent1">
-              <a:shade val="50000"/>
-            </a:schemeClr>
-          </a:lnRef>
-          <a:fillRef idx="1">
-            <a:schemeClr val="accent1"/>
-          </a:fillRef>
-          <a:effectRef idx="0">
-            <a:schemeClr val="accent1"/>
-          </a:effectRef>
-          <a:fontRef idx="minor">
-            <a:schemeClr val="lt1"/>
-          </a:fontRef>
-        </p:style>
-        <p:txBody>
-          <a:bodyPr anchor="ctr"/>
-          <a:lstStyle/>
-          <a:p>
-            <a:pPr algn="ctr" fontAlgn="auto">
-              <a:spcBef>
-                <a:spcPts val="0"/>
-              </a:spcBef>
-              <a:spcAft>
-                <a:spcPts val="0"/>
-              </a:spcAft>
-              <a:defRPr/>
-            </a:pPr>
-            <a:r>
-              <a:rPr lang="en-US" altLang="zh-CN" sz="2800" dirty="0">
-                <a:latin typeface="Impact" panose="020B0806030902050204" pitchFamily="34" charset="0"/>
-                <a:ea typeface="微软雅黑" panose="020B0503020204020204" pitchFamily="34" charset="-122"/>
-                <a:cs typeface="+mn-ea"/>
-                <a:sym typeface="+mn-lt"/>
-              </a:rPr>
-              <a:t>6</a:t>
-            </a:r>
-            <a:endParaRPr lang="zh-CN" altLang="en-US" sz="2800" dirty="0">
-              <a:latin typeface="Impact" panose="020B0806030902050204" pitchFamily="34" charset="0"/>
-              <a:ea typeface="微软雅黑" panose="020B0503020204020204" pitchFamily="34" charset="-122"/>
-              <a:cs typeface="+mn-ea"/>
-              <a:sym typeface="+mn-lt"/>
-            </a:endParaRPr>
-          </a:p>
-        </p:txBody>
-      </p:sp>
-      <p:sp>
-        <p:nvSpPr>
-          <p:cNvPr id="8" name="矩形 7">
-            <a:extLst>
-              <a:ext uri="{FF2B5EF4-FFF2-40B4-BE49-F238E27FC236}">
-                <a16:creationId xmlns:a16="http://schemas.microsoft.com/office/drawing/2014/main" id="{F6CFB9F0-2E31-4D30-8809-40288F33012E}"/>
-              </a:ext>
-            </a:extLst>
-          </p:cNvPr>
-          <p:cNvSpPr/>
-          <p:nvPr/>
-        </p:nvSpPr>
-        <p:spPr>
-          <a:xfrm>
-            <a:off x="7619606" y="3916283"/>
-            <a:ext cx="3416320" cy="564898"/>
-          </a:xfrm>
-          <a:prstGeom prst="rect">
-            <a:avLst/>
-          </a:prstGeom>
-          <a:effectLst/>
-        </p:spPr>
-        <p:txBody>
-          <a:bodyPr wrap="none">
-            <a:spAutoFit/>
-          </a:bodyPr>
-          <a:lstStyle/>
-          <a:p>
-            <a:pPr>
-              <a:lnSpc>
-                <a:spcPct val="120000"/>
-              </a:lnSpc>
-            </a:pPr>
-            <a:r>
-              <a:rPr lang="zh-CN" altLang="en-US" sz="2800" dirty="0">
-                <a:solidFill>
-                  <a:schemeClr val="bg1"/>
-                </a:solidFill>
-                <a:latin typeface="Arial" panose="020B0604020202020204" pitchFamily="34" charset="0"/>
-                <a:ea typeface="微软雅黑" panose="020B0503020204020204" pitchFamily="34" charset="-122"/>
-                <a:cs typeface="+mn-ea"/>
-                <a:sym typeface="Arial" panose="020B0604020202020204" pitchFamily="34" charset="0"/>
-              </a:rPr>
-              <a:t>会议记录及配置管理</a:t>
-            </a:r>
-            <a:endParaRPr lang="en-US" altLang="zh-CN" sz="2800" dirty="0">
-              <a:solidFill>
-                <a:schemeClr val="bg1"/>
-              </a:solidFill>
-              <a:latin typeface="Arial" panose="020B0604020202020204" pitchFamily="34" charset="0"/>
-              <a:ea typeface="微软雅黑" panose="020B0503020204020204" pitchFamily="34" charset="-122"/>
-              <a:cs typeface="+mn-ea"/>
-              <a:sym typeface="Arial" panose="020B0604020202020204" pitchFamily="34" charset="0"/>
-            </a:endParaRPr>
-          </a:p>
-        </p:txBody>
-      </p:sp>
-    </p:spTree>
-    <p:extLst>
-      <p:ext uri="{BB962C8B-B14F-4D97-AF65-F5344CB8AC3E}">
-        <p14:creationId xmlns:p14="http://schemas.microsoft.com/office/powerpoint/2010/main" val="3765236695"/>
-      </p:ext>
-    </p:extLst>
-  </p:cSld>
-  <p:clrMapOvr>
-    <a:masterClrMapping/>
-  </p:clrMapOvr>
-</p:sld>
-</file>
-
-<file path=ppt/slides/slide20.xml><?xml version="1.0" encoding="utf-8"?>
+<file path=ppt/slides/slide21.xml><?xml version="1.0" encoding="utf-8"?>
 <p:sld xmlns:a="http://schemas.openxmlformats.org/drawingml/2006/main" xmlns:r="http://schemas.openxmlformats.org/officeDocument/2006/relationships" xmlns:p="http://schemas.openxmlformats.org/presentationml/2006/main">
   <p:cSld>
     <p:spTree>
@@ -22141,7 +23681,7 @@
 </p:sld>
 </file>
 
-<file path=ppt/slides/slide21.xml><?xml version="1.0" encoding="utf-8"?>
+<file path=ppt/slides/slide22.xml><?xml version="1.0" encoding="utf-8"?>
 <p:sld xmlns:a="http://schemas.openxmlformats.org/drawingml/2006/main" xmlns:r="http://schemas.openxmlformats.org/officeDocument/2006/relationships" xmlns:p="http://schemas.openxmlformats.org/presentationml/2006/main">
   <p:cSld>
     <p:spTree>
@@ -22662,7 +24202,7 @@
 </p:sld>
 </file>
 
-<file path=ppt/slides/slide22.xml><?xml version="1.0" encoding="utf-8"?>
+<file path=ppt/slides/slide23.xml><?xml version="1.0" encoding="utf-8"?>
 <p:sld xmlns:a="http://schemas.openxmlformats.org/drawingml/2006/main" xmlns:r="http://schemas.openxmlformats.org/officeDocument/2006/relationships" xmlns:p="http://schemas.openxmlformats.org/presentationml/2006/main">
   <p:cSld>
     <p:spTree>
@@ -27050,7 +28590,7 @@
 </p:sld>
 </file>
 
-<file path=ppt/slides/slide23.xml><?xml version="1.0" encoding="utf-8"?>
+<file path=ppt/slides/slide24.xml><?xml version="1.0" encoding="utf-8"?>
 <p:sld xmlns:a="http://schemas.openxmlformats.org/drawingml/2006/main" xmlns:r="http://schemas.openxmlformats.org/officeDocument/2006/relationships" xmlns:p="http://schemas.openxmlformats.org/presentationml/2006/main">
   <p:cSld>
     <p:spTree>
@@ -27647,7 +29187,7 @@
 </p:sld>
 </file>
 
-<file path=ppt/slides/slide24.xml><?xml version="1.0" encoding="utf-8"?>
+<file path=ppt/slides/slide25.xml><?xml version="1.0" encoding="utf-8"?>
 <p:sld xmlns:a="http://schemas.openxmlformats.org/drawingml/2006/main" xmlns:r="http://schemas.openxmlformats.org/officeDocument/2006/relationships" xmlns:p="http://schemas.openxmlformats.org/presentationml/2006/main">
   <p:cSld>
     <p:spTree>
@@ -28154,7 +29694,7 @@
 </p:sld>
 </file>
 
-<file path=ppt/slides/slide25.xml><?xml version="1.0" encoding="utf-8"?>
+<file path=ppt/slides/slide26.xml><?xml version="1.0" encoding="utf-8"?>
 <p:sld xmlns:a="http://schemas.openxmlformats.org/drawingml/2006/main" xmlns:r="http://schemas.openxmlformats.org/officeDocument/2006/relationships" xmlns:p="http://schemas.openxmlformats.org/presentationml/2006/main">
   <p:cSld>
     <p:spTree>
@@ -28641,7 +30181,7 @@
 </p:sld>
 </file>
 
-<file path=ppt/slides/slide26.xml><?xml version="1.0" encoding="utf-8"?>
+<file path=ppt/slides/slide27.xml><?xml version="1.0" encoding="utf-8"?>
 <p:sld xmlns:a="http://schemas.openxmlformats.org/drawingml/2006/main" xmlns:r="http://schemas.openxmlformats.org/officeDocument/2006/relationships" xmlns:p="http://schemas.openxmlformats.org/presentationml/2006/main">
   <p:cSld>
     <p:spTree>
@@ -29140,7 +30680,7 @@
 </p:sld>
 </file>
 
-<file path=ppt/slides/slide27.xml><?xml version="1.0" encoding="utf-8"?>
+<file path=ppt/slides/slide28.xml><?xml version="1.0" encoding="utf-8"?>
 <p:sld xmlns:a="http://schemas.openxmlformats.org/drawingml/2006/main" xmlns:r="http://schemas.openxmlformats.org/officeDocument/2006/relationships" xmlns:p="http://schemas.openxmlformats.org/presentationml/2006/main">
   <p:cSld>
     <p:spTree>
@@ -29639,7 +31179,7 @@
 </p:sld>
 </file>
 
-<file path=ppt/slides/slide28.xml><?xml version="1.0" encoding="utf-8"?>
+<file path=ppt/slides/slide29.xml><?xml version="1.0" encoding="utf-8"?>
 <p:sld xmlns:a="http://schemas.openxmlformats.org/drawingml/2006/main" xmlns:r="http://schemas.openxmlformats.org/officeDocument/2006/relationships" xmlns:p="http://schemas.openxmlformats.org/presentationml/2006/main">
   <p:cSld>
     <p:spTree>
@@ -30203,513 +31743,6 @@
     <p:extLst>
       <p:ext uri="{BB962C8B-B14F-4D97-AF65-F5344CB8AC3E}">
         <p14:creationId xmlns:p14="http://schemas.microsoft.com/office/powerpoint/2010/main" val="996960274"/>
-      </p:ext>
-    </p:extLst>
-  </p:cSld>
-  <p:clrMapOvr>
-    <a:masterClrMapping/>
-  </p:clrMapOvr>
-</p:sld>
-</file>
-
-<file path=ppt/slides/slide29.xml><?xml version="1.0" encoding="utf-8"?>
-<p:sld xmlns:a="http://schemas.openxmlformats.org/drawingml/2006/main" xmlns:r="http://schemas.openxmlformats.org/officeDocument/2006/relationships" xmlns:p="http://schemas.openxmlformats.org/presentationml/2006/main">
-  <p:cSld>
-    <p:spTree>
-      <p:nvGrpSpPr>
-        <p:cNvPr id="1" name=""/>
-        <p:cNvGrpSpPr/>
-        <p:nvPr/>
-      </p:nvGrpSpPr>
-      <p:grpSpPr>
-        <a:xfrm>
-          <a:off x="0" y="0"/>
-          <a:ext cx="0" cy="0"/>
-          <a:chOff x="0" y="0"/>
-          <a:chExt cx="0" cy="0"/>
-        </a:xfrm>
-      </p:grpSpPr>
-      <p:sp>
-        <p:nvSpPr>
-          <p:cNvPr id="29" name="任意多边形 28"/>
-          <p:cNvSpPr/>
-          <p:nvPr/>
-        </p:nvSpPr>
-        <p:spPr>
-          <a:xfrm rot="16200000" flipV="1">
-            <a:off x="-2625215" y="2540179"/>
-            <a:ext cx="6602234" cy="1521875"/>
-          </a:xfrm>
-          <a:custGeom>
-            <a:avLst/>
-            <a:gdLst>
-              <a:gd name="connsiteX0" fmla="*/ 6260239 w 6260239"/>
-              <a:gd name="connsiteY0" fmla="*/ 1443042 h 1443042"/>
-              <a:gd name="connsiteX1" fmla="*/ 6260239 w 6260239"/>
-              <a:gd name="connsiteY1" fmla="*/ 1370077 h 1443042"/>
-              <a:gd name="connsiteX2" fmla="*/ 3239468 w 6260239"/>
-              <a:gd name="connsiteY2" fmla="*/ 0 h 1443042"/>
-              <a:gd name="connsiteX3" fmla="*/ 0 w 6260239"/>
-              <a:gd name="connsiteY3" fmla="*/ 1443042 h 1443042"/>
-            </a:gdLst>
-            <a:ahLst/>
-            <a:cxnLst>
-              <a:cxn ang="0">
-                <a:pos x="connsiteX0" y="connsiteY0"/>
-              </a:cxn>
-              <a:cxn ang="0">
-                <a:pos x="connsiteX1" y="connsiteY1"/>
-              </a:cxn>
-              <a:cxn ang="0">
-                <a:pos x="connsiteX2" y="connsiteY2"/>
-              </a:cxn>
-              <a:cxn ang="0">
-                <a:pos x="connsiteX3" y="connsiteY3"/>
-              </a:cxn>
-            </a:cxnLst>
-            <a:rect l="l" t="t" r="r" b="b"/>
-            <a:pathLst>
-              <a:path w="6260239" h="1443042">
-                <a:moveTo>
-                  <a:pt x="6260239" y="1443042"/>
-                </a:moveTo>
-                <a:lnTo>
-                  <a:pt x="6260239" y="1370077"/>
-                </a:lnTo>
-                <a:lnTo>
-                  <a:pt x="3239468" y="0"/>
-                </a:lnTo>
-                <a:lnTo>
-                  <a:pt x="0" y="1443042"/>
-                </a:lnTo>
-                <a:close/>
-              </a:path>
-            </a:pathLst>
-          </a:custGeom>
-          <a:solidFill>
-            <a:srgbClr val="FFC001"/>
-          </a:solidFill>
-          <a:ln>
-            <a:noFill/>
-          </a:ln>
-        </p:spPr>
-        <p:style>
-          <a:lnRef idx="2">
-            <a:schemeClr val="accent1">
-              <a:shade val="50000"/>
-            </a:schemeClr>
-          </a:lnRef>
-          <a:fillRef idx="1">
-            <a:schemeClr val="accent1"/>
-          </a:fillRef>
-          <a:effectRef idx="0">
-            <a:schemeClr val="accent1"/>
-          </a:effectRef>
-          <a:fontRef idx="minor">
-            <a:schemeClr val="lt1"/>
-          </a:fontRef>
-        </p:style>
-        <p:txBody>
-          <a:bodyPr rtlCol="0" anchor="ctr"/>
-          <a:lstStyle/>
-          <a:p>
-            <a:pPr algn="ctr"/>
-            <a:endParaRPr lang="zh-CN" altLang="en-US"/>
-          </a:p>
-        </p:txBody>
-      </p:sp>
-      <p:sp>
-        <p:nvSpPr>
-          <p:cNvPr id="27" name="任意多边形 26"/>
-          <p:cNvSpPr/>
-          <p:nvPr/>
-        </p:nvSpPr>
-        <p:spPr>
-          <a:xfrm rot="16200000" flipV="1">
-            <a:off x="-2697077" y="3098735"/>
-            <a:ext cx="6745957" cy="1521874"/>
-          </a:xfrm>
-          <a:custGeom>
-            <a:avLst/>
-            <a:gdLst>
-              <a:gd name="connsiteX0" fmla="*/ 6396518 w 6396518"/>
-              <a:gd name="connsiteY0" fmla="*/ 1443041 h 1443041"/>
-              <a:gd name="connsiteX1" fmla="*/ 3214875 w 6396518"/>
-              <a:gd name="connsiteY1" fmla="*/ 0 h 1443041"/>
-              <a:gd name="connsiteX2" fmla="*/ 0 w 6396518"/>
-              <a:gd name="connsiteY2" fmla="*/ 1432086 h 1443041"/>
-              <a:gd name="connsiteX3" fmla="*/ 0 w 6396518"/>
-              <a:gd name="connsiteY3" fmla="*/ 1443041 h 1443041"/>
-            </a:gdLst>
-            <a:ahLst/>
-            <a:cxnLst>
-              <a:cxn ang="0">
-                <a:pos x="connsiteX0" y="connsiteY0"/>
-              </a:cxn>
-              <a:cxn ang="0">
-                <a:pos x="connsiteX1" y="connsiteY1"/>
-              </a:cxn>
-              <a:cxn ang="0">
-                <a:pos x="connsiteX2" y="connsiteY2"/>
-              </a:cxn>
-              <a:cxn ang="0">
-                <a:pos x="connsiteX3" y="connsiteY3"/>
-              </a:cxn>
-            </a:cxnLst>
-            <a:rect l="l" t="t" r="r" b="b"/>
-            <a:pathLst>
-              <a:path w="6396518" h="1443041">
-                <a:moveTo>
-                  <a:pt x="6396518" y="1443041"/>
-                </a:moveTo>
-                <a:lnTo>
-                  <a:pt x="3214875" y="0"/>
-                </a:lnTo>
-                <a:lnTo>
-                  <a:pt x="0" y="1432086"/>
-                </a:lnTo>
-                <a:lnTo>
-                  <a:pt x="0" y="1443041"/>
-                </a:lnTo>
-                <a:close/>
-              </a:path>
-            </a:pathLst>
-          </a:custGeom>
-          <a:solidFill>
-            <a:srgbClr val="3A3A3A"/>
-          </a:solidFill>
-          <a:ln>
-            <a:noFill/>
-          </a:ln>
-        </p:spPr>
-        <p:style>
-          <a:lnRef idx="2">
-            <a:schemeClr val="accent1">
-              <a:shade val="50000"/>
-            </a:schemeClr>
-          </a:lnRef>
-          <a:fillRef idx="1">
-            <a:schemeClr val="accent1"/>
-          </a:fillRef>
-          <a:effectRef idx="0">
-            <a:schemeClr val="accent1"/>
-          </a:effectRef>
-          <a:fontRef idx="minor">
-            <a:schemeClr val="lt1"/>
-          </a:fontRef>
-        </p:style>
-        <p:txBody>
-          <a:bodyPr rtlCol="0" anchor="ctr"/>
-          <a:lstStyle/>
-          <a:p>
-            <a:pPr algn="ctr"/>
-            <a:endParaRPr lang="zh-CN" altLang="en-US"/>
-          </a:p>
-        </p:txBody>
-      </p:sp>
-      <p:cxnSp>
-        <p:nvCxnSpPr>
-          <p:cNvPr id="9" name="直接连接符 8"/>
-          <p:cNvCxnSpPr/>
-          <p:nvPr/>
-        </p:nvCxnSpPr>
-        <p:spPr>
-          <a:xfrm rot="16200000" flipV="1">
-            <a:off x="-558074" y="673787"/>
-            <a:ext cx="2551227" cy="1163472"/>
-          </a:xfrm>
-          <a:prstGeom prst="line">
-            <a:avLst/>
-          </a:prstGeom>
-          <a:ln>
-            <a:solidFill>
-              <a:srgbClr val="3A3A3A"/>
-            </a:solidFill>
-          </a:ln>
-        </p:spPr>
-        <p:style>
-          <a:lnRef idx="1">
-            <a:schemeClr val="accent1"/>
-          </a:lnRef>
-          <a:fillRef idx="0">
-            <a:schemeClr val="accent1"/>
-          </a:fillRef>
-          <a:effectRef idx="0">
-            <a:schemeClr val="accent1"/>
-          </a:effectRef>
-          <a:fontRef idx="minor">
-            <a:schemeClr val="tx1"/>
-          </a:fontRef>
-        </p:style>
-      </p:cxnSp>
-      <p:sp>
-        <p:nvSpPr>
-          <p:cNvPr id="33" name="任意多边形 32"/>
-          <p:cNvSpPr/>
-          <p:nvPr/>
-        </p:nvSpPr>
-        <p:spPr>
-          <a:xfrm rot="2700000">
-            <a:off x="12357114" y="3181061"/>
-            <a:ext cx="1002566" cy="1002566"/>
-          </a:xfrm>
-          <a:custGeom>
-            <a:avLst/>
-            <a:gdLst>
-              <a:gd name="connsiteX0" fmla="*/ 0 w 950633"/>
-              <a:gd name="connsiteY0" fmla="*/ 0 h 950633"/>
-              <a:gd name="connsiteX1" fmla="*/ 950633 w 950633"/>
-              <a:gd name="connsiteY1" fmla="*/ 950633 h 950633"/>
-              <a:gd name="connsiteX2" fmla="*/ 0 w 950633"/>
-              <a:gd name="connsiteY2" fmla="*/ 950633 h 950633"/>
-            </a:gdLst>
-            <a:ahLst/>
-            <a:cxnLst>
-              <a:cxn ang="0">
-                <a:pos x="connsiteX0" y="connsiteY0"/>
-              </a:cxn>
-              <a:cxn ang="0">
-                <a:pos x="connsiteX1" y="connsiteY1"/>
-              </a:cxn>
-              <a:cxn ang="0">
-                <a:pos x="connsiteX2" y="connsiteY2"/>
-              </a:cxn>
-            </a:cxnLst>
-            <a:rect l="l" t="t" r="r" b="b"/>
-            <a:pathLst>
-              <a:path w="950633" h="950633">
-                <a:moveTo>
-                  <a:pt x="0" y="0"/>
-                </a:moveTo>
-                <a:lnTo>
-                  <a:pt x="950633" y="950633"/>
-                </a:lnTo>
-                <a:lnTo>
-                  <a:pt x="0" y="950633"/>
-                </a:lnTo>
-                <a:close/>
-              </a:path>
-            </a:pathLst>
-          </a:custGeom>
-          <a:solidFill>
-            <a:srgbClr val="FFC001"/>
-          </a:solidFill>
-          <a:ln>
-            <a:noFill/>
-          </a:ln>
-        </p:spPr>
-        <p:style>
-          <a:lnRef idx="2">
-            <a:schemeClr val="accent1">
-              <a:shade val="50000"/>
-            </a:schemeClr>
-          </a:lnRef>
-          <a:fillRef idx="1">
-            <a:schemeClr val="accent1"/>
-          </a:fillRef>
-          <a:effectRef idx="0">
-            <a:schemeClr val="accent1"/>
-          </a:effectRef>
-          <a:fontRef idx="minor">
-            <a:schemeClr val="lt1"/>
-          </a:fontRef>
-        </p:style>
-        <p:txBody>
-          <a:bodyPr rot="0" spcFirstLastPara="0" vertOverflow="overflow" horzOverflow="overflow" vert="horz" wrap="square" lIns="96435" tIns="48218" rIns="96435" bIns="48218" numCol="1" spcCol="0" rtlCol="0" fromWordArt="0" anchor="ctr" anchorCtr="0" forceAA="0" compatLnSpc="1">
-            <a:prstTxWarp prst="textNoShape">
-              <a:avLst/>
-            </a:prstTxWarp>
-            <a:noAutofit/>
-          </a:bodyPr>
-          <a:lstStyle/>
-          <a:p>
-            <a:pPr algn="ctr"/>
-            <a:endParaRPr lang="zh-CN" altLang="en-US"/>
-          </a:p>
-        </p:txBody>
-      </p:sp>
-      <p:grpSp>
-        <p:nvGrpSpPr>
-          <p:cNvPr id="24" name="组合 23"/>
-          <p:cNvGrpSpPr/>
-          <p:nvPr/>
-        </p:nvGrpSpPr>
-        <p:grpSpPr>
-          <a:xfrm>
-            <a:off x="5349255" y="2531137"/>
-            <a:ext cx="6446677" cy="1649455"/>
-            <a:chOff x="4560038" y="1903811"/>
-            <a:chExt cx="4585122" cy="1173155"/>
-          </a:xfrm>
-        </p:grpSpPr>
-        <p:sp>
-          <p:nvSpPr>
-            <p:cNvPr id="25" name="矩形 24"/>
-            <p:cNvSpPr/>
-            <p:nvPr/>
-          </p:nvSpPr>
-          <p:spPr>
-            <a:xfrm>
-              <a:off x="4599696" y="2573491"/>
-              <a:ext cx="4545464" cy="503475"/>
-            </a:xfrm>
-            <a:prstGeom prst="rect">
-              <a:avLst/>
-            </a:prstGeom>
-          </p:spPr>
-          <p:txBody>
-            <a:bodyPr wrap="none">
-              <a:spAutoFit/>
-            </a:bodyPr>
-            <a:lstStyle/>
-            <a:p>
-              <a:r>
-                <a:rPr lang="en-US" altLang="zh-CN" sz="4000" dirty="0">
-                  <a:solidFill>
-                    <a:srgbClr val="3A3A3A"/>
-                  </a:solidFill>
-                  <a:ea typeface="微软雅黑" panose="020B0503020204020204" pitchFamily="34" charset="-122"/>
-                </a:rPr>
-                <a:t>Group division and evaluation</a:t>
-              </a:r>
-            </a:p>
-          </p:txBody>
-        </p:sp>
-        <p:sp>
-          <p:nvSpPr>
-            <p:cNvPr id="26" name="矩形 25"/>
-            <p:cNvSpPr/>
-            <p:nvPr/>
-          </p:nvSpPr>
-          <p:spPr>
-            <a:xfrm>
-              <a:off x="4560038" y="1903811"/>
-              <a:ext cx="3579055" cy="656707"/>
-            </a:xfrm>
-            <a:prstGeom prst="rect">
-              <a:avLst/>
-            </a:prstGeom>
-          </p:spPr>
-          <p:txBody>
-            <a:bodyPr wrap="none">
-              <a:spAutoFit/>
-            </a:bodyPr>
-            <a:lstStyle/>
-            <a:p>
-              <a:r>
-                <a:rPr lang="zh-CN" altLang="en-US" sz="5400" dirty="0">
-                  <a:solidFill>
-                    <a:srgbClr val="3A3A3A"/>
-                  </a:solidFill>
-                  <a:latin typeface="Franklin Gothic Medium" panose="020B0603020102020204" pitchFamily="34" charset="0"/>
-                  <a:ea typeface="微软雅黑" panose="020B0503020204020204" pitchFamily="34" charset="-122"/>
-                  <a:cs typeface="+mn-ea"/>
-                  <a:sym typeface="+mn-lt"/>
-                </a:rPr>
-                <a:t>小组分工及评价</a:t>
-              </a:r>
-              <a:endParaRPr lang="zh-CN" altLang="en-US" sz="5400" b="1" dirty="0">
-                <a:solidFill>
-                  <a:srgbClr val="3A3A3A"/>
-                </a:solidFill>
-                <a:latin typeface="Impact" panose="020B0806030902050204" pitchFamily="34" charset="0"/>
-                <a:ea typeface="微软雅黑" panose="020B0503020204020204" pitchFamily="34" charset="-122"/>
-                <a:cs typeface="Arial" panose="020B0604020202020204" pitchFamily="34" charset="0"/>
-              </a:endParaRPr>
-            </a:p>
-          </p:txBody>
-        </p:sp>
-        <p:cxnSp>
-          <p:nvCxnSpPr>
-            <p:cNvPr id="30" name="直接连接符 29"/>
-            <p:cNvCxnSpPr/>
-            <p:nvPr/>
-          </p:nvCxnSpPr>
-          <p:spPr>
-            <a:xfrm>
-              <a:off x="4644008" y="2559875"/>
-              <a:ext cx="3562389" cy="0"/>
-            </a:xfrm>
-            <a:prstGeom prst="line">
-              <a:avLst/>
-            </a:prstGeom>
-            <a:ln>
-              <a:solidFill>
-                <a:schemeClr val="bg1"/>
-              </a:solidFill>
-            </a:ln>
-          </p:spPr>
-          <p:style>
-            <a:lnRef idx="1">
-              <a:schemeClr val="dk1"/>
-            </a:lnRef>
-            <a:fillRef idx="0">
-              <a:schemeClr val="dk1"/>
-            </a:fillRef>
-            <a:effectRef idx="0">
-              <a:schemeClr val="dk1"/>
-            </a:effectRef>
-            <a:fontRef idx="minor">
-              <a:schemeClr val="tx1"/>
-            </a:fontRef>
-          </p:style>
-        </p:cxnSp>
-      </p:grpSp>
-      <p:sp>
-        <p:nvSpPr>
-          <p:cNvPr id="31" name="TextBox 2"/>
-          <p:cNvSpPr txBox="1"/>
-          <p:nvPr/>
-        </p:nvSpPr>
-        <p:spPr>
-          <a:xfrm>
-            <a:off x="872253" y="725525"/>
-            <a:ext cx="5422486" cy="5263548"/>
-          </a:xfrm>
-          <a:prstGeom prst="rect">
-            <a:avLst/>
-          </a:prstGeom>
-          <a:noFill/>
-        </p:spPr>
-        <p:txBody>
-          <a:bodyPr wrap="square" rtlCol="0">
-            <a:spAutoFit/>
-          </a:bodyPr>
-          <a:lstStyle>
-            <a:defPPr>
-              <a:defRPr lang="zh-CN"/>
-            </a:defPPr>
-            <a:lvl1pPr algn="ctr">
-              <a:defRPr sz="8800" b="1">
-                <a:solidFill>
-                  <a:srgbClr val="441C1F"/>
-                </a:solidFill>
-                <a:latin typeface="IrisUPC" pitchFamily="34" charset="-34"/>
-                <a:cs typeface="IrisUPC" pitchFamily="34" charset="-34"/>
-              </a:defRPr>
-            </a:lvl1pPr>
-          </a:lstStyle>
-          <a:p>
-            <a:r>
-              <a:rPr lang="en-US" altLang="zh-CN" sz="33605" dirty="0">
-                <a:solidFill>
-                  <a:srgbClr val="FFC001"/>
-                </a:solidFill>
-              </a:rPr>
-              <a:t>05</a:t>
-            </a:r>
-            <a:endParaRPr lang="zh-CN" altLang="en-US" sz="33605" dirty="0">
-              <a:solidFill>
-                <a:srgbClr val="FFC001"/>
-              </a:solidFill>
-            </a:endParaRPr>
-          </a:p>
-        </p:txBody>
-      </p:sp>
-    </p:spTree>
-    <p:extLst>
-      <p:ext uri="{BB962C8B-B14F-4D97-AF65-F5344CB8AC3E}">
-        <p14:creationId xmlns:p14="http://schemas.microsoft.com/office/powerpoint/2010/main" val="1740523399"/>
       </p:ext>
     </p:extLst>
   </p:cSld>
@@ -31246,6 +32279,513 @@
       </p:grpSpPr>
       <p:sp>
         <p:nvSpPr>
+          <p:cNvPr id="29" name="任意多边形 28"/>
+          <p:cNvSpPr/>
+          <p:nvPr/>
+        </p:nvSpPr>
+        <p:spPr>
+          <a:xfrm rot="16200000" flipV="1">
+            <a:off x="-2625215" y="2540179"/>
+            <a:ext cx="6602234" cy="1521875"/>
+          </a:xfrm>
+          <a:custGeom>
+            <a:avLst/>
+            <a:gdLst>
+              <a:gd name="connsiteX0" fmla="*/ 6260239 w 6260239"/>
+              <a:gd name="connsiteY0" fmla="*/ 1443042 h 1443042"/>
+              <a:gd name="connsiteX1" fmla="*/ 6260239 w 6260239"/>
+              <a:gd name="connsiteY1" fmla="*/ 1370077 h 1443042"/>
+              <a:gd name="connsiteX2" fmla="*/ 3239468 w 6260239"/>
+              <a:gd name="connsiteY2" fmla="*/ 0 h 1443042"/>
+              <a:gd name="connsiteX3" fmla="*/ 0 w 6260239"/>
+              <a:gd name="connsiteY3" fmla="*/ 1443042 h 1443042"/>
+            </a:gdLst>
+            <a:ahLst/>
+            <a:cxnLst>
+              <a:cxn ang="0">
+                <a:pos x="connsiteX0" y="connsiteY0"/>
+              </a:cxn>
+              <a:cxn ang="0">
+                <a:pos x="connsiteX1" y="connsiteY1"/>
+              </a:cxn>
+              <a:cxn ang="0">
+                <a:pos x="connsiteX2" y="connsiteY2"/>
+              </a:cxn>
+              <a:cxn ang="0">
+                <a:pos x="connsiteX3" y="connsiteY3"/>
+              </a:cxn>
+            </a:cxnLst>
+            <a:rect l="l" t="t" r="r" b="b"/>
+            <a:pathLst>
+              <a:path w="6260239" h="1443042">
+                <a:moveTo>
+                  <a:pt x="6260239" y="1443042"/>
+                </a:moveTo>
+                <a:lnTo>
+                  <a:pt x="6260239" y="1370077"/>
+                </a:lnTo>
+                <a:lnTo>
+                  <a:pt x="3239468" y="0"/>
+                </a:lnTo>
+                <a:lnTo>
+                  <a:pt x="0" y="1443042"/>
+                </a:lnTo>
+                <a:close/>
+              </a:path>
+            </a:pathLst>
+          </a:custGeom>
+          <a:solidFill>
+            <a:srgbClr val="FFC001"/>
+          </a:solidFill>
+          <a:ln>
+            <a:noFill/>
+          </a:ln>
+        </p:spPr>
+        <p:style>
+          <a:lnRef idx="2">
+            <a:schemeClr val="accent1">
+              <a:shade val="50000"/>
+            </a:schemeClr>
+          </a:lnRef>
+          <a:fillRef idx="1">
+            <a:schemeClr val="accent1"/>
+          </a:fillRef>
+          <a:effectRef idx="0">
+            <a:schemeClr val="accent1"/>
+          </a:effectRef>
+          <a:fontRef idx="minor">
+            <a:schemeClr val="lt1"/>
+          </a:fontRef>
+        </p:style>
+        <p:txBody>
+          <a:bodyPr rtlCol="0" anchor="ctr"/>
+          <a:lstStyle/>
+          <a:p>
+            <a:pPr algn="ctr"/>
+            <a:endParaRPr lang="zh-CN" altLang="en-US"/>
+          </a:p>
+        </p:txBody>
+      </p:sp>
+      <p:sp>
+        <p:nvSpPr>
+          <p:cNvPr id="27" name="任意多边形 26"/>
+          <p:cNvSpPr/>
+          <p:nvPr/>
+        </p:nvSpPr>
+        <p:spPr>
+          <a:xfrm rot="16200000" flipV="1">
+            <a:off x="-2697077" y="3098735"/>
+            <a:ext cx="6745957" cy="1521874"/>
+          </a:xfrm>
+          <a:custGeom>
+            <a:avLst/>
+            <a:gdLst>
+              <a:gd name="connsiteX0" fmla="*/ 6396518 w 6396518"/>
+              <a:gd name="connsiteY0" fmla="*/ 1443041 h 1443041"/>
+              <a:gd name="connsiteX1" fmla="*/ 3214875 w 6396518"/>
+              <a:gd name="connsiteY1" fmla="*/ 0 h 1443041"/>
+              <a:gd name="connsiteX2" fmla="*/ 0 w 6396518"/>
+              <a:gd name="connsiteY2" fmla="*/ 1432086 h 1443041"/>
+              <a:gd name="connsiteX3" fmla="*/ 0 w 6396518"/>
+              <a:gd name="connsiteY3" fmla="*/ 1443041 h 1443041"/>
+            </a:gdLst>
+            <a:ahLst/>
+            <a:cxnLst>
+              <a:cxn ang="0">
+                <a:pos x="connsiteX0" y="connsiteY0"/>
+              </a:cxn>
+              <a:cxn ang="0">
+                <a:pos x="connsiteX1" y="connsiteY1"/>
+              </a:cxn>
+              <a:cxn ang="0">
+                <a:pos x="connsiteX2" y="connsiteY2"/>
+              </a:cxn>
+              <a:cxn ang="0">
+                <a:pos x="connsiteX3" y="connsiteY3"/>
+              </a:cxn>
+            </a:cxnLst>
+            <a:rect l="l" t="t" r="r" b="b"/>
+            <a:pathLst>
+              <a:path w="6396518" h="1443041">
+                <a:moveTo>
+                  <a:pt x="6396518" y="1443041"/>
+                </a:moveTo>
+                <a:lnTo>
+                  <a:pt x="3214875" y="0"/>
+                </a:lnTo>
+                <a:lnTo>
+                  <a:pt x="0" y="1432086"/>
+                </a:lnTo>
+                <a:lnTo>
+                  <a:pt x="0" y="1443041"/>
+                </a:lnTo>
+                <a:close/>
+              </a:path>
+            </a:pathLst>
+          </a:custGeom>
+          <a:solidFill>
+            <a:srgbClr val="3A3A3A"/>
+          </a:solidFill>
+          <a:ln>
+            <a:noFill/>
+          </a:ln>
+        </p:spPr>
+        <p:style>
+          <a:lnRef idx="2">
+            <a:schemeClr val="accent1">
+              <a:shade val="50000"/>
+            </a:schemeClr>
+          </a:lnRef>
+          <a:fillRef idx="1">
+            <a:schemeClr val="accent1"/>
+          </a:fillRef>
+          <a:effectRef idx="0">
+            <a:schemeClr val="accent1"/>
+          </a:effectRef>
+          <a:fontRef idx="minor">
+            <a:schemeClr val="lt1"/>
+          </a:fontRef>
+        </p:style>
+        <p:txBody>
+          <a:bodyPr rtlCol="0" anchor="ctr"/>
+          <a:lstStyle/>
+          <a:p>
+            <a:pPr algn="ctr"/>
+            <a:endParaRPr lang="zh-CN" altLang="en-US"/>
+          </a:p>
+        </p:txBody>
+      </p:sp>
+      <p:cxnSp>
+        <p:nvCxnSpPr>
+          <p:cNvPr id="9" name="直接连接符 8"/>
+          <p:cNvCxnSpPr/>
+          <p:nvPr/>
+        </p:nvCxnSpPr>
+        <p:spPr>
+          <a:xfrm rot="16200000" flipV="1">
+            <a:off x="-558074" y="673787"/>
+            <a:ext cx="2551227" cy="1163472"/>
+          </a:xfrm>
+          <a:prstGeom prst="line">
+            <a:avLst/>
+          </a:prstGeom>
+          <a:ln>
+            <a:solidFill>
+              <a:srgbClr val="3A3A3A"/>
+            </a:solidFill>
+          </a:ln>
+        </p:spPr>
+        <p:style>
+          <a:lnRef idx="1">
+            <a:schemeClr val="accent1"/>
+          </a:lnRef>
+          <a:fillRef idx="0">
+            <a:schemeClr val="accent1"/>
+          </a:fillRef>
+          <a:effectRef idx="0">
+            <a:schemeClr val="accent1"/>
+          </a:effectRef>
+          <a:fontRef idx="minor">
+            <a:schemeClr val="tx1"/>
+          </a:fontRef>
+        </p:style>
+      </p:cxnSp>
+      <p:sp>
+        <p:nvSpPr>
+          <p:cNvPr id="33" name="任意多边形 32"/>
+          <p:cNvSpPr/>
+          <p:nvPr/>
+        </p:nvSpPr>
+        <p:spPr>
+          <a:xfrm rot="2700000">
+            <a:off x="12357114" y="3181061"/>
+            <a:ext cx="1002566" cy="1002566"/>
+          </a:xfrm>
+          <a:custGeom>
+            <a:avLst/>
+            <a:gdLst>
+              <a:gd name="connsiteX0" fmla="*/ 0 w 950633"/>
+              <a:gd name="connsiteY0" fmla="*/ 0 h 950633"/>
+              <a:gd name="connsiteX1" fmla="*/ 950633 w 950633"/>
+              <a:gd name="connsiteY1" fmla="*/ 950633 h 950633"/>
+              <a:gd name="connsiteX2" fmla="*/ 0 w 950633"/>
+              <a:gd name="connsiteY2" fmla="*/ 950633 h 950633"/>
+            </a:gdLst>
+            <a:ahLst/>
+            <a:cxnLst>
+              <a:cxn ang="0">
+                <a:pos x="connsiteX0" y="connsiteY0"/>
+              </a:cxn>
+              <a:cxn ang="0">
+                <a:pos x="connsiteX1" y="connsiteY1"/>
+              </a:cxn>
+              <a:cxn ang="0">
+                <a:pos x="connsiteX2" y="connsiteY2"/>
+              </a:cxn>
+            </a:cxnLst>
+            <a:rect l="l" t="t" r="r" b="b"/>
+            <a:pathLst>
+              <a:path w="950633" h="950633">
+                <a:moveTo>
+                  <a:pt x="0" y="0"/>
+                </a:moveTo>
+                <a:lnTo>
+                  <a:pt x="950633" y="950633"/>
+                </a:lnTo>
+                <a:lnTo>
+                  <a:pt x="0" y="950633"/>
+                </a:lnTo>
+                <a:close/>
+              </a:path>
+            </a:pathLst>
+          </a:custGeom>
+          <a:solidFill>
+            <a:srgbClr val="FFC001"/>
+          </a:solidFill>
+          <a:ln>
+            <a:noFill/>
+          </a:ln>
+        </p:spPr>
+        <p:style>
+          <a:lnRef idx="2">
+            <a:schemeClr val="accent1">
+              <a:shade val="50000"/>
+            </a:schemeClr>
+          </a:lnRef>
+          <a:fillRef idx="1">
+            <a:schemeClr val="accent1"/>
+          </a:fillRef>
+          <a:effectRef idx="0">
+            <a:schemeClr val="accent1"/>
+          </a:effectRef>
+          <a:fontRef idx="minor">
+            <a:schemeClr val="lt1"/>
+          </a:fontRef>
+        </p:style>
+        <p:txBody>
+          <a:bodyPr rot="0" spcFirstLastPara="0" vertOverflow="overflow" horzOverflow="overflow" vert="horz" wrap="square" lIns="96435" tIns="48218" rIns="96435" bIns="48218" numCol="1" spcCol="0" rtlCol="0" fromWordArt="0" anchor="ctr" anchorCtr="0" forceAA="0" compatLnSpc="1">
+            <a:prstTxWarp prst="textNoShape">
+              <a:avLst/>
+            </a:prstTxWarp>
+            <a:noAutofit/>
+          </a:bodyPr>
+          <a:lstStyle/>
+          <a:p>
+            <a:pPr algn="ctr"/>
+            <a:endParaRPr lang="zh-CN" altLang="en-US"/>
+          </a:p>
+        </p:txBody>
+      </p:sp>
+      <p:grpSp>
+        <p:nvGrpSpPr>
+          <p:cNvPr id="24" name="组合 23"/>
+          <p:cNvGrpSpPr/>
+          <p:nvPr/>
+        </p:nvGrpSpPr>
+        <p:grpSpPr>
+          <a:xfrm>
+            <a:off x="5349255" y="2531137"/>
+            <a:ext cx="6446677" cy="1649455"/>
+            <a:chOff x="4560038" y="1903811"/>
+            <a:chExt cx="4585122" cy="1173155"/>
+          </a:xfrm>
+        </p:grpSpPr>
+        <p:sp>
+          <p:nvSpPr>
+            <p:cNvPr id="25" name="矩形 24"/>
+            <p:cNvSpPr/>
+            <p:nvPr/>
+          </p:nvSpPr>
+          <p:spPr>
+            <a:xfrm>
+              <a:off x="4599696" y="2573491"/>
+              <a:ext cx="4545464" cy="503475"/>
+            </a:xfrm>
+            <a:prstGeom prst="rect">
+              <a:avLst/>
+            </a:prstGeom>
+          </p:spPr>
+          <p:txBody>
+            <a:bodyPr wrap="none">
+              <a:spAutoFit/>
+            </a:bodyPr>
+            <a:lstStyle/>
+            <a:p>
+              <a:r>
+                <a:rPr lang="en-US" altLang="zh-CN" sz="4000" dirty="0">
+                  <a:solidFill>
+                    <a:srgbClr val="3A3A3A"/>
+                  </a:solidFill>
+                  <a:ea typeface="微软雅黑" panose="020B0503020204020204" pitchFamily="34" charset="-122"/>
+                </a:rPr>
+                <a:t>Group division and evaluation</a:t>
+              </a:r>
+            </a:p>
+          </p:txBody>
+        </p:sp>
+        <p:sp>
+          <p:nvSpPr>
+            <p:cNvPr id="26" name="矩形 25"/>
+            <p:cNvSpPr/>
+            <p:nvPr/>
+          </p:nvSpPr>
+          <p:spPr>
+            <a:xfrm>
+              <a:off x="4560038" y="1903811"/>
+              <a:ext cx="3579055" cy="656707"/>
+            </a:xfrm>
+            <a:prstGeom prst="rect">
+              <a:avLst/>
+            </a:prstGeom>
+          </p:spPr>
+          <p:txBody>
+            <a:bodyPr wrap="none">
+              <a:spAutoFit/>
+            </a:bodyPr>
+            <a:lstStyle/>
+            <a:p>
+              <a:r>
+                <a:rPr lang="zh-CN" altLang="en-US" sz="5400" dirty="0">
+                  <a:solidFill>
+                    <a:srgbClr val="3A3A3A"/>
+                  </a:solidFill>
+                  <a:latin typeface="Franklin Gothic Medium" panose="020B0603020102020204" pitchFamily="34" charset="0"/>
+                  <a:ea typeface="微软雅黑" panose="020B0503020204020204" pitchFamily="34" charset="-122"/>
+                  <a:cs typeface="+mn-ea"/>
+                  <a:sym typeface="+mn-lt"/>
+                </a:rPr>
+                <a:t>小组分工及评价</a:t>
+              </a:r>
+              <a:endParaRPr lang="zh-CN" altLang="en-US" sz="5400" b="1" dirty="0">
+                <a:solidFill>
+                  <a:srgbClr val="3A3A3A"/>
+                </a:solidFill>
+                <a:latin typeface="Impact" panose="020B0806030902050204" pitchFamily="34" charset="0"/>
+                <a:ea typeface="微软雅黑" panose="020B0503020204020204" pitchFamily="34" charset="-122"/>
+                <a:cs typeface="Arial" panose="020B0604020202020204" pitchFamily="34" charset="0"/>
+              </a:endParaRPr>
+            </a:p>
+          </p:txBody>
+        </p:sp>
+        <p:cxnSp>
+          <p:nvCxnSpPr>
+            <p:cNvPr id="30" name="直接连接符 29"/>
+            <p:cNvCxnSpPr/>
+            <p:nvPr/>
+          </p:nvCxnSpPr>
+          <p:spPr>
+            <a:xfrm>
+              <a:off x="4644008" y="2559875"/>
+              <a:ext cx="3562389" cy="0"/>
+            </a:xfrm>
+            <a:prstGeom prst="line">
+              <a:avLst/>
+            </a:prstGeom>
+            <a:ln>
+              <a:solidFill>
+                <a:schemeClr val="bg1"/>
+              </a:solidFill>
+            </a:ln>
+          </p:spPr>
+          <p:style>
+            <a:lnRef idx="1">
+              <a:schemeClr val="dk1"/>
+            </a:lnRef>
+            <a:fillRef idx="0">
+              <a:schemeClr val="dk1"/>
+            </a:fillRef>
+            <a:effectRef idx="0">
+              <a:schemeClr val="dk1"/>
+            </a:effectRef>
+            <a:fontRef idx="minor">
+              <a:schemeClr val="tx1"/>
+            </a:fontRef>
+          </p:style>
+        </p:cxnSp>
+      </p:grpSp>
+      <p:sp>
+        <p:nvSpPr>
+          <p:cNvPr id="31" name="TextBox 2"/>
+          <p:cNvSpPr txBox="1"/>
+          <p:nvPr/>
+        </p:nvSpPr>
+        <p:spPr>
+          <a:xfrm>
+            <a:off x="872253" y="725525"/>
+            <a:ext cx="5422486" cy="5263548"/>
+          </a:xfrm>
+          <a:prstGeom prst="rect">
+            <a:avLst/>
+          </a:prstGeom>
+          <a:noFill/>
+        </p:spPr>
+        <p:txBody>
+          <a:bodyPr wrap="square" rtlCol="0">
+            <a:spAutoFit/>
+          </a:bodyPr>
+          <a:lstStyle>
+            <a:defPPr>
+              <a:defRPr lang="zh-CN"/>
+            </a:defPPr>
+            <a:lvl1pPr algn="ctr">
+              <a:defRPr sz="8800" b="1">
+                <a:solidFill>
+                  <a:srgbClr val="441C1F"/>
+                </a:solidFill>
+                <a:latin typeface="IrisUPC" pitchFamily="34" charset="-34"/>
+                <a:cs typeface="IrisUPC" pitchFamily="34" charset="-34"/>
+              </a:defRPr>
+            </a:lvl1pPr>
+          </a:lstStyle>
+          <a:p>
+            <a:r>
+              <a:rPr lang="en-US" altLang="zh-CN" sz="33605" dirty="0">
+                <a:solidFill>
+                  <a:srgbClr val="FFC001"/>
+                </a:solidFill>
+              </a:rPr>
+              <a:t>05</a:t>
+            </a:r>
+            <a:endParaRPr lang="zh-CN" altLang="en-US" sz="33605" dirty="0">
+              <a:solidFill>
+                <a:srgbClr val="FFC001"/>
+              </a:solidFill>
+            </a:endParaRPr>
+          </a:p>
+        </p:txBody>
+      </p:sp>
+    </p:spTree>
+    <p:extLst>
+      <p:ext uri="{BB962C8B-B14F-4D97-AF65-F5344CB8AC3E}">
+        <p14:creationId xmlns:p14="http://schemas.microsoft.com/office/powerpoint/2010/main" val="1740523399"/>
+      </p:ext>
+    </p:extLst>
+  </p:cSld>
+  <p:clrMapOvr>
+    <a:masterClrMapping/>
+  </p:clrMapOvr>
+</p:sld>
+</file>
+
+<file path=ppt/slides/slide31.xml><?xml version="1.0" encoding="utf-8"?>
+<p:sld xmlns:a="http://schemas.openxmlformats.org/drawingml/2006/main" xmlns:r="http://schemas.openxmlformats.org/officeDocument/2006/relationships" xmlns:p="http://schemas.openxmlformats.org/presentationml/2006/main">
+  <p:cSld>
+    <p:spTree>
+      <p:nvGrpSpPr>
+        <p:cNvPr id="1" name=""/>
+        <p:cNvGrpSpPr/>
+        <p:nvPr/>
+      </p:nvGrpSpPr>
+      <p:grpSpPr>
+        <a:xfrm>
+          <a:off x="0" y="0"/>
+          <a:ext cx="0" cy="0"/>
+          <a:chOff x="0" y="0"/>
+          <a:chExt cx="0" cy="0"/>
+        </a:xfrm>
+      </p:grpSpPr>
+      <p:sp>
+        <p:nvSpPr>
           <p:cNvPr id="8" name="椭圆 7">
             <a:extLst>
               <a:ext uri="{FF2B5EF4-FFF2-40B4-BE49-F238E27FC236}">
@@ -31949,7 +33489,7 @@
 </p:sld>
 </file>
 
-<file path=ppt/slides/slide31.xml><?xml version="1.0" encoding="utf-8"?>
+<file path=ppt/slides/slide32.xml><?xml version="1.0" encoding="utf-8"?>
 <p:sld xmlns:a="http://schemas.openxmlformats.org/drawingml/2006/main" xmlns:r="http://schemas.openxmlformats.org/officeDocument/2006/relationships" xmlns:p="http://schemas.openxmlformats.org/presentationml/2006/main">
   <p:cSld>
     <p:spTree>
@@ -32671,7 +34211,7 @@
 </p:sld>
 </file>
 
-<file path=ppt/slides/slide32.xml><?xml version="1.0" encoding="utf-8"?>
+<file path=ppt/slides/slide33.xml><?xml version="1.0" encoding="utf-8"?>
 <p:sld xmlns:a="http://schemas.openxmlformats.org/drawingml/2006/main" xmlns:r="http://schemas.openxmlformats.org/officeDocument/2006/relationships" xmlns:p="http://schemas.openxmlformats.org/presentationml/2006/main">
   <p:cSld>
     <p:spTree>
@@ -33393,7 +34933,7 @@
 </p:sld>
 </file>
 
-<file path=ppt/slides/slide33.xml><?xml version="1.0" encoding="utf-8"?>
+<file path=ppt/slides/slide34.xml><?xml version="1.0" encoding="utf-8"?>
 <p:sld xmlns:a="http://schemas.openxmlformats.org/drawingml/2006/main" xmlns:r="http://schemas.openxmlformats.org/officeDocument/2006/relationships" xmlns:p="http://schemas.openxmlformats.org/presentationml/2006/main">
   <p:cSld>
     <p:spTree>
@@ -33900,7 +35440,7 @@
 </p:sld>
 </file>
 
-<file path=ppt/slides/slide34.xml><?xml version="1.0" encoding="utf-8"?>
+<file path=ppt/slides/slide35.xml><?xml version="1.0" encoding="utf-8"?>
 <p:sld xmlns:a="http://schemas.openxmlformats.org/drawingml/2006/main" xmlns:r="http://schemas.openxmlformats.org/officeDocument/2006/relationships" xmlns:p="http://schemas.openxmlformats.org/presentationml/2006/main">
   <p:cSld>
     <p:spTree>
@@ -36584,7 +38124,7 @@
 </p:sld>
 </file>
 
-<file path=ppt/slides/slide35.xml><?xml version="1.0" encoding="utf-8"?>
+<file path=ppt/slides/slide36.xml><?xml version="1.0" encoding="utf-8"?>
 <p:sld xmlns:a="http://schemas.openxmlformats.org/drawingml/2006/main" xmlns:r="http://schemas.openxmlformats.org/officeDocument/2006/relationships" xmlns:p="http://schemas.openxmlformats.org/presentationml/2006/main">
   <p:cSld>
     <p:spTree>
